--- a/papers/Presentations/WACAI_EN.pptx
+++ b/papers/Presentations/WACAI_EN.pptx
@@ -7,7 +7,7 @@
     <p:sldMasterId id="2147483731" r:id="rId3"/>
   </p:sldMasterIdLst>
   <p:notesMasterIdLst>
-    <p:notesMasterId r:id="rId23"/>
+    <p:notesMasterId r:id="rId21"/>
   </p:notesMasterIdLst>
   <p:sldIdLst>
     <p:sldId id="258" r:id="rId4"/>
@@ -27,8 +27,6 @@
     <p:sldId id="278" r:id="rId18"/>
     <p:sldId id="280" r:id="rId19"/>
     <p:sldId id="282" r:id="rId20"/>
-    <p:sldId id="277" r:id="rId21"/>
-    <p:sldId id="281" r:id="rId22"/>
   </p:sldIdLst>
   <p:sldSz cx="12192000" cy="6858000"/>
   <p:notesSz cx="6858000" cy="9144000"/>
@@ -225,7 +223,7 @@
           <a:p>
             <a:fld id="{DA35E098-590E-42A9-A800-3086C5EA9EBB}" type="datetimeFigureOut">
               <a:rPr lang="fr-FR" smtClean="0"/>
-              <a:t>13/06/2016</a:t>
+              <a:t>20/06/2016</a:t>
             </a:fld>
             <a:endParaRPr lang="fr-FR"/>
           </a:p>
@@ -1033,138 +1031,6 @@
 </p:notes>
 </file>
 
-<file path=ppt/notesSlides/notesSlide13.xml><?xml version="1.0" encoding="utf-8"?>
-<p:notes xmlns:a="http://schemas.openxmlformats.org/drawingml/2006/main" xmlns:r="http://schemas.openxmlformats.org/officeDocument/2006/relationships" xmlns:p="http://schemas.openxmlformats.org/presentationml/2006/main">
-  <p:cSld>
-    <p:spTree>
-      <p:nvGrpSpPr>
-        <p:cNvPr id="1" name=""/>
-        <p:cNvGrpSpPr/>
-        <p:nvPr/>
-      </p:nvGrpSpPr>
-      <p:grpSpPr>
-        <a:xfrm>
-          <a:off x="0" y="0"/>
-          <a:ext cx="0" cy="0"/>
-          <a:chOff x="0" y="0"/>
-          <a:chExt cx="0" cy="0"/>
-        </a:xfrm>
-      </p:grpSpPr>
-      <p:sp>
-        <p:nvSpPr>
-          <p:cNvPr id="2" name="Espace réservé de l'image des diapositives 1"/>
-          <p:cNvSpPr>
-            <a:spLocks noGrp="1" noRot="1" noChangeAspect="1"/>
-          </p:cNvSpPr>
-          <p:nvPr>
-            <p:ph type="sldImg"/>
-          </p:nvPr>
-        </p:nvSpPr>
-        <p:spPr/>
-      </p:sp>
-      <p:sp>
-        <p:nvSpPr>
-          <p:cNvPr id="3" name="Espace réservé des commentaires 2"/>
-          <p:cNvSpPr>
-            <a:spLocks noGrp="1"/>
-          </p:cNvSpPr>
-          <p:nvPr>
-            <p:ph type="body" idx="1"/>
-          </p:nvPr>
-        </p:nvSpPr>
-        <p:spPr/>
-        <p:txBody>
-          <a:bodyPr/>
-          <a:lstStyle/>
-          <a:p>
-            <a:r>
-              <a:rPr lang="fr-FR" dirty="0" smtClean="0"/>
-              <a:t>Une fois les résultats de l’</a:t>
-            </a:r>
-            <a:r>
-              <a:rPr lang="fr-FR" dirty="0" err="1" smtClean="0"/>
-              <a:t>etude</a:t>
-            </a:r>
-            <a:r>
-              <a:rPr lang="fr-FR" dirty="0" smtClean="0"/>
-              <a:t> obtenus,</a:t>
-            </a:r>
-            <a:r>
-              <a:rPr lang="fr-FR" baseline="0" dirty="0" smtClean="0"/>
-              <a:t> on </a:t>
-            </a:r>
-            <a:r>
-              <a:rPr lang="fr-FR" baseline="0" dirty="0" err="1" smtClean="0"/>
-              <a:t>mettera</a:t>
-            </a:r>
-            <a:r>
-              <a:rPr lang="fr-FR" baseline="0" dirty="0" smtClean="0"/>
-              <a:t> a jour notre </a:t>
-            </a:r>
-            <a:r>
-              <a:rPr lang="fr-FR" baseline="0" dirty="0" err="1" smtClean="0"/>
-              <a:t>modele</a:t>
-            </a:r>
-            <a:r>
-              <a:rPr lang="fr-FR" baseline="0" dirty="0" smtClean="0"/>
-              <a:t> pour une validation finale, et ici le sujet va interagir avec l’agent pour étudier l’impact des Ri sur leurs </a:t>
-            </a:r>
-            <a:r>
-              <a:rPr lang="fr-FR" baseline="0" dirty="0" err="1" smtClean="0"/>
-              <a:t>strategies</a:t>
-            </a:r>
-            <a:r>
-              <a:rPr lang="fr-FR" baseline="0" dirty="0" smtClean="0"/>
-              <a:t> de dialogue</a:t>
-            </a:r>
-          </a:p>
-          <a:p>
-            <a:r>
-              <a:rPr lang="fr-FR" baseline="0" dirty="0" smtClean="0"/>
-              <a:t>Conditions ,,,,</a:t>
-            </a:r>
-          </a:p>
-          <a:p>
-            <a:endParaRPr lang="fr-FR" dirty="0"/>
-          </a:p>
-        </p:txBody>
-      </p:sp>
-      <p:sp>
-        <p:nvSpPr>
-          <p:cNvPr id="4" name="Espace réservé du numéro de diapositive 3"/>
-          <p:cNvSpPr>
-            <a:spLocks noGrp="1"/>
-          </p:cNvSpPr>
-          <p:nvPr>
-            <p:ph type="sldNum" sz="quarter" idx="10"/>
-          </p:nvPr>
-        </p:nvSpPr>
-        <p:spPr/>
-        <p:txBody>
-          <a:bodyPr/>
-          <a:lstStyle/>
-          <a:p>
-            <a:fld id="{5CFFAF96-A13A-4F56-9F70-AC7B3DA501DD}" type="slidenum">
-              <a:rPr lang="fr-FR" smtClean="0"/>
-              <a:t>18</a:t>
-            </a:fld>
-            <a:endParaRPr lang="fr-FR"/>
-          </a:p>
-        </p:txBody>
-      </p:sp>
-    </p:spTree>
-    <p:extLst>
-      <p:ext uri="{BB962C8B-B14F-4D97-AF65-F5344CB8AC3E}">
-        <p14:creationId xmlns:p14="http://schemas.microsoft.com/office/powerpoint/2010/main" val="2566444902"/>
-      </p:ext>
-    </p:extLst>
-  </p:cSld>
-  <p:clrMapOvr>
-    <a:masterClrMapping/>
-  </p:clrMapOvr>
-</p:notes>
-</file>
-
 <file path=ppt/notesSlides/notesSlide2.xml><?xml version="1.0" encoding="utf-8"?>
 <p:notes xmlns:a="http://schemas.openxmlformats.org/drawingml/2006/main" xmlns:r="http://schemas.openxmlformats.org/officeDocument/2006/relationships" xmlns:p="http://schemas.openxmlformats.org/presentationml/2006/main">
   <p:cSld>
@@ -1223,7 +1089,15 @@
             </a:r>
             <a:r>
               <a:rPr lang="fr-FR" baseline="0" dirty="0" smtClean="0"/>
-              <a:t> contexte et les motivations de notre recherche, je présenterais ensuite un bref état de l’art</a:t>
+              <a:t> contexte et les motivations de notre </a:t>
+            </a:r>
+            <a:r>
+              <a:rPr lang="fr-FR" baseline="0" dirty="0" err="1" smtClean="0"/>
+              <a:t>reCheapche</a:t>
+            </a:r>
+            <a:r>
+              <a:rPr lang="fr-FR" baseline="0" dirty="0" smtClean="0"/>
+              <a:t>, je présenterais ensuite un bref état de l’art</a:t>
             </a:r>
           </a:p>
           <a:p>
@@ -1333,15 +1207,7 @@
           <a:p>
             <a:r>
               <a:rPr lang="fr-FR" dirty="0" smtClean="0"/>
-              <a:t>Je </a:t>
-            </a:r>
-            <a:r>
-              <a:rPr lang="fr-FR" dirty="0" smtClean="0"/>
-              <a:t>m’ </a:t>
-            </a:r>
-            <a:r>
-              <a:rPr lang="fr-FR" dirty="0" smtClean="0"/>
-              <a:t>dans ma thèse</a:t>
+              <a:t>Je m’ dans ma thèse</a:t>
             </a:r>
             <a:r>
               <a:rPr lang="fr-FR" baseline="0" dirty="0" smtClean="0"/>
@@ -2577,7 +2443,7 @@
           <a:p>
             <a:fld id="{3B262F30-1F9D-47D0-BC53-B8BA5B152A5B}" type="datetime1">
               <a:rPr lang="fr-FR" smtClean="0"/>
-              <a:t>13/06/2016</a:t>
+              <a:t>20/06/2016</a:t>
             </a:fld>
             <a:endParaRPr lang="fr-FR"/>
           </a:p>
@@ -2745,7 +2611,7 @@
           <a:p>
             <a:fld id="{8B2799E9-CE79-4494-814A-07793118A8BC}" type="datetime1">
               <a:rPr lang="fr-FR" smtClean="0"/>
-              <a:t>13/06/2016</a:t>
+              <a:t>20/06/2016</a:t>
             </a:fld>
             <a:endParaRPr lang="fr-FR"/>
           </a:p>
@@ -2923,7 +2789,7 @@
           <a:p>
             <a:fld id="{E1D80AB8-FB6A-4893-A765-3FEEA1E148D0}" type="datetime1">
               <a:rPr lang="fr-FR" smtClean="0"/>
-              <a:t>13/06/2016</a:t>
+              <a:t>20/06/2016</a:t>
             </a:fld>
             <a:endParaRPr lang="fr-FR"/>
           </a:p>
@@ -3257,7 +3123,7 @@
           <a:p>
             <a:fld id="{776CE1A3-5FC3-4027-997D-724AAE93D81C}" type="datetime1">
               <a:rPr lang="fr-FR" smtClean="0"/>
-              <a:t>13/06/2016</a:t>
+              <a:t>20/06/2016</a:t>
             </a:fld>
             <a:endParaRPr lang="fr-FR"/>
           </a:p>
@@ -3463,7 +3329,7 @@
           <a:p>
             <a:fld id="{2B242237-9E4F-4589-9DCD-84A976AD77B0}" type="datetime1">
               <a:rPr lang="fr-FR" smtClean="0"/>
-              <a:t>13/06/2016</a:t>
+              <a:t>20/06/2016</a:t>
             </a:fld>
             <a:endParaRPr lang="fr-FR"/>
           </a:p>
@@ -3717,7 +3583,7 @@
           <a:p>
             <a:fld id="{E5086919-56B4-4396-9A61-6E88F1F67FF9}" type="datetime1">
               <a:rPr lang="fr-FR" smtClean="0"/>
-              <a:t>13/06/2016</a:t>
+              <a:t>20/06/2016</a:t>
             </a:fld>
             <a:endParaRPr lang="fr-FR"/>
           </a:p>
@@ -4041,7 +3907,7 @@
           <a:p>
             <a:fld id="{617C29AE-D8A4-45F1-9131-E5E44E7710D5}" type="datetime1">
               <a:rPr lang="fr-FR" smtClean="0"/>
-              <a:t>13/06/2016</a:t>
+              <a:t>20/06/2016</a:t>
             </a:fld>
             <a:endParaRPr lang="fr-FR"/>
           </a:p>
@@ -4513,7 +4379,7 @@
           <a:p>
             <a:fld id="{647F6319-0EC4-44DD-B7EC-E841580510E1}" type="datetime1">
               <a:rPr lang="fr-FR" smtClean="0"/>
-              <a:t>13/06/2016</a:t>
+              <a:t>20/06/2016</a:t>
             </a:fld>
             <a:endParaRPr lang="fr-FR"/>
           </a:p>
@@ -4667,7 +4533,7 @@
           <a:p>
             <a:fld id="{C5B0195B-9803-4D27-8FD9-1B5996B3B776}" type="datetime1">
               <a:rPr lang="fr-FR" smtClean="0"/>
-              <a:t>13/06/2016</a:t>
+              <a:t>20/06/2016</a:t>
             </a:fld>
             <a:endParaRPr lang="fr-FR"/>
           </a:p>
@@ -4763,7 +4629,7 @@
           <a:p>
             <a:fld id="{9EE4ED3E-0A31-47B6-86B6-DA47F8580DB1}" type="datetime1">
               <a:rPr lang="fr-FR" smtClean="0"/>
-              <a:t>13/06/2016</a:t>
+              <a:t>20/06/2016</a:t>
             </a:fld>
             <a:endParaRPr lang="fr-FR"/>
           </a:p>
@@ -4932,7 +4798,7 @@
           <a:p>
             <a:fld id="{D9D972C8-21C8-4085-8BD9-37A86721DF57}" type="datetime1">
               <a:rPr lang="fr-FR" smtClean="0"/>
-              <a:t>13/06/2016</a:t>
+              <a:t>20/06/2016</a:t>
             </a:fld>
             <a:endParaRPr lang="fr-FR"/>
           </a:p>
@@ -5211,7 +5077,7 @@
           <a:p>
             <a:fld id="{4E97680D-DA93-4616-ABAF-587F50B757FB}" type="datetime1">
               <a:rPr lang="fr-FR" smtClean="0"/>
-              <a:t>13/06/2016</a:t>
+              <a:t>20/06/2016</a:t>
             </a:fld>
             <a:endParaRPr lang="fr-FR"/>
           </a:p>
@@ -5522,7 +5388,7 @@
           <a:p>
             <a:fld id="{5CDB791D-2263-4153-8032-6BA17FA14B02}" type="datetime1">
               <a:rPr lang="fr-FR" smtClean="0"/>
-              <a:t>13/06/2016</a:t>
+              <a:t>20/06/2016</a:t>
             </a:fld>
             <a:endParaRPr lang="fr-FR"/>
           </a:p>
@@ -5693,7 +5559,7 @@
           <a:p>
             <a:fld id="{509CEE88-CE83-43AD-98AE-FAB7E01AE988}" type="datetime1">
               <a:rPr lang="fr-FR" smtClean="0"/>
-              <a:t>13/06/2016</a:t>
+              <a:t>20/06/2016</a:t>
             </a:fld>
             <a:endParaRPr lang="fr-FR"/>
           </a:p>
@@ -5874,7 +5740,7 @@
           <a:p>
             <a:fld id="{94B07D00-4F56-40FB-B2AA-A973D37350E9}" type="datetime1">
               <a:rPr lang="fr-FR" smtClean="0"/>
-              <a:t>13/06/2016</a:t>
+              <a:t>20/06/2016</a:t>
             </a:fld>
             <a:endParaRPr lang="fr-FR"/>
           </a:p>
@@ -6124,7 +5990,7 @@
           <a:p>
             <a:fld id="{F7DBD490-A576-4367-A835-48D0C091EABF}" type="datetime1">
               <a:rPr lang="fr-FR" smtClean="0"/>
-              <a:t>13/06/2016</a:t>
+              <a:t>20/06/2016</a:t>
             </a:fld>
             <a:endParaRPr lang="fr-FR"/>
           </a:p>
@@ -6330,7 +6196,7 @@
           <a:p>
             <a:fld id="{D6454D86-53A9-4D0E-B98F-8F11A56370D0}" type="datetime1">
               <a:rPr lang="fr-FR" smtClean="0"/>
-              <a:t>13/06/2016</a:t>
+              <a:t>20/06/2016</a:t>
             </a:fld>
             <a:endParaRPr lang="fr-FR"/>
           </a:p>
@@ -6584,7 +6450,7 @@
           <a:p>
             <a:fld id="{F6C371CA-6F40-4FC9-B21F-A0939BEA70EA}" type="datetime1">
               <a:rPr lang="fr-FR" smtClean="0"/>
-              <a:t>13/06/2016</a:t>
+              <a:t>20/06/2016</a:t>
             </a:fld>
             <a:endParaRPr lang="fr-FR"/>
           </a:p>
@@ -6908,7 +6774,7 @@
           <a:p>
             <a:fld id="{EB2EF9A2-2F22-40E9-A239-2695F0854729}" type="datetime1">
               <a:rPr lang="fr-FR" smtClean="0"/>
-              <a:t>13/06/2016</a:t>
+              <a:t>20/06/2016</a:t>
             </a:fld>
             <a:endParaRPr lang="fr-FR"/>
           </a:p>
@@ -7380,7 +7246,7 @@
           <a:p>
             <a:fld id="{A4E497E2-33F3-48E3-8AE8-3EA17D2ECD86}" type="datetime1">
               <a:rPr lang="fr-FR" smtClean="0"/>
-              <a:t>13/06/2016</a:t>
+              <a:t>20/06/2016</a:t>
             </a:fld>
             <a:endParaRPr lang="fr-FR"/>
           </a:p>
@@ -7534,7 +7400,7 @@
           <a:p>
             <a:fld id="{AFB8936F-F3DF-4E8C-BF21-424CAB88DB86}" type="datetime1">
               <a:rPr lang="fr-FR" smtClean="0"/>
-              <a:t>13/06/2016</a:t>
+              <a:t>20/06/2016</a:t>
             </a:fld>
             <a:endParaRPr lang="fr-FR"/>
           </a:p>
@@ -7780,7 +7646,7 @@
           <a:p>
             <a:fld id="{2959E7F4-4D75-44FF-9C4C-D74005EE9CE8}" type="datetime1">
               <a:rPr lang="fr-FR" smtClean="0"/>
-              <a:t>13/06/2016</a:t>
+              <a:t>20/06/2016</a:t>
             </a:fld>
             <a:endParaRPr lang="fr-FR"/>
           </a:p>
@@ -7875,7 +7741,7 @@
           <a:p>
             <a:fld id="{C960422C-8DCA-4991-A683-1C5F43FC483C}" type="datetime1">
               <a:rPr lang="fr-FR" smtClean="0"/>
-              <a:t>13/06/2016</a:t>
+              <a:t>20/06/2016</a:t>
             </a:fld>
             <a:endParaRPr lang="fr-FR"/>
           </a:p>
@@ -8155,7 +8021,7 @@
           <a:p>
             <a:fld id="{23A28A7B-4730-4047-82DC-679126885DFD}" type="datetime1">
               <a:rPr lang="fr-FR" smtClean="0"/>
-              <a:t>13/06/2016</a:t>
+              <a:t>20/06/2016</a:t>
             </a:fld>
             <a:endParaRPr lang="fr-FR"/>
           </a:p>
@@ -8466,7 +8332,7 @@
           <a:p>
             <a:fld id="{117D87A9-466E-4E66-9EE2-555D5FF6E707}" type="datetime1">
               <a:rPr lang="fr-FR" smtClean="0"/>
-              <a:t>13/06/2016</a:t>
+              <a:t>20/06/2016</a:t>
             </a:fld>
             <a:endParaRPr lang="fr-FR"/>
           </a:p>
@@ -8637,7 +8503,7 @@
           <a:p>
             <a:fld id="{8610928E-E0E3-49D0-90A8-F20ADDF81EC4}" type="datetime1">
               <a:rPr lang="fr-FR" smtClean="0"/>
-              <a:t>13/06/2016</a:t>
+              <a:t>20/06/2016</a:t>
             </a:fld>
             <a:endParaRPr lang="fr-FR"/>
           </a:p>
@@ -8818,7 +8684,7 @@
           <a:p>
             <a:fld id="{7013C52B-DACE-4D8D-BEC0-C57DBD624FE2}" type="datetime1">
               <a:rPr lang="fr-FR" smtClean="0"/>
-              <a:t>13/06/2016</a:t>
+              <a:t>20/06/2016</a:t>
             </a:fld>
             <a:endParaRPr lang="fr-FR"/>
           </a:p>
@@ -9048,7 +8914,7 @@
           <a:p>
             <a:fld id="{D178BF7E-4965-479B-8C0A-357AA3D22FF7}" type="datetime1">
               <a:rPr lang="fr-FR" smtClean="0"/>
-              <a:t>13/06/2016</a:t>
+              <a:t>20/06/2016</a:t>
             </a:fld>
             <a:endParaRPr lang="fr-FR"/>
           </a:p>
@@ -9412,7 +9278,7 @@
           <a:p>
             <a:fld id="{4AA822B3-BC68-49ED-9998-74DFD28ED492}" type="datetime1">
               <a:rPr lang="fr-FR" smtClean="0"/>
-              <a:t>13/06/2016</a:t>
+              <a:t>20/06/2016</a:t>
             </a:fld>
             <a:endParaRPr lang="fr-FR"/>
           </a:p>
@@ -9529,7 +9395,7 @@
           <a:p>
             <a:fld id="{9C62A9FA-2FC9-41B8-AFDE-208C23E335E8}" type="datetime1">
               <a:rPr lang="fr-FR" smtClean="0"/>
-              <a:t>13/06/2016</a:t>
+              <a:t>20/06/2016</a:t>
             </a:fld>
             <a:endParaRPr lang="fr-FR"/>
           </a:p>
@@ -9624,7 +9490,7 @@
           <a:p>
             <a:fld id="{2C405115-3AD9-47DE-9539-B44DD3F0A293}" type="datetime1">
               <a:rPr lang="fr-FR" smtClean="0"/>
-              <a:t>13/06/2016</a:t>
+              <a:t>20/06/2016</a:t>
             </a:fld>
             <a:endParaRPr lang="fr-FR"/>
           </a:p>
@@ -9899,7 +9765,7 @@
           <a:p>
             <a:fld id="{0E5ADF04-5C8F-47DE-8FE2-EA27DCF2A390}" type="datetime1">
               <a:rPr lang="fr-FR" smtClean="0"/>
-              <a:t>13/06/2016</a:t>
+              <a:t>20/06/2016</a:t>
             </a:fld>
             <a:endParaRPr lang="fr-FR"/>
           </a:p>
@@ -10151,7 +10017,7 @@
           <a:p>
             <a:fld id="{826570CF-1217-4C32-8FCB-9906751E914A}" type="datetime1">
               <a:rPr lang="fr-FR" smtClean="0"/>
-              <a:t>13/06/2016</a:t>
+              <a:t>20/06/2016</a:t>
             </a:fld>
             <a:endParaRPr lang="fr-FR"/>
           </a:p>
@@ -10362,7 +10228,7 @@
           <a:p>
             <a:fld id="{6278324C-306A-4EB0-AC6F-61B748DA0C57}" type="datetime1">
               <a:rPr lang="fr-FR" smtClean="0"/>
-              <a:t>13/06/2016</a:t>
+              <a:t>20/06/2016</a:t>
             </a:fld>
             <a:endParaRPr lang="fr-FR"/>
           </a:p>
@@ -11002,7 +10868,7 @@
           <a:p>
             <a:fld id="{DED1403E-FD65-425C-A6F6-189FA7BE802C}" type="datetime1">
               <a:rPr lang="fr-FR" smtClean="0"/>
-              <a:t>13/06/2016</a:t>
+              <a:t>20/06/2016</a:t>
             </a:fld>
             <a:endParaRPr lang="fr-FR"/>
           </a:p>
@@ -11639,7 +11505,7 @@
           <a:p>
             <a:fld id="{EB99463D-39A2-4FC9-B989-7837473E91D9}" type="datetime1">
               <a:rPr lang="fr-FR" smtClean="0"/>
-              <a:t>13/06/2016</a:t>
+              <a:t>20/06/2016</a:t>
             </a:fld>
             <a:endParaRPr lang="fr-FR"/>
           </a:p>
@@ -12072,15 +11938,15 @@
               </a:lnSpc>
             </a:pPr>
             <a:r>
-              <a:rPr lang="fr-FR" sz="3200" cap="all" dirty="0">
+              <a:rPr lang="en-US" sz="3200" cap="all" dirty="0" smtClean="0">
                 <a:solidFill>
                   <a:srgbClr val="242852"/>
                 </a:solidFill>
                 <a:latin typeface="Arial"/>
               </a:rPr>
-              <a:t>Relation sociale dans un dialogue de négociation coopérative</a:t>
-            </a:r>
-            <a:endParaRPr dirty="0"/>
+              <a:t>Impact of social relationship during cooperative negotiation</a:t>
+            </a:r>
+            <a:endParaRPr lang="en-US" dirty="0"/>
           </a:p>
         </p:txBody>
       </p:sp>
@@ -12367,48 +12233,6 @@
           </a:ln>
         </p:spPr>
       </p:pic>
-      <p:sp>
-        <p:nvSpPr>
-          <p:cNvPr id="94" name="TextShape 3"/>
-          <p:cNvSpPr txBox="1"/>
-          <p:nvPr/>
-        </p:nvSpPr>
-        <p:spPr>
-          <a:xfrm>
-            <a:off x="2423592" y="4190124"/>
-            <a:ext cx="6261772" cy="1201680"/>
-          </a:xfrm>
-          <a:prstGeom prst="rect">
-            <a:avLst/>
-          </a:prstGeom>
-          <a:noFill/>
-          <a:ln>
-            <a:noFill/>
-          </a:ln>
-        </p:spPr>
-        <p:txBody>
-          <a:bodyPr lIns="90000" tIns="45000" rIns="90000" bIns="45000"/>
-          <a:lstStyle/>
-          <a:p>
-            <a:r>
-              <a:rPr lang="fr-FR" sz="2600" dirty="0">
-                <a:latin typeface="Arial"/>
-              </a:rPr>
-              <a:t>WACAI - 16</a:t>
-            </a:r>
-            <a:endParaRPr dirty="0"/>
-          </a:p>
-          <a:p>
-            <a:r>
-              <a:rPr lang="fr-FR" sz="2600" dirty="0">
-                <a:latin typeface="Arial"/>
-              </a:rPr>
-              <a:t>12 JUIN 2016</a:t>
-            </a:r>
-            <a:endParaRPr dirty="0"/>
-          </a:p>
-        </p:txBody>
-      </p:sp>
       <p:cxnSp>
         <p:nvCxnSpPr>
           <p:cNvPr id="3" name="Connecteur droit 2"/>
@@ -12485,7 +12309,36 @@
       </p:grpSpPr>
       <p:sp>
         <p:nvSpPr>
-          <p:cNvPr id="2" name="Titre 1"/>
+          <p:cNvPr id="97" name="Espace réservé du numéro de diapositive 3"/>
+          <p:cNvSpPr>
+            <a:spLocks noGrp="1"/>
+          </p:cNvSpPr>
+          <p:nvPr>
+            <p:ph type="sldNum" sz="quarter" idx="12"/>
+          </p:nvPr>
+        </p:nvSpPr>
+        <p:spPr>
+          <a:xfrm>
+            <a:off x="10160000" y="18288"/>
+            <a:ext cx="1422400" cy="329184"/>
+          </a:xfrm>
+        </p:spPr>
+        <p:txBody>
+          <a:bodyPr/>
+          <a:lstStyle/>
+          <a:p>
+            <a:fld id="{3E09C654-F2CE-49A0-9D19-A73528137789}" type="slidenum">
+              <a:rPr lang="fr-FR" smtClean="0"/>
+              <a:pPr/>
+              <a:t>10</a:t>
+            </a:fld>
+            <a:endParaRPr lang="fr-FR"/>
+          </a:p>
+        </p:txBody>
+      </p:sp>
+      <p:sp>
+        <p:nvSpPr>
+          <p:cNvPr id="99" name="Titre 1"/>
           <p:cNvSpPr>
             <a:spLocks noGrp="1"/>
           </p:cNvSpPr>
@@ -12495,7 +12348,7 @@
         </p:nvSpPr>
         <p:spPr>
           <a:xfrm>
-            <a:off x="285561" y="408494"/>
+            <a:off x="437961" y="560894"/>
             <a:ext cx="10972800" cy="990600"/>
           </a:xfrm>
         </p:spPr>
@@ -12509,20 +12362,20 @@
               </a:lnSpc>
             </a:pPr>
             <a:r>
-              <a:rPr lang="fr-FR" dirty="0">
+              <a:rPr lang="en-US" dirty="0" smtClean="0">
                 <a:solidFill>
                   <a:srgbClr val="242852"/>
                 </a:solidFill>
               </a:rPr>
-              <a:t>Notre modèle de dialogue</a:t>
-            </a:r>
-            <a:endParaRPr lang="fr-FR" dirty="0"/>
+              <a:t>Proposed model of dialogue</a:t>
+            </a:r>
+            <a:endParaRPr lang="en-US" dirty="0"/>
           </a:p>
         </p:txBody>
       </p:sp>
       <p:pic>
         <p:nvPicPr>
-          <p:cNvPr id="6" name="Picture 2" descr="http://aapars.com/marie-anne-grandmont/files/2010/10/user-icon-e1286135502728.png"/>
+          <p:cNvPr id="100" name="Picture 2" descr="http://aapars.com/marie-anne-grandmont/files/2010/10/user-icon-e1286135502728.png"/>
           <p:cNvPicPr>
             <a:picLocks noChangeAspect="1" noChangeArrowheads="1"/>
           </p:cNvPicPr>
@@ -12543,7 +12396,7 @@
         </p:blipFill>
         <p:spPr bwMode="auto">
           <a:xfrm>
-            <a:off x="9712386" y="2154787"/>
+            <a:off x="9864786" y="2307187"/>
             <a:ext cx="914723" cy="835940"/>
           </a:xfrm>
           <a:prstGeom prst="rect">
@@ -12568,13 +12421,13 @@
       </p:pic>
       <p:grpSp>
         <p:nvGrpSpPr>
-          <p:cNvPr id="7" name="Groupe 6"/>
+          <p:cNvPr id="101" name="Groupe 100"/>
           <p:cNvGrpSpPr/>
           <p:nvPr/>
         </p:nvGrpSpPr>
         <p:grpSpPr>
           <a:xfrm>
-            <a:off x="1559497" y="1484784"/>
+            <a:off x="1711897" y="1637184"/>
             <a:ext cx="2772309" cy="3744416"/>
             <a:chOff x="395536" y="620688"/>
             <a:chExt cx="2772309" cy="3744416"/>
@@ -12582,7 +12435,7 @@
         </p:grpSpPr>
         <p:sp>
           <p:nvSpPr>
-            <p:cNvPr id="8" name="Rectangle 7"/>
+            <p:cNvPr id="102" name="Rectangle 101"/>
             <p:cNvSpPr/>
             <p:nvPr/>
           </p:nvSpPr>
@@ -12623,19 +12476,24 @@
             <a:p>
               <a:pPr algn="ctr"/>
               <a:r>
-                <a:rPr lang="fr-FR" sz="2000" b="1" dirty="0">
+                <a:rPr lang="fr-FR" sz="2000" b="1" dirty="0" smtClean="0">
                   <a:solidFill>
                     <a:schemeClr val="tx1"/>
                   </a:solidFill>
                 </a:rPr>
-                <a:t>Etat mental</a:t>
+                <a:t>Mental State</a:t>
               </a:r>
+              <a:endParaRPr lang="fr-FR" sz="2000" b="1" dirty="0">
+                <a:solidFill>
+                  <a:schemeClr val="tx1"/>
+                </a:solidFill>
+              </a:endParaRPr>
             </a:p>
           </p:txBody>
         </p:sp>
         <p:grpSp>
           <p:nvGrpSpPr>
-            <p:cNvPr id="9" name="Groupe 8"/>
+            <p:cNvPr id="103" name="Groupe 102"/>
             <p:cNvGrpSpPr/>
             <p:nvPr/>
           </p:nvGrpSpPr>
@@ -12649,7 +12507,7 @@
           </p:grpSpPr>
           <p:sp>
             <p:nvSpPr>
-              <p:cNvPr id="10" name="Rectangle 9"/>
+              <p:cNvPr id="104" name="Rectangle 103"/>
               <p:cNvSpPr/>
               <p:nvPr/>
             </p:nvSpPr>
@@ -12691,15 +12549,23 @@
               <a:p>
                 <a:pPr algn="ctr"/>
                 <a:r>
-                  <a:rPr lang="fr-FR" dirty="0"/>
-                  <a:t>Modèle de préférences de l’agent </a:t>
+                  <a:rPr lang="fr-FR" dirty="0" smtClean="0"/>
+                  <a:t>Agent model of </a:t>
                 </a:r>
                 <a:r>
-                  <a:rPr lang="fr-FR" sz="2000" b="1" dirty="0" err="1"/>
+                  <a:rPr lang="fr-FR" dirty="0" err="1" smtClean="0"/>
+                  <a:t>preferences</a:t>
+                </a:r>
+                <a:r>
+                  <a:rPr lang="fr-FR" dirty="0" smtClean="0"/>
+                  <a:t> </a:t>
+                </a:r>
+                <a:r>
+                  <a:rPr lang="fr-FR" sz="2000" b="1" dirty="0" err="1" smtClean="0"/>
                   <a:t>P</a:t>
                 </a:r>
                 <a:r>
-                  <a:rPr lang="fr-FR" sz="2000" b="1" baseline="-25000" dirty="0" err="1"/>
+                  <a:rPr lang="fr-FR" sz="2000" b="1" baseline="-25000" dirty="0" err="1" smtClean="0"/>
                   <a:t>agent</a:t>
                 </a:r>
                 <a:endParaRPr lang="fr-FR" sz="2000" b="1" dirty="0"/>
@@ -12708,7 +12574,7 @@
           </p:sp>
           <p:sp>
             <p:nvSpPr>
-              <p:cNvPr id="11" name="Rectangle 10"/>
+              <p:cNvPr id="105" name="Rectangle 104"/>
               <p:cNvSpPr/>
               <p:nvPr/>
             </p:nvSpPr>
@@ -12754,7 +12620,7 @@
           </p:sp>
           <p:sp>
             <p:nvSpPr>
-              <p:cNvPr id="12" name="Rectangle 11"/>
+              <p:cNvPr id="106" name="Rectangle 105"/>
               <p:cNvSpPr/>
               <p:nvPr/>
             </p:nvSpPr>
@@ -12796,15 +12662,27 @@
               <a:p>
                 <a:pPr algn="ctr"/>
                 <a:r>
-                  <a:rPr lang="fr-FR" dirty="0"/>
-                  <a:t>Modèle de préférences de l’utilisateur </a:t>
+                  <a:rPr lang="fr-FR" sz="2000" b="1" dirty="0" smtClean="0"/>
+                  <a:t>User </a:t>
                 </a:r>
                 <a:r>
-                  <a:rPr lang="fr-FR" sz="2000" b="1" dirty="0" err="1"/>
+                  <a:rPr lang="fr-FR" sz="2000" dirty="0"/>
+                  <a:t>model of </a:t>
+                </a:r>
+                <a:r>
+                  <a:rPr lang="fr-FR" sz="2000" dirty="0" err="1"/>
+                  <a:t>preferences</a:t>
+                </a:r>
+                <a:r>
+                  <a:rPr lang="fr-FR" sz="2000" dirty="0"/>
+                  <a:t> </a:t>
+                </a:r>
+                <a:r>
+                  <a:rPr lang="fr-FR" sz="2000" b="1" dirty="0" err="1" smtClean="0"/>
                   <a:t>P</a:t>
                 </a:r>
                 <a:r>
-                  <a:rPr lang="fr-FR" sz="2000" b="1" baseline="-25000" dirty="0" err="1"/>
+                  <a:rPr lang="fr-FR" sz="2000" b="1" baseline="-25000" dirty="0" err="1" smtClean="0"/>
                   <a:t>user</a:t>
                 </a:r>
                 <a:endParaRPr lang="fr-FR" sz="2000" b="1" dirty="0"/>
@@ -12813,7 +12691,7 @@
           </p:sp>
           <p:sp>
             <p:nvSpPr>
-              <p:cNvPr id="13" name="Rectangle 12"/>
+              <p:cNvPr id="107" name="Rectangle 106"/>
               <p:cNvSpPr/>
               <p:nvPr/>
             </p:nvSpPr>
@@ -12855,25 +12733,18 @@
               <a:p>
                 <a:pPr algn="ctr"/>
                 <a:r>
-                  <a:rPr lang="fr-FR" dirty="0"/>
-                  <a:t>Modèle de préférences communiqué (</a:t>
+                  <a:rPr lang="en-US" dirty="0" smtClean="0"/>
+                  <a:t>Communicated model of preferences (other-about-self) </a:t>
                 </a:r>
                 <a:r>
-                  <a:rPr lang="fr-FR" dirty="0" err="1"/>
-                  <a:t>other</a:t>
-                </a:r>
-                <a:r>
-                  <a:rPr lang="fr-FR" dirty="0"/>
-                  <a:t>-about-self) </a:t>
-                </a:r>
-                <a:r>
-                  <a:rPr lang="fr-FR" sz="2000" b="1" dirty="0"/>
+                  <a:rPr lang="en-US" sz="2000" b="1" dirty="0" err="1" smtClean="0"/>
                   <a:t>P</a:t>
                 </a:r>
                 <a:r>
-                  <a:rPr lang="fr-FR" sz="2000" b="1" baseline="-25000" dirty="0"/>
+                  <a:rPr lang="en-US" sz="2000" b="1" baseline="-25000" dirty="0" err="1" smtClean="0"/>
                   <a:t>oas</a:t>
                 </a:r>
+                <a:endParaRPr lang="en-US" sz="2000" b="1" baseline="-25000" dirty="0"/>
               </a:p>
             </p:txBody>
           </p:sp>
@@ -12881,13 +12752,13 @@
       </p:grpSp>
       <p:grpSp>
         <p:nvGrpSpPr>
-          <p:cNvPr id="14" name="Groupe 13"/>
+          <p:cNvPr id="108" name="Groupe 107"/>
           <p:cNvGrpSpPr/>
           <p:nvPr/>
         </p:nvGrpSpPr>
         <p:grpSpPr>
           <a:xfrm>
-            <a:off x="5645947" y="5068530"/>
+            <a:off x="5798347" y="5220930"/>
             <a:ext cx="2700300" cy="1528823"/>
             <a:chOff x="3083791" y="5068529"/>
             <a:chExt cx="2700300" cy="1528823"/>
@@ -12895,7 +12766,7 @@
         </p:grpSpPr>
         <p:sp>
           <p:nvSpPr>
-            <p:cNvPr id="15" name="Rectangle 14"/>
+            <p:cNvPr id="109" name="Rectangle 108"/>
             <p:cNvSpPr/>
             <p:nvPr/>
           </p:nvSpPr>
@@ -12936,19 +12807,32 @@
             <a:p>
               <a:pPr algn="ctr"/>
               <a:r>
-                <a:rPr lang="fr-FR" b="1" dirty="0">
+                <a:rPr lang="fr-FR" b="1" dirty="0" err="1" smtClean="0">
                   <a:solidFill>
                     <a:schemeClr val="tx1"/>
                   </a:solidFill>
                 </a:rPr>
-                <a:t>Contexte du dialogue</a:t>
+                <a:t>Context</a:t>
               </a:r>
+              <a:r>
+                <a:rPr lang="fr-FR" b="1" dirty="0" smtClean="0">
+                  <a:solidFill>
+                    <a:schemeClr val="tx1"/>
+                  </a:solidFill>
+                </a:rPr>
+                <a:t> of dialogue</a:t>
+              </a:r>
+              <a:endParaRPr lang="fr-FR" b="1" dirty="0">
+                <a:solidFill>
+                  <a:schemeClr val="tx1"/>
+                </a:solidFill>
+              </a:endParaRPr>
             </a:p>
           </p:txBody>
         </p:sp>
         <p:sp>
           <p:nvSpPr>
-            <p:cNvPr id="16" name="Rectangle 15"/>
+            <p:cNvPr id="110" name="Rectangle 109"/>
             <p:cNvSpPr/>
             <p:nvPr/>
           </p:nvSpPr>
@@ -12998,7 +12882,7 @@
         </p:sp>
         <p:sp>
           <p:nvSpPr>
-            <p:cNvPr id="17" name="Rectangle 16"/>
+            <p:cNvPr id="111" name="Rectangle 110"/>
             <p:cNvSpPr/>
             <p:nvPr/>
           </p:nvSpPr>
@@ -13049,7 +12933,7 @@
         </p:sp>
         <p:sp>
           <p:nvSpPr>
-            <p:cNvPr id="18" name="Rectangle 17"/>
+            <p:cNvPr id="112" name="Rectangle 111"/>
             <p:cNvSpPr/>
             <p:nvPr/>
           </p:nvSpPr>
@@ -13100,7 +12984,7 @@
         </p:sp>
         <p:sp>
           <p:nvSpPr>
-            <p:cNvPr id="19" name="Rectangle 18"/>
+            <p:cNvPr id="113" name="Rectangle 112"/>
             <p:cNvSpPr/>
             <p:nvPr/>
           </p:nvSpPr>
@@ -13152,13 +13036,13 @@
       </p:grpSp>
       <p:grpSp>
         <p:nvGrpSpPr>
-          <p:cNvPr id="20" name="Groupe 19"/>
+          <p:cNvPr id="114" name="Groupe 113"/>
           <p:cNvGrpSpPr/>
           <p:nvPr/>
         </p:nvGrpSpPr>
         <p:grpSpPr>
           <a:xfrm>
-            <a:off x="5807966" y="1870455"/>
+            <a:off x="5960366" y="2022855"/>
             <a:ext cx="2376267" cy="1868509"/>
             <a:chOff x="3851919" y="2266550"/>
             <a:chExt cx="2376267" cy="1868509"/>
@@ -13166,7 +13050,7 @@
         </p:grpSpPr>
         <p:sp>
           <p:nvSpPr>
-            <p:cNvPr id="21" name="Rectangle 20"/>
+            <p:cNvPr id="115" name="Rectangle 114"/>
             <p:cNvSpPr/>
             <p:nvPr/>
           </p:nvSpPr>
@@ -13207,19 +13091,24 @@
             <a:p>
               <a:pPr algn="ctr"/>
               <a:r>
-                <a:rPr lang="fr-FR" sz="2000" b="1" dirty="0">
+                <a:rPr lang="en-US" sz="2000" b="1" dirty="0" smtClean="0">
                   <a:solidFill>
                     <a:schemeClr val="tx1"/>
                   </a:solidFill>
                 </a:rPr>
-                <a:t>Module de communication</a:t>
+                <a:t>Module of communication</a:t>
               </a:r>
+              <a:endParaRPr lang="en-US" sz="2000" b="1" dirty="0">
+                <a:solidFill>
+                  <a:schemeClr val="tx1"/>
+                </a:solidFill>
+              </a:endParaRPr>
             </a:p>
           </p:txBody>
         </p:sp>
         <p:sp>
           <p:nvSpPr>
-            <p:cNvPr id="22" name="Rectangle 21"/>
+            <p:cNvPr id="116" name="Rectangle 115"/>
             <p:cNvSpPr/>
             <p:nvPr/>
           </p:nvSpPr>
@@ -13259,7 +13148,7 @@
             <a:lstStyle/>
             <a:p>
               <a:pPr algn="ctr"/>
-              <a:endParaRPr lang="fr-FR" sz="2000" dirty="0">
+              <a:endParaRPr lang="en-US" sz="2000" dirty="0">
                 <a:solidFill>
                   <a:schemeClr val="tx1"/>
                 </a:solidFill>
@@ -13269,7 +13158,7 @@
         </p:sp>
         <p:sp>
           <p:nvSpPr>
-            <p:cNvPr id="23" name="Rectangle 22"/>
+            <p:cNvPr id="117" name="Rectangle 116"/>
             <p:cNvSpPr/>
             <p:nvPr/>
           </p:nvSpPr>
@@ -13303,19 +13192,24 @@
             <a:p>
               <a:pPr algn="ctr"/>
               <a:r>
-                <a:rPr lang="fr-FR" sz="1600" b="1" dirty="0">
+                <a:rPr lang="en-US" sz="1600" b="1" dirty="0" smtClean="0">
                   <a:solidFill>
                     <a:schemeClr val="dk1"/>
                   </a:solidFill>
                 </a:rPr>
-                <a:t>Actes de dialogue</a:t>
+                <a:t>Acts of dialogue</a:t>
               </a:r>
+              <a:endParaRPr lang="en-US" sz="1600" b="1" dirty="0">
+                <a:solidFill>
+                  <a:schemeClr val="dk1"/>
+                </a:solidFill>
+              </a:endParaRPr>
             </a:p>
           </p:txBody>
         </p:sp>
         <p:sp>
           <p:nvSpPr>
-            <p:cNvPr id="24" name="Rectangle 23"/>
+            <p:cNvPr id="118" name="Rectangle 117"/>
             <p:cNvSpPr/>
             <p:nvPr/>
           </p:nvSpPr>
@@ -13357,22 +13251,23 @@
             <a:p>
               <a:pPr algn="ctr"/>
               <a:r>
-                <a:rPr lang="fr-FR" dirty="0"/>
-                <a:t>Relation interpersonnelle</a:t>
+                <a:rPr lang="en-US" dirty="0" smtClean="0"/>
+                <a:t>Interpersonal relationship</a:t>
               </a:r>
+              <a:endParaRPr lang="en-US" dirty="0"/>
             </a:p>
           </p:txBody>
         </p:sp>
       </p:grpSp>
       <p:cxnSp>
         <p:nvCxnSpPr>
-          <p:cNvPr id="25" name="Connecteur droit avec flèche 24"/>
+          <p:cNvPr id="119" name="Connecteur droit avec flèche 118"/>
           <p:cNvCxnSpPr/>
           <p:nvPr/>
         </p:nvCxnSpPr>
         <p:spPr>
           <a:xfrm flipH="1" flipV="1">
-            <a:off x="4331806" y="3543519"/>
+            <a:off x="4484206" y="3695919"/>
             <a:ext cx="1476161" cy="15488"/>
           </a:xfrm>
           <a:prstGeom prst="straightConnector1">
@@ -13402,14 +13297,14 @@
       </p:cxnSp>
       <p:sp>
         <p:nvSpPr>
-          <p:cNvPr id="26" name="Rectangle 25"/>
+          <p:cNvPr id="120" name="Rectangle 119"/>
           <p:cNvSpPr/>
           <p:nvPr/>
         </p:nvSpPr>
         <p:spPr>
           <a:xfrm>
-            <a:off x="4655840" y="3303153"/>
-            <a:ext cx="648072" cy="435811"/>
+            <a:off x="4808239" y="3505138"/>
+            <a:ext cx="936105" cy="386226"/>
           </a:xfrm>
           <a:prstGeom prst="rect">
             <a:avLst/>
@@ -13445,25 +13340,30 @@
           <a:p>
             <a:pPr algn="ctr"/>
             <a:r>
-              <a:rPr lang="fr-FR" dirty="0">
+              <a:rPr lang="fr-FR" dirty="0" smtClean="0">
                 <a:solidFill>
                   <a:schemeClr val="tx1"/>
                 </a:solidFill>
               </a:rPr>
-              <a:t>MAJ</a:t>
-            </a:r>
+              <a:t>update</a:t>
+            </a:r>
+            <a:endParaRPr lang="fr-FR" dirty="0">
+              <a:solidFill>
+                <a:schemeClr val="tx1"/>
+              </a:solidFill>
+            </a:endParaRPr>
           </a:p>
         </p:txBody>
       </p:sp>
       <p:cxnSp>
         <p:nvCxnSpPr>
-          <p:cNvPr id="27" name="Connecteur droit avec flèche 26"/>
+          <p:cNvPr id="121" name="Connecteur droit avec flèche 120"/>
           <p:cNvCxnSpPr/>
           <p:nvPr/>
         </p:nvCxnSpPr>
         <p:spPr>
           <a:xfrm>
-            <a:off x="4331806" y="2701906"/>
+            <a:off x="4484206" y="2854306"/>
             <a:ext cx="1476161" cy="0"/>
           </a:xfrm>
           <a:prstGeom prst="straightConnector1">
@@ -13493,13 +13393,13 @@
       </p:cxnSp>
       <p:sp>
         <p:nvSpPr>
-          <p:cNvPr id="28" name="Rectangle 27"/>
+          <p:cNvPr id="122" name="Rectangle 121"/>
           <p:cNvSpPr/>
           <p:nvPr/>
         </p:nvSpPr>
         <p:spPr>
           <a:xfrm>
-            <a:off x="4478217" y="2413874"/>
+            <a:off x="4630617" y="2566274"/>
             <a:ext cx="1113728" cy="576064"/>
           </a:xfrm>
           <a:prstGeom prst="rect">
@@ -13536,39 +13436,60 @@
           <a:p>
             <a:pPr algn="ctr"/>
             <a:r>
+              <a:rPr lang="fr-FR" dirty="0" err="1" smtClean="0">
+                <a:solidFill>
+                  <a:schemeClr val="tx1"/>
+                </a:solidFill>
+              </a:rPr>
+              <a:t>Choice</a:t>
+            </a:r>
+            <a:endParaRPr lang="fr-FR" dirty="0">
+              <a:solidFill>
+                <a:schemeClr val="tx1"/>
+              </a:solidFill>
+            </a:endParaRPr>
+          </a:p>
+          <a:p>
+            <a:pPr algn="ctr"/>
+            <a:r>
               <a:rPr lang="fr-FR" dirty="0">
                 <a:solidFill>
                   <a:schemeClr val="tx1"/>
                 </a:solidFill>
               </a:rPr>
-              <a:t>Choix</a:t>
-            </a:r>
-          </a:p>
-          <a:p>
-            <a:pPr algn="ctr"/>
+              <a:t>(</a:t>
+            </a:r>
+            <a:r>
+              <a:rPr lang="fr-FR" dirty="0" smtClean="0">
+                <a:solidFill>
+                  <a:schemeClr val="tx1"/>
+                </a:solidFill>
+              </a:rPr>
+              <a:t>values</a:t>
+            </a:r>
             <a:r>
               <a:rPr lang="fr-FR" dirty="0">
                 <a:solidFill>
                   <a:schemeClr val="tx1"/>
                 </a:solidFill>
               </a:rPr>
-              <a:t>(valeurs)</a:t>
+              <a:t>)</a:t>
             </a:r>
           </a:p>
         </p:txBody>
       </p:sp>
       <p:cxnSp>
         <p:nvCxnSpPr>
-          <p:cNvPr id="29" name="Connecteur en angle 28"/>
+          <p:cNvPr id="123" name="Connecteur en angle 122"/>
           <p:cNvCxnSpPr>
-            <a:stCxn id="21" idx="0"/>
-            <a:endCxn id="6" idx="0"/>
+            <a:stCxn id="115" idx="0"/>
+            <a:endCxn id="100" idx="0"/>
           </p:cNvCxnSpPr>
           <p:nvPr/>
         </p:nvCxnSpPr>
         <p:spPr>
           <a:xfrm rot="16200000" flipH="1">
-            <a:off x="8440756" y="425797"/>
+            <a:off x="8593156" y="578197"/>
             <a:ext cx="284333" cy="3173649"/>
           </a:xfrm>
           <a:prstGeom prst="bentConnector3">
@@ -13600,13 +13521,13 @@
       </p:cxnSp>
       <p:sp>
         <p:nvSpPr>
-          <p:cNvPr id="30" name="Rectangle 29"/>
+          <p:cNvPr id="124" name="Rectangle 123"/>
           <p:cNvSpPr/>
           <p:nvPr/>
         </p:nvSpPr>
         <p:spPr>
           <a:xfrm>
-            <a:off x="8265123" y="1448827"/>
+            <a:off x="8417523" y="1601227"/>
             <a:ext cx="897700" cy="345921"/>
           </a:xfrm>
           <a:prstGeom prst="rect">
@@ -13643,27 +13564,32 @@
           <a:p>
             <a:pPr algn="ctr"/>
             <a:r>
-              <a:rPr lang="fr-FR" dirty="0">
+              <a:rPr lang="fr-FR" dirty="0" err="1" smtClean="0">
                 <a:solidFill>
                   <a:schemeClr val="tx1"/>
                 </a:solidFill>
               </a:rPr>
-              <a:t>Envoie</a:t>
-            </a:r>
+              <a:t>Send</a:t>
+            </a:r>
+            <a:endParaRPr lang="fr-FR" dirty="0">
+              <a:solidFill>
+                <a:schemeClr val="tx1"/>
+              </a:solidFill>
+            </a:endParaRPr>
           </a:p>
         </p:txBody>
       </p:sp>
       <p:cxnSp>
         <p:nvCxnSpPr>
-          <p:cNvPr id="31" name="Connecteur en angle 30"/>
+          <p:cNvPr id="125" name="Connecteur en angle 124"/>
           <p:cNvCxnSpPr>
-            <a:stCxn id="6" idx="2"/>
+            <a:stCxn id="100" idx="2"/>
           </p:cNvCxnSpPr>
           <p:nvPr/>
         </p:nvCxnSpPr>
         <p:spPr>
           <a:xfrm rot="5400000">
-            <a:off x="8994428" y="2180537"/>
+            <a:off x="9146828" y="2332937"/>
             <a:ext cx="365128" cy="1985511"/>
           </a:xfrm>
           <a:prstGeom prst="bentConnector2">
@@ -13693,13 +13619,13 @@
       </p:cxnSp>
       <p:sp>
         <p:nvSpPr>
-          <p:cNvPr id="32" name="Rectangle 31"/>
+          <p:cNvPr id="126" name="Rectangle 125"/>
           <p:cNvSpPr/>
           <p:nvPr/>
         </p:nvSpPr>
         <p:spPr>
           <a:xfrm>
-            <a:off x="8462528" y="3134833"/>
+            <a:off x="8614928" y="3287233"/>
             <a:ext cx="1249857" cy="435811"/>
           </a:xfrm>
           <a:prstGeom prst="rect">
@@ -13736,27 +13662,32 @@
           <a:p>
             <a:pPr algn="ctr"/>
             <a:r>
-              <a:rPr lang="fr-FR" dirty="0">
+              <a:rPr lang="fr-FR" dirty="0" err="1" smtClean="0">
                 <a:solidFill>
                   <a:schemeClr val="tx1"/>
                 </a:solidFill>
               </a:rPr>
-              <a:t>Réception</a:t>
-            </a:r>
+              <a:t>Reception</a:t>
+            </a:r>
+            <a:endParaRPr lang="fr-FR" dirty="0">
+              <a:solidFill>
+                <a:schemeClr val="tx1"/>
+              </a:solidFill>
+            </a:endParaRPr>
           </a:p>
         </p:txBody>
       </p:sp>
       <p:cxnSp>
         <p:nvCxnSpPr>
-          <p:cNvPr id="33" name="Connecteur droit avec flèche 32"/>
+          <p:cNvPr id="127" name="Connecteur droit avec flèche 126"/>
           <p:cNvCxnSpPr>
-            <a:endCxn id="15" idx="0"/>
+            <a:endCxn id="109" idx="0"/>
           </p:cNvCxnSpPr>
           <p:nvPr/>
         </p:nvCxnSpPr>
         <p:spPr>
           <a:xfrm>
-            <a:off x="6996096" y="3766289"/>
+            <a:off x="7148496" y="3918689"/>
             <a:ext cx="2" cy="1302241"/>
           </a:xfrm>
           <a:prstGeom prst="straightConnector1">
@@ -13786,13 +13717,13 @@
       </p:cxnSp>
       <p:sp>
         <p:nvSpPr>
-          <p:cNvPr id="34" name="Rectangle 33"/>
+          <p:cNvPr id="128" name="Rectangle 127"/>
           <p:cNvSpPr/>
           <p:nvPr/>
         </p:nvSpPr>
         <p:spPr>
           <a:xfrm>
-            <a:off x="6089586" y="4243020"/>
+            <a:off x="6241986" y="4395420"/>
             <a:ext cx="1878623" cy="534971"/>
           </a:xfrm>
           <a:prstGeom prst="rect">
@@ -13829,94 +13760,50 @@
           <a:p>
             <a:pPr algn="ctr"/>
             <a:r>
-              <a:rPr lang="fr-FR" dirty="0">
+              <a:rPr lang="en-US" dirty="0">
                 <a:solidFill>
                   <a:schemeClr val="tx1"/>
                 </a:solidFill>
               </a:rPr>
-              <a:t>MAJ </a:t>
-            </a:r>
-          </a:p>
-          <a:p>
-            <a:pPr algn="ctr"/>
-            <a:r>
-              <a:rPr lang="fr-FR" dirty="0">
+              <a:t>P</a:t>
+            </a:r>
+            <a:r>
+              <a:rPr lang="en-US" dirty="0" smtClean="0">
                 <a:solidFill>
                   <a:schemeClr val="tx1"/>
                 </a:solidFill>
               </a:rPr>
-              <a:t>des propositions</a:t>
-            </a:r>
-          </a:p>
-        </p:txBody>
-      </p:sp>
-      <p:sp>
-        <p:nvSpPr>
-          <p:cNvPr id="35" name="ZoneTexte 34"/>
-          <p:cNvSpPr txBox="1"/>
+              <a:t>ropositions</a:t>
+            </a:r>
+          </a:p>
+          <a:p>
+            <a:pPr algn="ctr"/>
+            <a:r>
+              <a:rPr lang="en-US" dirty="0" smtClean="0">
+                <a:solidFill>
+                  <a:schemeClr val="tx1"/>
+                </a:solidFill>
+              </a:rPr>
+              <a:t>updates</a:t>
+            </a:r>
+            <a:endParaRPr lang="en-US" dirty="0">
+              <a:solidFill>
+                <a:schemeClr val="tx1"/>
+              </a:solidFill>
+            </a:endParaRPr>
+          </a:p>
+        </p:txBody>
+      </p:sp>
+      <p:sp>
+        <p:nvSpPr>
+          <p:cNvPr id="130" name="Rectangle 129"/>
+          <p:cNvSpPr/>
           <p:nvPr/>
         </p:nvSpPr>
         <p:spPr>
           <a:xfrm>
-            <a:off x="472613" y="-17175"/>
-            <a:ext cx="2563522" cy="400110"/>
-          </a:xfrm>
-          <a:prstGeom prst="rect">
-            <a:avLst/>
-          </a:prstGeom>
-          <a:noFill/>
-        </p:spPr>
-        <p:txBody>
-          <a:bodyPr wrap="none" rtlCol="0">
-            <a:spAutoFit/>
-          </a:bodyPr>
-          <a:lstStyle/>
-          <a:p>
-            <a:r>
-              <a:rPr lang="fr-FR" sz="2000" b="1" dirty="0">
-                <a:solidFill>
-                  <a:schemeClr val="bg1"/>
-                </a:solidFill>
-              </a:rPr>
-              <a:t>Modèle de dialogue</a:t>
-            </a:r>
-          </a:p>
-        </p:txBody>
-      </p:sp>
-      <p:sp>
-        <p:nvSpPr>
-          <p:cNvPr id="4" name="Espace réservé du numéro de diapositive 3"/>
-          <p:cNvSpPr>
-            <a:spLocks noGrp="1"/>
-          </p:cNvSpPr>
-          <p:nvPr>
-            <p:ph type="sldNum" sz="quarter" idx="12"/>
-          </p:nvPr>
-        </p:nvSpPr>
-        <p:spPr/>
-        <p:txBody>
-          <a:bodyPr/>
-          <a:lstStyle/>
-          <a:p>
-            <a:fld id="{3E09C654-F2CE-49A0-9D19-A73528137789}" type="slidenum">
-              <a:rPr lang="fr-FR" smtClean="0"/>
-              <a:pPr/>
-              <a:t>10</a:t>
-            </a:fld>
-            <a:endParaRPr lang="fr-FR"/>
-          </a:p>
-        </p:txBody>
-      </p:sp>
-      <p:sp>
-        <p:nvSpPr>
-          <p:cNvPr id="3" name="Rectangle 2"/>
-          <p:cNvSpPr/>
-          <p:nvPr/>
-        </p:nvSpPr>
-        <p:spPr>
-          <a:xfrm>
-            <a:off x="5591251" y="4942006"/>
-            <a:ext cx="2871278" cy="1763965"/>
+            <a:off x="5798348" y="5151556"/>
+            <a:ext cx="2700299" cy="1607834"/>
           </a:xfrm>
           <a:prstGeom prst="rect">
             <a:avLst/>
@@ -14037,17 +13924,42 @@
               <a:lstStyle/>
               <a:p>
                 <a:r>
-                  <a:rPr lang="fr-FR" sz="2800" dirty="0"/>
-                  <a:t>On note </a:t>
-                </a:r>
-                <a:r>
-                  <a:rPr lang="fr-FR" sz="2800" i="1" dirty="0" err="1"/>
+                  <a:rPr lang="fr-FR" sz="2800" i="1" dirty="0" err="1" smtClean="0"/>
                   <a:t>Proposal</a:t>
                 </a:r>
                 <a:r>
                   <a:rPr lang="fr-FR" sz="2800" dirty="0"/>
-                  <a:t>, une proposition telle que</a:t>
+                  <a:t>, </a:t>
                 </a:r>
+                <a:r>
+                  <a:rPr lang="fr-FR" sz="2800" dirty="0" err="1" smtClean="0"/>
+                  <a:t>is</a:t>
+                </a:r>
+                <a:r>
+                  <a:rPr lang="fr-FR" sz="2800" dirty="0" smtClean="0"/>
+                  <a:t> a </a:t>
+                </a:r>
+                <a:r>
+                  <a:rPr lang="fr-FR" sz="2800" dirty="0" err="1" smtClean="0"/>
+                  <a:t>proposal</a:t>
+                </a:r>
+                <a:r>
+                  <a:rPr lang="fr-FR" sz="2800" dirty="0" smtClean="0"/>
+                  <a:t> structure </a:t>
+                </a:r>
+                <a:r>
+                  <a:rPr lang="fr-FR" sz="2800" dirty="0" err="1" smtClean="0"/>
+                  <a:t>such</a:t>
+                </a:r>
+                <a:r>
+                  <a:rPr lang="fr-FR" sz="2800" dirty="0" smtClean="0"/>
+                  <a:t> </a:t>
+                </a:r>
+                <a:r>
+                  <a:rPr lang="fr-FR" sz="2800" dirty="0" err="1" smtClean="0"/>
+                  <a:t>that</a:t>
+                </a:r>
+                <a:endParaRPr lang="fr-FR" sz="2800" dirty="0"/>
               </a:p>
               <a:p>
                 <a:pPr lvl="2"/>
@@ -14093,7 +14005,7 @@
                                 <m:nor/>
                               </m:rPr>
                               <a:rPr lang="fr-FR" sz="2000" dirty="0"/>
-                              <m:t>Critere</m:t>
+                              <m:t>Criterion</m:t>
                             </m:r>
                             <m:r>
                               <m:rPr>
@@ -14107,7 +14019,7 @@
                                 <m:nor/>
                               </m:rPr>
                               <a:rPr lang="fr-FR" sz="2000" dirty="0"/>
-                              <m:t>valeur</m:t>
+                              <m:t>value</m:t>
                             </m:r>
                             <m:r>
                               <m:rPr>
@@ -14144,7 +14056,7 @@
                                 <m:nor/>
                               </m:rPr>
                               <a:rPr lang="fr-FR" sz="2000" dirty="0"/>
-                              <m:t>valeur</m:t>
+                              <m:t>value</m:t>
                             </m:r>
                             <m:r>
                               <m:rPr>
@@ -14173,7 +14085,19 @@
                 </a:r>
                 <a:r>
                   <a:rPr lang="fr-FR" sz="2000" dirty="0"/>
-                  <a:t> = (Cuisine, Japonais) ou  (Restaurant, </a:t>
+                  <a:t> = (Cuisine, </a:t>
+                </a:r>
+                <a:r>
+                  <a:rPr lang="fr-FR" sz="2000" dirty="0" err="1" smtClean="0"/>
+                  <a:t>Japanese</a:t>
+                </a:r>
+                <a:r>
+                  <a:rPr lang="fr-FR" sz="2000" dirty="0" smtClean="0"/>
+                  <a:t>) or  </a:t>
+                </a:r>
+                <a:r>
+                  <a:rPr lang="fr-FR" sz="2000" dirty="0"/>
+                  <a:t>(Restaurant, </a:t>
                 </a:r>
                 <a:r>
                   <a:rPr lang="fr-FR" sz="2000" dirty="0" err="1"/>
@@ -14193,16 +14117,20 @@
               <a:p>
                 <a:pPr lvl="1"/>
                 <a:r>
-                  <a:rPr lang="fr-FR" sz="2400" i="1" dirty="0"/>
-                  <a:t>Statut d’un </a:t>
+                  <a:rPr lang="fr-FR" sz="2400" i="1" dirty="0" err="1" smtClean="0"/>
+                  <a:t>Proposal</a:t>
                 </a:r>
                 <a:r>
-                  <a:rPr lang="fr-FR" sz="2400" i="1" dirty="0" err="1"/>
-                  <a:t>proposal</a:t>
+                  <a:rPr lang="fr-FR" sz="2400" i="1" dirty="0" smtClean="0"/>
+                  <a:t> </a:t>
                 </a:r>
                 <a:r>
-                  <a:rPr lang="fr-FR" sz="2400" i="1" dirty="0"/>
-                  <a:t> </a:t>
+                  <a:rPr lang="fr-FR" sz="2400" i="1" dirty="0" err="1" smtClean="0"/>
+                  <a:t>status</a:t>
+                </a:r>
+                <a:r>
+                  <a:rPr lang="fr-FR" sz="2400" i="1" dirty="0" smtClean="0"/>
+                  <a:t>  </a:t>
                 </a:r>
                 <a:r>
                   <a:rPr lang="fr-FR" sz="2400" dirty="0"/>
@@ -14312,39 +14240,6 @@
       </mc:AlternateContent>
       <p:sp>
         <p:nvSpPr>
-          <p:cNvPr id="5" name="ZoneTexte 4"/>
-          <p:cNvSpPr txBox="1"/>
-          <p:nvPr/>
-        </p:nvSpPr>
-        <p:spPr>
-          <a:xfrm>
-            <a:off x="50906" y="0"/>
-            <a:ext cx="2644482" cy="400110"/>
-          </a:xfrm>
-          <a:prstGeom prst="rect">
-            <a:avLst/>
-          </a:prstGeom>
-          <a:noFill/>
-        </p:spPr>
-        <p:txBody>
-          <a:bodyPr wrap="square" rtlCol="0">
-            <a:spAutoFit/>
-          </a:bodyPr>
-          <a:lstStyle/>
-          <a:p>
-            <a:r>
-              <a:rPr lang="fr-FR" sz="2000" b="1" dirty="0">
-                <a:solidFill>
-                  <a:schemeClr val="bg1"/>
-                </a:solidFill>
-              </a:rPr>
-              <a:t>Modèle de dialogue</a:t>
-            </a:r>
-          </a:p>
-        </p:txBody>
-      </p:sp>
-      <p:sp>
-        <p:nvSpPr>
           <p:cNvPr id="7" name="Espace réservé du numéro de diapositive 6"/>
           <p:cNvSpPr>
             <a:spLocks noGrp="1"/>
@@ -14406,7 +14301,31 @@
       </p:grpSpPr>
       <p:sp>
         <p:nvSpPr>
-          <p:cNvPr id="2" name="Titre 1"/>
+          <p:cNvPr id="4" name="Espace réservé du numéro de diapositive 3"/>
+          <p:cNvSpPr>
+            <a:spLocks noGrp="1"/>
+          </p:cNvSpPr>
+          <p:nvPr>
+            <p:ph type="sldNum" sz="quarter" idx="12"/>
+          </p:nvPr>
+        </p:nvSpPr>
+        <p:spPr/>
+        <p:txBody>
+          <a:bodyPr/>
+          <a:lstStyle/>
+          <a:p>
+            <a:fld id="{3E09C654-F2CE-49A0-9D19-A73528137789}" type="slidenum">
+              <a:rPr lang="fr-FR" smtClean="0"/>
+              <a:pPr/>
+              <a:t>12</a:t>
+            </a:fld>
+            <a:endParaRPr lang="fr-FR"/>
+          </a:p>
+        </p:txBody>
+      </p:sp>
+      <p:sp>
+        <p:nvSpPr>
+          <p:cNvPr id="100" name="Titre 1"/>
           <p:cNvSpPr>
             <a:spLocks noGrp="1"/>
           </p:cNvSpPr>
@@ -14416,7 +14335,7 @@
         </p:nvSpPr>
         <p:spPr>
           <a:xfrm>
-            <a:off x="285561" y="408494"/>
+            <a:off x="437961" y="560894"/>
             <a:ext cx="10972800" cy="990600"/>
           </a:xfrm>
         </p:spPr>
@@ -14430,20 +14349,20 @@
               </a:lnSpc>
             </a:pPr>
             <a:r>
-              <a:rPr lang="fr-FR" dirty="0">
+              <a:rPr lang="en-US" dirty="0" smtClean="0">
                 <a:solidFill>
                   <a:srgbClr val="242852"/>
                 </a:solidFill>
               </a:rPr>
-              <a:t>Notre modèle de dialogue</a:t>
-            </a:r>
-            <a:endParaRPr lang="fr-FR" dirty="0"/>
+              <a:t>Proposed model of dialogue</a:t>
+            </a:r>
+            <a:endParaRPr lang="en-US" dirty="0"/>
           </a:p>
         </p:txBody>
       </p:sp>
       <p:pic>
         <p:nvPicPr>
-          <p:cNvPr id="6" name="Picture 2" descr="http://aapars.com/marie-anne-grandmont/files/2010/10/user-icon-e1286135502728.png"/>
+          <p:cNvPr id="101" name="Picture 2" descr="http://aapars.com/marie-anne-grandmont/files/2010/10/user-icon-e1286135502728.png"/>
           <p:cNvPicPr>
             <a:picLocks noChangeAspect="1" noChangeArrowheads="1"/>
           </p:cNvPicPr>
@@ -14464,7 +14383,7 @@
         </p:blipFill>
         <p:spPr bwMode="auto">
           <a:xfrm>
-            <a:off x="9712386" y="2154787"/>
+            <a:off x="9864786" y="2307187"/>
             <a:ext cx="914723" cy="835940"/>
           </a:xfrm>
           <a:prstGeom prst="rect">
@@ -14489,13 +14408,13 @@
       </p:pic>
       <p:grpSp>
         <p:nvGrpSpPr>
-          <p:cNvPr id="7" name="Groupe 6"/>
+          <p:cNvPr id="102" name="Groupe 101"/>
           <p:cNvGrpSpPr/>
           <p:nvPr/>
         </p:nvGrpSpPr>
         <p:grpSpPr>
           <a:xfrm>
-            <a:off x="1559497" y="1484784"/>
+            <a:off x="1711897" y="1637184"/>
             <a:ext cx="2772309" cy="3744416"/>
             <a:chOff x="395536" y="620688"/>
             <a:chExt cx="2772309" cy="3744416"/>
@@ -14503,7 +14422,7 @@
         </p:grpSpPr>
         <p:sp>
           <p:nvSpPr>
-            <p:cNvPr id="8" name="Rectangle 7"/>
+            <p:cNvPr id="103" name="Rectangle 102"/>
             <p:cNvSpPr/>
             <p:nvPr/>
           </p:nvSpPr>
@@ -14544,19 +14463,24 @@
             <a:p>
               <a:pPr algn="ctr"/>
               <a:r>
-                <a:rPr lang="fr-FR" sz="2000" b="1" dirty="0">
+                <a:rPr lang="fr-FR" sz="2000" b="1" dirty="0" smtClean="0">
                   <a:solidFill>
                     <a:schemeClr val="tx1"/>
                   </a:solidFill>
                 </a:rPr>
-                <a:t>Etat mental</a:t>
+                <a:t>Mental State</a:t>
               </a:r>
+              <a:endParaRPr lang="fr-FR" sz="2000" b="1" dirty="0">
+                <a:solidFill>
+                  <a:schemeClr val="tx1"/>
+                </a:solidFill>
+              </a:endParaRPr>
             </a:p>
           </p:txBody>
         </p:sp>
         <p:grpSp>
           <p:nvGrpSpPr>
-            <p:cNvPr id="9" name="Groupe 8"/>
+            <p:cNvPr id="104" name="Groupe 103"/>
             <p:cNvGrpSpPr/>
             <p:nvPr/>
           </p:nvGrpSpPr>
@@ -14570,7 +14494,7 @@
           </p:grpSpPr>
           <p:sp>
             <p:nvSpPr>
-              <p:cNvPr id="10" name="Rectangle 9"/>
+              <p:cNvPr id="105" name="Rectangle 104"/>
               <p:cNvSpPr/>
               <p:nvPr/>
             </p:nvSpPr>
@@ -14612,15 +14536,23 @@
               <a:p>
                 <a:pPr algn="ctr"/>
                 <a:r>
-                  <a:rPr lang="fr-FR" dirty="0"/>
-                  <a:t>Modèle de préférences de l’agent </a:t>
+                  <a:rPr lang="fr-FR" dirty="0" smtClean="0"/>
+                  <a:t>Agent model of </a:t>
                 </a:r>
                 <a:r>
-                  <a:rPr lang="fr-FR" sz="2000" b="1" dirty="0" err="1"/>
+                  <a:rPr lang="fr-FR" dirty="0" err="1" smtClean="0"/>
+                  <a:t>preferences</a:t>
+                </a:r>
+                <a:r>
+                  <a:rPr lang="fr-FR" dirty="0" smtClean="0"/>
+                  <a:t> </a:t>
+                </a:r>
+                <a:r>
+                  <a:rPr lang="fr-FR" sz="2000" b="1" dirty="0" err="1" smtClean="0"/>
                   <a:t>P</a:t>
                 </a:r>
                 <a:r>
-                  <a:rPr lang="fr-FR" sz="2000" b="1" baseline="-25000" dirty="0" err="1"/>
+                  <a:rPr lang="fr-FR" sz="2000" b="1" baseline="-25000" dirty="0" err="1" smtClean="0"/>
                   <a:t>agent</a:t>
                 </a:r>
                 <a:endParaRPr lang="fr-FR" sz="2000" b="1" dirty="0"/>
@@ -14629,7 +14561,7 @@
           </p:sp>
           <p:sp>
             <p:nvSpPr>
-              <p:cNvPr id="11" name="Rectangle 10"/>
+              <p:cNvPr id="106" name="Rectangle 105"/>
               <p:cNvSpPr/>
               <p:nvPr/>
             </p:nvSpPr>
@@ -14675,7 +14607,7 @@
           </p:sp>
           <p:sp>
             <p:nvSpPr>
-              <p:cNvPr id="12" name="Rectangle 11"/>
+              <p:cNvPr id="107" name="Rectangle 106"/>
               <p:cNvSpPr/>
               <p:nvPr/>
             </p:nvSpPr>
@@ -14717,15 +14649,27 @@
               <a:p>
                 <a:pPr algn="ctr"/>
                 <a:r>
-                  <a:rPr lang="fr-FR" dirty="0"/>
-                  <a:t>Modèle de préférences de l’utilisateur </a:t>
+                  <a:rPr lang="fr-FR" sz="2000" b="1" dirty="0" smtClean="0"/>
+                  <a:t>User </a:t>
                 </a:r>
                 <a:r>
-                  <a:rPr lang="fr-FR" sz="2000" b="1" dirty="0" err="1"/>
+                  <a:rPr lang="fr-FR" sz="2000" dirty="0"/>
+                  <a:t>model of </a:t>
+                </a:r>
+                <a:r>
+                  <a:rPr lang="fr-FR" sz="2000" dirty="0" err="1"/>
+                  <a:t>preferences</a:t>
+                </a:r>
+                <a:r>
+                  <a:rPr lang="fr-FR" sz="2000" dirty="0"/>
+                  <a:t> </a:t>
+                </a:r>
+                <a:r>
+                  <a:rPr lang="fr-FR" sz="2000" b="1" dirty="0" err="1" smtClean="0"/>
                   <a:t>P</a:t>
                 </a:r>
                 <a:r>
-                  <a:rPr lang="fr-FR" sz="2000" b="1" baseline="-25000" dirty="0" err="1"/>
+                  <a:rPr lang="fr-FR" sz="2000" b="1" baseline="-25000" dirty="0" err="1" smtClean="0"/>
                   <a:t>user</a:t>
                 </a:r>
                 <a:endParaRPr lang="fr-FR" sz="2000" b="1" dirty="0"/>
@@ -14734,7 +14678,7 @@
           </p:sp>
           <p:sp>
             <p:nvSpPr>
-              <p:cNvPr id="13" name="Rectangle 12"/>
+              <p:cNvPr id="108" name="Rectangle 107"/>
               <p:cNvSpPr/>
               <p:nvPr/>
             </p:nvSpPr>
@@ -14776,25 +14720,18 @@
               <a:p>
                 <a:pPr algn="ctr"/>
                 <a:r>
-                  <a:rPr lang="fr-FR" dirty="0"/>
-                  <a:t>Modèle de préférences communiqué (</a:t>
+                  <a:rPr lang="en-US" dirty="0" smtClean="0"/>
+                  <a:t>Communicated model of preferences (other-about-self) </a:t>
                 </a:r>
                 <a:r>
-                  <a:rPr lang="fr-FR" dirty="0" err="1"/>
-                  <a:t>other</a:t>
-                </a:r>
-                <a:r>
-                  <a:rPr lang="fr-FR" dirty="0"/>
-                  <a:t>-about-self) </a:t>
-                </a:r>
-                <a:r>
-                  <a:rPr lang="fr-FR" sz="2000" b="1" dirty="0"/>
+                  <a:rPr lang="en-US" sz="2000" b="1" dirty="0" err="1" smtClean="0"/>
                   <a:t>P</a:t>
                 </a:r>
                 <a:r>
-                  <a:rPr lang="fr-FR" sz="2000" b="1" baseline="-25000" dirty="0"/>
+                  <a:rPr lang="en-US" sz="2000" b="1" baseline="-25000" dirty="0" err="1" smtClean="0"/>
                   <a:t>oas</a:t>
                 </a:r>
+                <a:endParaRPr lang="en-US" sz="2000" b="1" baseline="-25000" dirty="0"/>
               </a:p>
             </p:txBody>
           </p:sp>
@@ -14802,13 +14739,13 @@
       </p:grpSp>
       <p:grpSp>
         <p:nvGrpSpPr>
-          <p:cNvPr id="14" name="Groupe 13"/>
+          <p:cNvPr id="109" name="Groupe 108"/>
           <p:cNvGrpSpPr/>
           <p:nvPr/>
         </p:nvGrpSpPr>
         <p:grpSpPr>
           <a:xfrm>
-            <a:off x="5645947" y="5068530"/>
+            <a:off x="5798347" y="5220930"/>
             <a:ext cx="2700300" cy="1528823"/>
             <a:chOff x="3083791" y="5068529"/>
             <a:chExt cx="2700300" cy="1528823"/>
@@ -14816,7 +14753,7 @@
         </p:grpSpPr>
         <p:sp>
           <p:nvSpPr>
-            <p:cNvPr id="15" name="Rectangle 14"/>
+            <p:cNvPr id="110" name="Rectangle 109"/>
             <p:cNvSpPr/>
             <p:nvPr/>
           </p:nvSpPr>
@@ -14857,19 +14794,32 @@
             <a:p>
               <a:pPr algn="ctr"/>
               <a:r>
-                <a:rPr lang="fr-FR" b="1" dirty="0">
+                <a:rPr lang="fr-FR" b="1" dirty="0" err="1" smtClean="0">
                   <a:solidFill>
                     <a:schemeClr val="tx1"/>
                   </a:solidFill>
                 </a:rPr>
-                <a:t>Contexte du dialogue</a:t>
+                <a:t>Context</a:t>
               </a:r>
+              <a:r>
+                <a:rPr lang="fr-FR" b="1" dirty="0" smtClean="0">
+                  <a:solidFill>
+                    <a:schemeClr val="tx1"/>
+                  </a:solidFill>
+                </a:rPr>
+                <a:t> of dialogue</a:t>
+              </a:r>
+              <a:endParaRPr lang="fr-FR" b="1" dirty="0">
+                <a:solidFill>
+                  <a:schemeClr val="tx1"/>
+                </a:solidFill>
+              </a:endParaRPr>
             </a:p>
           </p:txBody>
         </p:sp>
         <p:sp>
           <p:nvSpPr>
-            <p:cNvPr id="16" name="Rectangle 15"/>
+            <p:cNvPr id="111" name="Rectangle 110"/>
             <p:cNvSpPr/>
             <p:nvPr/>
           </p:nvSpPr>
@@ -14919,7 +14869,7 @@
         </p:sp>
         <p:sp>
           <p:nvSpPr>
-            <p:cNvPr id="17" name="Rectangle 16"/>
+            <p:cNvPr id="112" name="Rectangle 111"/>
             <p:cNvSpPr/>
             <p:nvPr/>
           </p:nvSpPr>
@@ -14970,7 +14920,7 @@
         </p:sp>
         <p:sp>
           <p:nvSpPr>
-            <p:cNvPr id="18" name="Rectangle 17"/>
+            <p:cNvPr id="113" name="Rectangle 112"/>
             <p:cNvSpPr/>
             <p:nvPr/>
           </p:nvSpPr>
@@ -15021,7 +14971,7 @@
         </p:sp>
         <p:sp>
           <p:nvSpPr>
-            <p:cNvPr id="19" name="Rectangle 18"/>
+            <p:cNvPr id="114" name="Rectangle 113"/>
             <p:cNvSpPr/>
             <p:nvPr/>
           </p:nvSpPr>
@@ -15073,13 +15023,13 @@
       </p:grpSp>
       <p:grpSp>
         <p:nvGrpSpPr>
-          <p:cNvPr id="20" name="Groupe 19"/>
+          <p:cNvPr id="115" name="Groupe 114"/>
           <p:cNvGrpSpPr/>
           <p:nvPr/>
         </p:nvGrpSpPr>
         <p:grpSpPr>
           <a:xfrm>
-            <a:off x="5807966" y="1870455"/>
+            <a:off x="5960366" y="2022855"/>
             <a:ext cx="2376267" cy="1868509"/>
             <a:chOff x="3851919" y="2266550"/>
             <a:chExt cx="2376267" cy="1868509"/>
@@ -15087,7 +15037,7 @@
         </p:grpSpPr>
         <p:sp>
           <p:nvSpPr>
-            <p:cNvPr id="21" name="Rectangle 20"/>
+            <p:cNvPr id="116" name="Rectangle 115"/>
             <p:cNvSpPr/>
             <p:nvPr/>
           </p:nvSpPr>
@@ -15128,19 +15078,24 @@
             <a:p>
               <a:pPr algn="ctr"/>
               <a:r>
-                <a:rPr lang="fr-FR" sz="2000" b="1" dirty="0">
+                <a:rPr lang="en-US" sz="2000" b="1" dirty="0" smtClean="0">
                   <a:solidFill>
                     <a:schemeClr val="tx1"/>
                   </a:solidFill>
                 </a:rPr>
-                <a:t>Module de communication</a:t>
+                <a:t>Module of communication</a:t>
               </a:r>
+              <a:endParaRPr lang="en-US" sz="2000" b="1" dirty="0">
+                <a:solidFill>
+                  <a:schemeClr val="tx1"/>
+                </a:solidFill>
+              </a:endParaRPr>
             </a:p>
           </p:txBody>
         </p:sp>
         <p:sp>
           <p:nvSpPr>
-            <p:cNvPr id="22" name="Rectangle 21"/>
+            <p:cNvPr id="117" name="Rectangle 116"/>
             <p:cNvSpPr/>
             <p:nvPr/>
           </p:nvSpPr>
@@ -15180,7 +15135,7 @@
             <a:lstStyle/>
             <a:p>
               <a:pPr algn="ctr"/>
-              <a:endParaRPr lang="fr-FR" sz="2000" dirty="0">
+              <a:endParaRPr lang="en-US" sz="2000" dirty="0">
                 <a:solidFill>
                   <a:schemeClr val="tx1"/>
                 </a:solidFill>
@@ -15190,7 +15145,7 @@
         </p:sp>
         <p:sp>
           <p:nvSpPr>
-            <p:cNvPr id="23" name="Rectangle 22"/>
+            <p:cNvPr id="118" name="Rectangle 117"/>
             <p:cNvSpPr/>
             <p:nvPr/>
           </p:nvSpPr>
@@ -15224,19 +15179,24 @@
             <a:p>
               <a:pPr algn="ctr"/>
               <a:r>
-                <a:rPr lang="fr-FR" sz="1600" b="1" dirty="0">
+                <a:rPr lang="en-US" sz="1600" b="1" dirty="0" smtClean="0">
                   <a:solidFill>
                     <a:schemeClr val="dk1"/>
                   </a:solidFill>
                 </a:rPr>
-                <a:t>Actes de dialogue</a:t>
+                <a:t>Acts of dialogue</a:t>
               </a:r>
+              <a:endParaRPr lang="en-US" sz="1600" b="1" dirty="0">
+                <a:solidFill>
+                  <a:schemeClr val="dk1"/>
+                </a:solidFill>
+              </a:endParaRPr>
             </a:p>
           </p:txBody>
         </p:sp>
         <p:sp>
           <p:nvSpPr>
-            <p:cNvPr id="24" name="Rectangle 23"/>
+            <p:cNvPr id="119" name="Rectangle 118"/>
             <p:cNvSpPr/>
             <p:nvPr/>
           </p:nvSpPr>
@@ -15278,22 +15238,23 @@
             <a:p>
               <a:pPr algn="ctr"/>
               <a:r>
-                <a:rPr lang="fr-FR" dirty="0"/>
-                <a:t>Relation interpersonnelle</a:t>
+                <a:rPr lang="en-US" dirty="0" smtClean="0"/>
+                <a:t>Interpersonal relationship</a:t>
               </a:r>
+              <a:endParaRPr lang="en-US" dirty="0"/>
             </a:p>
           </p:txBody>
         </p:sp>
       </p:grpSp>
       <p:cxnSp>
         <p:nvCxnSpPr>
-          <p:cNvPr id="25" name="Connecteur droit avec flèche 24"/>
+          <p:cNvPr id="120" name="Connecteur droit avec flèche 119"/>
           <p:cNvCxnSpPr/>
           <p:nvPr/>
         </p:nvCxnSpPr>
         <p:spPr>
           <a:xfrm flipH="1" flipV="1">
-            <a:off x="4331806" y="3543519"/>
+            <a:off x="4484206" y="3695919"/>
             <a:ext cx="1476161" cy="15488"/>
           </a:xfrm>
           <a:prstGeom prst="straightConnector1">
@@ -15323,14 +15284,14 @@
       </p:cxnSp>
       <p:sp>
         <p:nvSpPr>
-          <p:cNvPr id="26" name="Rectangle 25"/>
+          <p:cNvPr id="121" name="Rectangle 120"/>
           <p:cNvSpPr/>
           <p:nvPr/>
         </p:nvSpPr>
         <p:spPr>
           <a:xfrm>
-            <a:off x="4655840" y="3303153"/>
-            <a:ext cx="648072" cy="435811"/>
+            <a:off x="4808239" y="3505138"/>
+            <a:ext cx="936105" cy="386226"/>
           </a:xfrm>
           <a:prstGeom prst="rect">
             <a:avLst/>
@@ -15366,25 +15327,30 @@
           <a:p>
             <a:pPr algn="ctr"/>
             <a:r>
-              <a:rPr lang="fr-FR" dirty="0">
+              <a:rPr lang="fr-FR" dirty="0" smtClean="0">
                 <a:solidFill>
                   <a:schemeClr val="tx1"/>
                 </a:solidFill>
               </a:rPr>
-              <a:t>MAJ</a:t>
-            </a:r>
+              <a:t>update</a:t>
+            </a:r>
+            <a:endParaRPr lang="fr-FR" dirty="0">
+              <a:solidFill>
+                <a:schemeClr val="tx1"/>
+              </a:solidFill>
+            </a:endParaRPr>
           </a:p>
         </p:txBody>
       </p:sp>
       <p:cxnSp>
         <p:nvCxnSpPr>
-          <p:cNvPr id="27" name="Connecteur droit avec flèche 26"/>
+          <p:cNvPr id="122" name="Connecteur droit avec flèche 121"/>
           <p:cNvCxnSpPr/>
           <p:nvPr/>
         </p:nvCxnSpPr>
         <p:spPr>
           <a:xfrm>
-            <a:off x="4331806" y="2701906"/>
+            <a:off x="4484206" y="2854306"/>
             <a:ext cx="1476161" cy="0"/>
           </a:xfrm>
           <a:prstGeom prst="straightConnector1">
@@ -15414,13 +15380,13 @@
       </p:cxnSp>
       <p:sp>
         <p:nvSpPr>
-          <p:cNvPr id="28" name="Rectangle 27"/>
+          <p:cNvPr id="123" name="Rectangle 122"/>
           <p:cNvSpPr/>
           <p:nvPr/>
         </p:nvSpPr>
         <p:spPr>
           <a:xfrm>
-            <a:off x="4478217" y="2413874"/>
+            <a:off x="4630617" y="2566274"/>
             <a:ext cx="1113728" cy="576064"/>
           </a:xfrm>
           <a:prstGeom prst="rect">
@@ -15457,39 +15423,60 @@
           <a:p>
             <a:pPr algn="ctr"/>
             <a:r>
+              <a:rPr lang="fr-FR" dirty="0" err="1" smtClean="0">
+                <a:solidFill>
+                  <a:schemeClr val="tx1"/>
+                </a:solidFill>
+              </a:rPr>
+              <a:t>Choice</a:t>
+            </a:r>
+            <a:endParaRPr lang="fr-FR" dirty="0">
+              <a:solidFill>
+                <a:schemeClr val="tx1"/>
+              </a:solidFill>
+            </a:endParaRPr>
+          </a:p>
+          <a:p>
+            <a:pPr algn="ctr"/>
+            <a:r>
               <a:rPr lang="fr-FR" dirty="0">
                 <a:solidFill>
                   <a:schemeClr val="tx1"/>
                 </a:solidFill>
               </a:rPr>
-              <a:t>Choix</a:t>
-            </a:r>
-          </a:p>
-          <a:p>
-            <a:pPr algn="ctr"/>
+              <a:t>(</a:t>
+            </a:r>
+            <a:r>
+              <a:rPr lang="fr-FR" dirty="0" smtClean="0">
+                <a:solidFill>
+                  <a:schemeClr val="tx1"/>
+                </a:solidFill>
+              </a:rPr>
+              <a:t>values</a:t>
+            </a:r>
             <a:r>
               <a:rPr lang="fr-FR" dirty="0">
                 <a:solidFill>
                   <a:schemeClr val="tx1"/>
                 </a:solidFill>
               </a:rPr>
-              <a:t>(valeurs)</a:t>
+              <a:t>)</a:t>
             </a:r>
           </a:p>
         </p:txBody>
       </p:sp>
       <p:cxnSp>
         <p:nvCxnSpPr>
-          <p:cNvPr id="29" name="Connecteur en angle 28"/>
+          <p:cNvPr id="124" name="Connecteur en angle 123"/>
           <p:cNvCxnSpPr>
-            <a:stCxn id="21" idx="0"/>
-            <a:endCxn id="6" idx="0"/>
+            <a:stCxn id="116" idx="0"/>
+            <a:endCxn id="101" idx="0"/>
           </p:cNvCxnSpPr>
           <p:nvPr/>
         </p:nvCxnSpPr>
         <p:spPr>
           <a:xfrm rot="16200000" flipH="1">
-            <a:off x="8440756" y="425797"/>
+            <a:off x="8593156" y="578197"/>
             <a:ext cx="284333" cy="3173649"/>
           </a:xfrm>
           <a:prstGeom prst="bentConnector3">
@@ -15521,13 +15508,13 @@
       </p:cxnSp>
       <p:sp>
         <p:nvSpPr>
-          <p:cNvPr id="30" name="Rectangle 29"/>
+          <p:cNvPr id="125" name="Rectangle 124"/>
           <p:cNvSpPr/>
           <p:nvPr/>
         </p:nvSpPr>
         <p:spPr>
           <a:xfrm>
-            <a:off x="8265123" y="1448827"/>
+            <a:off x="8417523" y="1601227"/>
             <a:ext cx="897700" cy="345921"/>
           </a:xfrm>
           <a:prstGeom prst="rect">
@@ -15564,27 +15551,32 @@
           <a:p>
             <a:pPr algn="ctr"/>
             <a:r>
-              <a:rPr lang="fr-FR" dirty="0">
+              <a:rPr lang="fr-FR" dirty="0" err="1" smtClean="0">
                 <a:solidFill>
                   <a:schemeClr val="tx1"/>
                 </a:solidFill>
               </a:rPr>
-              <a:t>Envoie</a:t>
-            </a:r>
+              <a:t>Send</a:t>
+            </a:r>
+            <a:endParaRPr lang="fr-FR" dirty="0">
+              <a:solidFill>
+                <a:schemeClr val="tx1"/>
+              </a:solidFill>
+            </a:endParaRPr>
           </a:p>
         </p:txBody>
       </p:sp>
       <p:cxnSp>
         <p:nvCxnSpPr>
-          <p:cNvPr id="31" name="Connecteur en angle 30"/>
+          <p:cNvPr id="126" name="Connecteur en angle 125"/>
           <p:cNvCxnSpPr>
-            <a:stCxn id="6" idx="2"/>
+            <a:stCxn id="101" idx="2"/>
           </p:cNvCxnSpPr>
           <p:nvPr/>
         </p:nvCxnSpPr>
         <p:spPr>
           <a:xfrm rot="5400000">
-            <a:off x="8994428" y="2180537"/>
+            <a:off x="9146828" y="2332937"/>
             <a:ext cx="365128" cy="1985511"/>
           </a:xfrm>
           <a:prstGeom prst="bentConnector2">
@@ -15614,13 +15606,13 @@
       </p:cxnSp>
       <p:sp>
         <p:nvSpPr>
-          <p:cNvPr id="32" name="Rectangle 31"/>
+          <p:cNvPr id="127" name="Rectangle 126"/>
           <p:cNvSpPr/>
           <p:nvPr/>
         </p:nvSpPr>
         <p:spPr>
           <a:xfrm>
-            <a:off x="8462528" y="3134833"/>
+            <a:off x="8614928" y="3287233"/>
             <a:ext cx="1249857" cy="435811"/>
           </a:xfrm>
           <a:prstGeom prst="rect">
@@ -15657,27 +15649,32 @@
           <a:p>
             <a:pPr algn="ctr"/>
             <a:r>
-              <a:rPr lang="fr-FR" dirty="0">
+              <a:rPr lang="fr-FR" dirty="0" err="1" smtClean="0">
                 <a:solidFill>
                   <a:schemeClr val="tx1"/>
                 </a:solidFill>
               </a:rPr>
-              <a:t>Réception</a:t>
-            </a:r>
+              <a:t>Reception</a:t>
+            </a:r>
+            <a:endParaRPr lang="fr-FR" dirty="0">
+              <a:solidFill>
+                <a:schemeClr val="tx1"/>
+              </a:solidFill>
+            </a:endParaRPr>
           </a:p>
         </p:txBody>
       </p:sp>
       <p:cxnSp>
         <p:nvCxnSpPr>
-          <p:cNvPr id="33" name="Connecteur droit avec flèche 32"/>
+          <p:cNvPr id="128" name="Connecteur droit avec flèche 127"/>
           <p:cNvCxnSpPr>
-            <a:endCxn id="15" idx="0"/>
+            <a:endCxn id="110" idx="0"/>
           </p:cNvCxnSpPr>
           <p:nvPr/>
         </p:nvCxnSpPr>
         <p:spPr>
           <a:xfrm>
-            <a:off x="6996096" y="3766289"/>
+            <a:off x="7148496" y="3918689"/>
             <a:ext cx="2" cy="1302241"/>
           </a:xfrm>
           <a:prstGeom prst="straightConnector1">
@@ -15707,13 +15704,13 @@
       </p:cxnSp>
       <p:sp>
         <p:nvSpPr>
-          <p:cNvPr id="34" name="Rectangle 33"/>
+          <p:cNvPr id="129" name="Rectangle 128"/>
           <p:cNvSpPr/>
           <p:nvPr/>
         </p:nvSpPr>
         <p:spPr>
           <a:xfrm>
-            <a:off x="6089586" y="4243020"/>
+            <a:off x="6241986" y="4395420"/>
             <a:ext cx="1878623" cy="534971"/>
           </a:xfrm>
           <a:prstGeom prst="rect">
@@ -15750,94 +15747,50 @@
           <a:p>
             <a:pPr algn="ctr"/>
             <a:r>
-              <a:rPr lang="fr-FR" dirty="0">
+              <a:rPr lang="en-US" dirty="0">
                 <a:solidFill>
                   <a:schemeClr val="tx1"/>
                 </a:solidFill>
               </a:rPr>
-              <a:t>MAJ </a:t>
-            </a:r>
-          </a:p>
-          <a:p>
-            <a:pPr algn="ctr"/>
-            <a:r>
-              <a:rPr lang="fr-FR" dirty="0">
+              <a:t>P</a:t>
+            </a:r>
+            <a:r>
+              <a:rPr lang="en-US" dirty="0" smtClean="0">
                 <a:solidFill>
                   <a:schemeClr val="tx1"/>
                 </a:solidFill>
               </a:rPr>
-              <a:t>des propositions</a:t>
-            </a:r>
-          </a:p>
-        </p:txBody>
-      </p:sp>
-      <p:sp>
-        <p:nvSpPr>
-          <p:cNvPr id="35" name="ZoneTexte 34"/>
-          <p:cNvSpPr txBox="1"/>
+              <a:t>ropositions</a:t>
+            </a:r>
+          </a:p>
+          <a:p>
+            <a:pPr algn="ctr"/>
+            <a:r>
+              <a:rPr lang="en-US" dirty="0" smtClean="0">
+                <a:solidFill>
+                  <a:schemeClr val="tx1"/>
+                </a:solidFill>
+              </a:rPr>
+              <a:t>updates</a:t>
+            </a:r>
+            <a:endParaRPr lang="en-US" dirty="0">
+              <a:solidFill>
+                <a:schemeClr val="tx1"/>
+              </a:solidFill>
+            </a:endParaRPr>
+          </a:p>
+        </p:txBody>
+      </p:sp>
+      <p:sp>
+        <p:nvSpPr>
+          <p:cNvPr id="130" name="Rectangle 129"/>
+          <p:cNvSpPr/>
           <p:nvPr/>
         </p:nvSpPr>
         <p:spPr>
           <a:xfrm>
-            <a:off x="472613" y="-17175"/>
-            <a:ext cx="2563522" cy="400110"/>
-          </a:xfrm>
-          <a:prstGeom prst="rect">
-            <a:avLst/>
-          </a:prstGeom>
-          <a:noFill/>
-        </p:spPr>
-        <p:txBody>
-          <a:bodyPr wrap="none" rtlCol="0">
-            <a:spAutoFit/>
-          </a:bodyPr>
-          <a:lstStyle/>
-          <a:p>
-            <a:r>
-              <a:rPr lang="fr-FR" sz="2000" b="1" dirty="0">
-                <a:solidFill>
-                  <a:schemeClr val="bg1"/>
-                </a:solidFill>
-              </a:rPr>
-              <a:t>Modèle de dialogue</a:t>
-            </a:r>
-          </a:p>
-        </p:txBody>
-      </p:sp>
-      <p:sp>
-        <p:nvSpPr>
-          <p:cNvPr id="4" name="Espace réservé du numéro de diapositive 3"/>
-          <p:cNvSpPr>
-            <a:spLocks noGrp="1"/>
-          </p:cNvSpPr>
-          <p:nvPr>
-            <p:ph type="sldNum" sz="quarter" idx="12"/>
-          </p:nvPr>
-        </p:nvSpPr>
-        <p:spPr/>
-        <p:txBody>
-          <a:bodyPr/>
-          <a:lstStyle/>
-          <a:p>
-            <a:fld id="{3E09C654-F2CE-49A0-9D19-A73528137789}" type="slidenum">
-              <a:rPr lang="fr-FR" smtClean="0"/>
-              <a:pPr/>
-              <a:t>12</a:t>
-            </a:fld>
-            <a:endParaRPr lang="fr-FR"/>
-          </a:p>
-        </p:txBody>
-      </p:sp>
-      <p:sp>
-        <p:nvSpPr>
-          <p:cNvPr id="3" name="Rectangle 2"/>
-          <p:cNvSpPr/>
-          <p:nvPr/>
-        </p:nvSpPr>
-        <p:spPr>
-          <a:xfrm>
-            <a:off x="5591251" y="1621788"/>
-            <a:ext cx="2754995" cy="2293100"/>
+            <a:off x="5924361" y="1941139"/>
+            <a:ext cx="2412275" cy="2015504"/>
           </a:xfrm>
           <a:prstGeom prst="rect">
             <a:avLst/>
@@ -15932,14 +15885,10 @@
           <a:lstStyle/>
           <a:p>
             <a:r>
-              <a:rPr lang="fr-FR" dirty="0"/>
-              <a:t>Module de communication </a:t>
-            </a:r>
-            <a:r>
-              <a:rPr lang="fr-FR" sz="3600" dirty="0"/>
-              <a:t>(actes de dialogue)</a:t>
-            </a:r>
-            <a:endParaRPr lang="fr-FR" dirty="0"/>
+              <a:rPr lang="en-US" dirty="0" smtClean="0"/>
+              <a:t>Module of communication</a:t>
+            </a:r>
+            <a:endParaRPr lang="en-US" dirty="0"/>
           </a:p>
         </p:txBody>
       </p:sp>
@@ -15954,7 +15903,7 @@
               <p:nvPr>
                 <p:extLst>
                   <p:ext uri="{D42A27DB-BD31-4B8C-83A1-F6EECF244321}">
-                    <p14:modId xmlns:p14="http://schemas.microsoft.com/office/powerpoint/2010/main" val="266025028"/>
+                    <p14:modId xmlns:p14="http://schemas.microsoft.com/office/powerpoint/2010/main" val="2016207775"/>
                   </p:ext>
                 </p:extLst>
               </p:nvPr>
@@ -16001,11 +15950,15 @@
                           <a:pPr algn="ctr"/>
                           <a:r>
                             <a:rPr lang="fr-FR" dirty="0"/>
-                            <a:t> Acte</a:t>
+                            <a:t> </a:t>
                           </a:r>
                           <a:r>
-                            <a:rPr lang="fr-FR" baseline="0" dirty="0"/>
-                            <a:t> de dialogue</a:t>
+                            <a:rPr lang="fr-FR" dirty="0" err="1" smtClean="0"/>
+                            <a:t>Act</a:t>
+                          </a:r>
+                          <a:r>
+                            <a:rPr lang="fr-FR" baseline="0" dirty="0" smtClean="0"/>
+                            <a:t> of dialogue</a:t>
                           </a:r>
                           <a:endParaRPr lang="fr-FR" dirty="0"/>
                         </a:p>
@@ -16019,9 +15972,10 @@
                         <a:p>
                           <a:pPr algn="ctr"/>
                           <a:r>
-                            <a:rPr lang="fr-FR" dirty="0"/>
-                            <a:t>Préconditions</a:t>
+                            <a:rPr lang="fr-FR" dirty="0" err="1" smtClean="0"/>
+                            <a:t>Preconditions</a:t>
                           </a:r>
+                          <a:endParaRPr lang="fr-FR" dirty="0"/>
                         </a:p>
                       </a:txBody>
                       <a:tcPr/>
@@ -17151,7 +17105,7 @@
               <p:nvPr>
                 <p:extLst>
                   <p:ext uri="{D42A27DB-BD31-4B8C-83A1-F6EECF244321}">
-                    <p14:modId xmlns:p14="http://schemas.microsoft.com/office/powerpoint/2010/main" val="266025028"/>
+                    <p14:modId xmlns:p14="http://schemas.microsoft.com/office/powerpoint/2010/main" val="2016207775"/>
                   </p:ext>
                 </p:extLst>
               </p:nvPr>
@@ -17170,21 +17124,21 @@
                     <a:gridCol w="3046152">
                       <a:extLst>
                         <a:ext uri="{9D8B030D-6E8A-4147-A177-3AD203B41FA5}">
-                          <a16:colId xmlns:a16="http://schemas.microsoft.com/office/drawing/2014/main" val="20000"/>
+                          <a16:colId xmlns:a16="http://schemas.microsoft.com/office/drawing/2014/main" xmlns="" xmlns:a14="http://schemas.microsoft.com/office/drawing/2010/main" val="20000"/>
                         </a:ext>
                       </a:extLst>
                     </a:gridCol>
                     <a:gridCol w="2465933">
                       <a:extLst>
                         <a:ext uri="{9D8B030D-6E8A-4147-A177-3AD203B41FA5}">
-                          <a16:colId xmlns:a16="http://schemas.microsoft.com/office/drawing/2014/main" val="20001"/>
+                          <a16:colId xmlns:a16="http://schemas.microsoft.com/office/drawing/2014/main" xmlns="" xmlns:a14="http://schemas.microsoft.com/office/drawing/2010/main" val="20001"/>
                         </a:ext>
                       </a:extLst>
                     </a:gridCol>
                     <a:gridCol w="2610985">
                       <a:extLst>
                         <a:ext uri="{9D8B030D-6E8A-4147-A177-3AD203B41FA5}">
-                          <a16:colId xmlns:a16="http://schemas.microsoft.com/office/drawing/2014/main" val="20002"/>
+                          <a16:colId xmlns:a16="http://schemas.microsoft.com/office/drawing/2014/main" xmlns="" xmlns:a14="http://schemas.microsoft.com/office/drawing/2010/main" val="20002"/>
                         </a:ext>
                       </a:extLst>
                     </a:gridCol>
@@ -17198,11 +17152,15 @@
                           <a:pPr algn="ctr"/>
                           <a:r>
                             <a:rPr lang="fr-FR" dirty="0"/>
-                            <a:t> Acte</a:t>
+                            <a:t> </a:t>
                           </a:r>
                           <a:r>
-                            <a:rPr lang="fr-FR" baseline="0" dirty="0"/>
-                            <a:t> de dialogue</a:t>
+                            <a:rPr lang="fr-FR" dirty="0" err="1" smtClean="0"/>
+                            <a:t>Act</a:t>
+                          </a:r>
+                          <a:r>
+                            <a:rPr lang="fr-FR" baseline="0" dirty="0" smtClean="0"/>
+                            <a:t> of dialogue</a:t>
                           </a:r>
                           <a:endParaRPr lang="fr-FR" dirty="0"/>
                         </a:p>
@@ -17216,9 +17174,10 @@
                         <a:p>
                           <a:pPr algn="ctr"/>
                           <a:r>
-                            <a:rPr lang="fr-FR" dirty="0"/>
-                            <a:t>Préconditions</a:t>
+                            <a:rPr lang="fr-FR" dirty="0" err="1" smtClean="0"/>
+                            <a:t>Preconditions</a:t>
                           </a:r>
+                          <a:endParaRPr lang="fr-FR" dirty="0"/>
                         </a:p>
                       </a:txBody>
                       <a:tcPr/>
@@ -17239,7 +17198,7 @@
                     </a:tc>
                     <a:extLst>
                       <a:ext uri="{0D108BD9-81ED-4DB2-BD59-A6C34878D82A}">
-                        <a16:rowId xmlns:a16="http://schemas.microsoft.com/office/drawing/2014/main" val="10000"/>
+                        <a16:rowId xmlns:a16="http://schemas.microsoft.com/office/drawing/2014/main" xmlns="" xmlns:a14="http://schemas.microsoft.com/office/drawing/2010/main" val="10000"/>
                       </a:ext>
                     </a:extLst>
                   </a:tr>
@@ -17298,10 +17257,10 @@
                         </a:p>
                       </a:txBody>
                       <a:tcPr>
-                        <a:blipFill>
+                        <a:blipFill rotWithShape="1">
                           <a:blip r:embed="rId2"/>
                           <a:stretch>
-                            <a:fillRect l="-123704" t="-46429" r="-106914" b="-412143"/>
+                            <a:fillRect l="-124010" t="-46429" r="-106188" b="-411429"/>
                           </a:stretch>
                         </a:blipFill>
                       </a:tcPr>
@@ -17315,17 +17274,17 @@
                         </a:p>
                       </a:txBody>
                       <a:tcPr>
-                        <a:blipFill>
+                        <a:blipFill rotWithShape="1">
                           <a:blip r:embed="rId2"/>
                           <a:stretch>
-                            <a:fillRect l="-211189" t="-87838" r="-932" b="-868919"/>
+                            <a:fillRect l="-211449" t="-89041" r="-234" b="-880822"/>
                           </a:stretch>
                         </a:blipFill>
                       </a:tcPr>
                     </a:tc>
                     <a:extLst>
                       <a:ext uri="{0D108BD9-81ED-4DB2-BD59-A6C34878D82A}">
-                        <a16:rowId xmlns:a16="http://schemas.microsoft.com/office/drawing/2014/main" val="10001"/>
+                        <a16:rowId xmlns:a16="http://schemas.microsoft.com/office/drawing/2014/main" xmlns="" xmlns:a14="http://schemas.microsoft.com/office/drawing/2010/main" val="10001"/>
                       </a:ext>
                     </a:extLst>
                   </a:tr>
@@ -17359,17 +17318,17 @@
                         </a:p>
                       </a:txBody>
                       <a:tcPr>
-                        <a:blipFill>
+                        <a:blipFill rotWithShape="1">
                           <a:blip r:embed="rId2"/>
                           <a:stretch>
-                            <a:fillRect l="-211189" t="-210606" r="-932" b="-874242"/>
+                            <a:fillRect l="-211449" t="-205970" r="-234" b="-859701"/>
                           </a:stretch>
                         </a:blipFill>
                       </a:tcPr>
                     </a:tc>
                     <a:extLst>
                       <a:ext uri="{0D108BD9-81ED-4DB2-BD59-A6C34878D82A}">
-                        <a16:rowId xmlns:a16="http://schemas.microsoft.com/office/drawing/2014/main" val="10002"/>
+                        <a16:rowId xmlns:a16="http://schemas.microsoft.com/office/drawing/2014/main" xmlns="" xmlns:a14="http://schemas.microsoft.com/office/drawing/2010/main" val="10002"/>
                       </a:ext>
                     </a:extLst>
                   </a:tr>
@@ -17441,10 +17400,10 @@
                         </a:p>
                       </a:txBody>
                       <a:tcPr>
-                        <a:blipFill>
+                        <a:blipFill rotWithShape="1">
                           <a:blip r:embed="rId2"/>
                           <a:stretch>
-                            <a:fillRect l="-123704" t="-143357" r="-106914" b="-303497"/>
+                            <a:fillRect l="-124010" t="-144366" r="-106188" b="-305634"/>
                           </a:stretch>
                         </a:blipFill>
                       </a:tcPr>
@@ -17465,7 +17424,7 @@
                     </a:tc>
                     <a:extLst>
                       <a:ext uri="{0D108BD9-81ED-4DB2-BD59-A6C34878D82A}">
-                        <a16:rowId xmlns:a16="http://schemas.microsoft.com/office/drawing/2014/main" val="10003"/>
+                        <a16:rowId xmlns:a16="http://schemas.microsoft.com/office/drawing/2014/main" xmlns="" xmlns:a14="http://schemas.microsoft.com/office/drawing/2010/main" val="10003"/>
                       </a:ext>
                     </a:extLst>
                   </a:tr>
@@ -17560,17 +17519,17 @@
                         </a:p>
                       </a:txBody>
                       <a:tcPr>
-                        <a:blipFill>
+                        <a:blipFill rotWithShape="1">
                           <a:blip r:embed="rId2"/>
                           <a:stretch>
-                            <a:fillRect l="-211189" t="-243357" r="-932" b="-203497"/>
+                            <a:fillRect l="-211449" t="-242657" r="-234" b="-203497"/>
                           </a:stretch>
                         </a:blipFill>
                       </a:tcPr>
                     </a:tc>
                     <a:extLst>
                       <a:ext uri="{0D108BD9-81ED-4DB2-BD59-A6C34878D82A}">
-                        <a16:rowId xmlns:a16="http://schemas.microsoft.com/office/drawing/2014/main" val="10004"/>
+                        <a16:rowId xmlns:a16="http://schemas.microsoft.com/office/drawing/2014/main" xmlns="" xmlns:a14="http://schemas.microsoft.com/office/drawing/2010/main" val="10004"/>
                       </a:ext>
                     </a:extLst>
                   </a:tr>
@@ -17658,10 +17617,10 @@
                         </a:p>
                       </a:txBody>
                       <a:tcPr>
-                        <a:blipFill>
+                        <a:blipFill rotWithShape="1">
                           <a:blip r:embed="rId2"/>
                           <a:stretch>
-                            <a:fillRect l="-123704" t="-345775" r="-106914" b="-104930"/>
+                            <a:fillRect l="-124010" t="-345070" r="-106188" b="-104930"/>
                           </a:stretch>
                         </a:blipFill>
                       </a:tcPr>
@@ -17675,17 +17634,17 @@
                         </a:p>
                       </a:txBody>
                       <a:tcPr>
-                        <a:blipFill>
+                        <a:blipFill rotWithShape="1">
                           <a:blip r:embed="rId2"/>
                           <a:stretch>
-                            <a:fillRect l="-211189" t="-345775" r="-932" b="-104930"/>
+                            <a:fillRect l="-211449" t="-345070" r="-234" b="-104930"/>
                           </a:stretch>
                         </a:blipFill>
                       </a:tcPr>
                     </a:tc>
                     <a:extLst>
                       <a:ext uri="{0D108BD9-81ED-4DB2-BD59-A6C34878D82A}">
-                        <a16:rowId xmlns:a16="http://schemas.microsoft.com/office/drawing/2014/main" val="10005"/>
+                        <a16:rowId xmlns:a16="http://schemas.microsoft.com/office/drawing/2014/main" xmlns="" xmlns:a14="http://schemas.microsoft.com/office/drawing/2010/main" val="10005"/>
                       </a:ext>
                     </a:extLst>
                   </a:tr>
@@ -17777,10 +17736,10 @@
                         </a:p>
                       </a:txBody>
                       <a:tcPr>
-                        <a:blipFill>
+                        <a:blipFill rotWithShape="1">
                           <a:blip r:embed="rId2"/>
                           <a:stretch>
-                            <a:fillRect l="-123704" t="-442657" r="-106914" b="-4196"/>
+                            <a:fillRect l="-124010" t="-441958" r="-106188" b="-4196"/>
                           </a:stretch>
                         </a:blipFill>
                       </a:tcPr>
@@ -17794,17 +17753,17 @@
                         </a:p>
                       </a:txBody>
                       <a:tcPr>
-                        <a:blipFill>
+                        <a:blipFill rotWithShape="1">
                           <a:blip r:embed="rId2"/>
                           <a:stretch>
-                            <a:fillRect l="-211189" t="-442657" r="-932" b="-4196"/>
+                            <a:fillRect l="-211449" t="-441958" r="-234" b="-4196"/>
                           </a:stretch>
                         </a:blipFill>
                       </a:tcPr>
                     </a:tc>
                     <a:extLst>
                       <a:ext uri="{0D108BD9-81ED-4DB2-BD59-A6C34878D82A}">
-                        <a16:rowId xmlns:a16="http://schemas.microsoft.com/office/drawing/2014/main" val="10006"/>
+                        <a16:rowId xmlns:a16="http://schemas.microsoft.com/office/drawing/2014/main" xmlns="" xmlns:a14="http://schemas.microsoft.com/office/drawing/2010/main" val="10006"/>
                       </a:ext>
                     </a:extLst>
                   </a:tr>
@@ -17814,39 +17773,6 @@
           </p:graphicFrame>
         </mc:Fallback>
       </mc:AlternateContent>
-      <p:sp>
-        <p:nvSpPr>
-          <p:cNvPr id="7" name="ZoneTexte 6"/>
-          <p:cNvSpPr txBox="1"/>
-          <p:nvPr/>
-        </p:nvSpPr>
-        <p:spPr>
-          <a:xfrm>
-            <a:off x="91386" y="0"/>
-            <a:ext cx="2563522" cy="400110"/>
-          </a:xfrm>
-          <a:prstGeom prst="rect">
-            <a:avLst/>
-          </a:prstGeom>
-          <a:noFill/>
-        </p:spPr>
-        <p:txBody>
-          <a:bodyPr wrap="none" rtlCol="0">
-            <a:spAutoFit/>
-          </a:bodyPr>
-          <a:lstStyle/>
-          <a:p>
-            <a:r>
-              <a:rPr lang="fr-FR" sz="2000" b="1" dirty="0">
-                <a:solidFill>
-                  <a:schemeClr val="bg1"/>
-                </a:solidFill>
-              </a:rPr>
-              <a:t>Modèle de dialogue</a:t>
-            </a:r>
-          </a:p>
-        </p:txBody>
-      </p:sp>
       <p:sp>
         <p:nvSpPr>
           <p:cNvPr id="8" name="ZoneTexte 7"/>
@@ -17895,14 +17821,34 @@
             </a:pPr>
             <a:r>
               <a:rPr lang="en-US" sz="2000" dirty="0"/>
-              <a:t>Observations des dialogues </a:t>
+              <a:t>Observations </a:t>
+            </a:r>
+            <a:r>
+              <a:rPr lang="fr-FR" sz="2000" dirty="0" err="1" smtClean="0"/>
+              <a:t>from</a:t>
+            </a:r>
+            <a:r>
+              <a:rPr lang="fr-FR" sz="2000" dirty="0" smtClean="0"/>
+              <a:t> </a:t>
             </a:r>
             <a:r>
               <a:rPr lang="fr-FR" sz="2000" dirty="0"/>
-              <a:t>enregistrés</a:t>
-            </a:r>
-            <a:r>
-              <a:rPr lang="en-US" sz="2000" dirty="0"/>
+              <a:t> </a:t>
+            </a:r>
+            <a:r>
+              <a:rPr lang="fr-FR" sz="2000" dirty="0" err="1"/>
+              <a:t>recorded</a:t>
+            </a:r>
+            <a:r>
+              <a:rPr lang="fr-FR" sz="2000" dirty="0"/>
+              <a:t> </a:t>
+            </a:r>
+            <a:r>
+              <a:rPr lang="fr-FR" sz="2000" dirty="0" smtClean="0"/>
+              <a:t>dialogues</a:t>
+            </a:r>
+            <a:r>
+              <a:rPr lang="en-US" sz="2000" dirty="0" smtClean="0"/>
               <a:t>.</a:t>
             </a:r>
             <a:endParaRPr lang="fr-FR" sz="2000" dirty="0"/>
@@ -17986,9 +17932,10 @@
           <a:lstStyle/>
           <a:p>
             <a:r>
-              <a:rPr lang="fr-FR" dirty="0"/>
-              <a:t>Module de raisonnement</a:t>
-            </a:r>
+              <a:rPr lang="en-US" dirty="0" smtClean="0"/>
+              <a:t>Module of reasoning </a:t>
+            </a:r>
+            <a:endParaRPr lang="en-US" dirty="0"/>
           </a:p>
         </p:txBody>
       </p:sp>
@@ -18083,16 +18030,12 @@
           <a:lstStyle/>
           <a:p>
             <a:r>
-              <a:rPr lang="fr-FR" sz="2400" b="1" dirty="0"/>
-              <a:t>Arbre de </a:t>
-            </a:r>
-            <a:r>
-              <a:rPr lang="fr-FR" sz="2400" b="1" dirty="0" smtClean="0"/>
-              <a:t>dialogue</a:t>
-            </a:r>
-          </a:p>
-          <a:p>
-            <a:endParaRPr lang="fr-FR" sz="2400" b="1" dirty="0"/>
+              <a:rPr lang="en-US" sz="2400" b="1" dirty="0" smtClean="0"/>
+              <a:t>Dialogue tree</a:t>
+            </a:r>
+          </a:p>
+          <a:p>
+            <a:endParaRPr lang="en-US" sz="2400" b="1" dirty="0" smtClean="0"/>
           </a:p>
           <a:p>
             <a:pPr marL="914400" lvl="1" indent="-457200">
@@ -18100,20 +18043,12 @@
               <a:buChar char="•"/>
             </a:pPr>
             <a:r>
-              <a:rPr lang="fr-FR" sz="2000" i="1" u="sng" dirty="0"/>
-              <a:t>Entrée</a:t>
-            </a:r>
-            <a:r>
-              <a:rPr lang="fr-FR" sz="2000" dirty="0"/>
-              <a:t> : </a:t>
-            </a:r>
-            <a:r>
-              <a:rPr lang="fr-FR" sz="2000" dirty="0" smtClean="0"/>
-              <a:t>acte de dialogue choisi </a:t>
-            </a:r>
-            <a:r>
-              <a:rPr lang="fr-FR" sz="2000" dirty="0"/>
-              <a:t>par l’utilisateur</a:t>
+              <a:rPr lang="en-US" sz="2000" i="1" u="sng" dirty="0" smtClean="0"/>
+              <a:t>Input</a:t>
+            </a:r>
+            <a:r>
+              <a:rPr lang="en-US" sz="2000" dirty="0" smtClean="0"/>
+              <a:t>: act of dialogue chosen by the user</a:t>
             </a:r>
           </a:p>
           <a:p>
@@ -18121,7 +18056,7 @@
               <a:buFont typeface="Arial" panose="020B0604020202020204" pitchFamily="34" charset="0"/>
               <a:buChar char="•"/>
             </a:pPr>
-            <a:endParaRPr lang="fr-FR" sz="2000" dirty="0"/>
+            <a:endParaRPr lang="en-US" sz="2000" dirty="0" smtClean="0"/>
           </a:p>
           <a:p>
             <a:pPr marL="914400" lvl="1" indent="-457200">
@@ -18129,17 +18064,17 @@
               <a:buChar char="•"/>
             </a:pPr>
             <a:r>
-              <a:rPr lang="fr-FR" sz="2000" i="1" u="sng" dirty="0"/>
-              <a:t>Sortie</a:t>
-            </a:r>
-            <a:r>
-              <a:rPr lang="fr-FR" sz="2000" dirty="0"/>
-              <a:t>: acte de dialogue de réponse de l’agent</a:t>
+              <a:rPr lang="en-US" sz="2000" i="1" u="sng" dirty="0" smtClean="0"/>
+              <a:t>Output</a:t>
+            </a:r>
+            <a:r>
+              <a:rPr lang="en-US" sz="2000" dirty="0" smtClean="0"/>
+              <a:t>: act of dialogue chosen by the agent.</a:t>
             </a:r>
           </a:p>
           <a:p>
             <a:pPr lvl="1"/>
-            <a:endParaRPr lang="fr-FR" sz="2000" dirty="0"/>
+            <a:endParaRPr lang="en-US" sz="2000" dirty="0" smtClean="0"/>
           </a:p>
           <a:p>
             <a:pPr marL="914400" lvl="1" indent="-457200">
@@ -18147,22 +18082,9 @@
               <a:buChar char="•"/>
             </a:pPr>
             <a:r>
-              <a:rPr lang="fr-FR" sz="2000" i="1" u="sng" dirty="0"/>
-              <a:t>Choix de </a:t>
-            </a:r>
-            <a:r>
-              <a:rPr lang="fr-FR" sz="2000" i="1" u="sng" dirty="0" smtClean="0"/>
-              <a:t>l’acte </a:t>
-            </a:r>
-            <a:r>
-              <a:rPr lang="fr-FR" sz="2000" i="1" u="sng" dirty="0"/>
-              <a:t>de dialogue </a:t>
-            </a:r>
-            <a:r>
-              <a:rPr lang="fr-FR" sz="2000" i="1" u="sng" dirty="0" smtClean="0"/>
-              <a:t>:</a:t>
-            </a:r>
-            <a:endParaRPr lang="fr-FR" sz="2000" i="1" u="sng" dirty="0"/>
+              <a:rPr lang="en-US" sz="2000" i="1" u="sng" dirty="0" smtClean="0"/>
+              <a:t>Choice of the act de dialogue:</a:t>
+            </a:r>
           </a:p>
           <a:p>
             <a:pPr marL="1371600" lvl="2" indent="-457200">
@@ -18170,8 +18092,8 @@
               <a:buChar char="•"/>
             </a:pPr>
             <a:r>
-              <a:rPr lang="fr-FR" sz="2000" dirty="0"/>
-              <a:t>Sous branche de l’arbre</a:t>
+              <a:rPr lang="en-US" sz="2000" dirty="0" smtClean="0"/>
+              <a:t>Branching of the tree</a:t>
             </a:r>
           </a:p>
           <a:p>
@@ -18179,7 +18101,7 @@
               <a:buFont typeface="Arial" panose="020B0604020202020204" pitchFamily="34" charset="0"/>
               <a:buChar char="•"/>
             </a:pPr>
-            <a:endParaRPr lang="fr-FR" sz="2000" dirty="0"/>
+            <a:endParaRPr lang="en-US" sz="2000" dirty="0" smtClean="0"/>
           </a:p>
           <a:p>
             <a:pPr marL="914400" lvl="1" indent="-457200">
@@ -18187,8 +18109,8 @@
               <a:buChar char="•"/>
             </a:pPr>
             <a:r>
-              <a:rPr lang="fr-FR" sz="2000" i="1" u="sng" dirty="0"/>
-              <a:t>Conditions de branchement:</a:t>
+              <a:rPr lang="en-US" sz="2000" i="1" u="sng" dirty="0" smtClean="0"/>
+              <a:t>Conditions of branching:</a:t>
             </a:r>
           </a:p>
           <a:p>
@@ -18197,12 +18119,12 @@
               <a:buChar char="•"/>
             </a:pPr>
             <a:r>
-              <a:rPr lang="fr-FR" sz="2000" dirty="0">
+              <a:rPr lang="en-US" sz="2000" dirty="0" smtClean="0">
                 <a:solidFill>
                   <a:srgbClr val="92D050"/>
                 </a:solidFill>
               </a:rPr>
-              <a:t>Etat mental courant</a:t>
+              <a:t>Current mental state.</a:t>
             </a:r>
           </a:p>
           <a:p>
@@ -18211,72 +18133,22 @@
               <a:buChar char="•"/>
             </a:pPr>
             <a:r>
-              <a:rPr lang="fr-FR" sz="2000" dirty="0">
+              <a:rPr lang="en-US" sz="2000" dirty="0" smtClean="0">
                 <a:solidFill>
                   <a:schemeClr val="accent1">
                     <a:lumMod val="75000"/>
                   </a:schemeClr>
                 </a:solidFill>
               </a:rPr>
-              <a:t>Relation </a:t>
-            </a:r>
-            <a:r>
-              <a:rPr lang="fr-FR" sz="2000" dirty="0" smtClean="0">
-                <a:solidFill>
-                  <a:schemeClr val="accent1">
-                    <a:lumMod val="75000"/>
-                  </a:schemeClr>
-                </a:solidFill>
-              </a:rPr>
-              <a:t>interpersonnelle</a:t>
-            </a:r>
-            <a:endParaRPr lang="fr-FR" sz="2000" dirty="0">
-              <a:solidFill>
-                <a:schemeClr val="accent1">
-                  <a:lumMod val="75000"/>
-                </a:schemeClr>
-              </a:solidFill>
-            </a:endParaRPr>
+              <a:t>Interpersonal relationship.</a:t>
+            </a:r>
           </a:p>
           <a:p>
             <a:pPr marL="1371600" lvl="2" indent="-457200">
               <a:buFont typeface="Arial" panose="020B0604020202020204" pitchFamily="34" charset="0"/>
               <a:buChar char="•"/>
             </a:pPr>
-            <a:endParaRPr lang="fr-FR" sz="2000" dirty="0"/>
-          </a:p>
-        </p:txBody>
-      </p:sp>
-      <p:sp>
-        <p:nvSpPr>
-          <p:cNvPr id="11" name="ZoneTexte 10"/>
-          <p:cNvSpPr txBox="1"/>
-          <p:nvPr/>
-        </p:nvSpPr>
-        <p:spPr>
-          <a:xfrm>
-            <a:off x="50906" y="0"/>
-            <a:ext cx="2644482" cy="400110"/>
-          </a:xfrm>
-          <a:prstGeom prst="rect">
-            <a:avLst/>
-          </a:prstGeom>
-          <a:noFill/>
-        </p:spPr>
-        <p:txBody>
-          <a:bodyPr wrap="square" rtlCol="0">
-            <a:spAutoFit/>
-          </a:bodyPr>
-          <a:lstStyle/>
-          <a:p>
-            <a:r>
-              <a:rPr lang="fr-FR" sz="2000" b="1" dirty="0">
-                <a:solidFill>
-                  <a:schemeClr val="bg1"/>
-                </a:solidFill>
-              </a:rPr>
-              <a:t>Modèle de dialogue</a:t>
-            </a:r>
+            <a:endParaRPr lang="en-US" sz="2000" dirty="0"/>
           </a:p>
         </p:txBody>
       </p:sp>
@@ -18402,9 +18274,14 @@
           <a:p>
             <a:pPr algn="ctr"/>
             <a:r>
-              <a:rPr lang="fr-FR" dirty="0"/>
-              <a:t>Modèle de préférences</a:t>
-            </a:r>
+              <a:rPr lang="fr-FR" dirty="0" smtClean="0"/>
+              <a:t>Model of </a:t>
+            </a:r>
+            <a:r>
+              <a:rPr lang="fr-FR" dirty="0" err="1" smtClean="0"/>
+              <a:t>preferences</a:t>
+            </a:r>
+            <a:endParaRPr lang="fr-FR" dirty="0"/>
           </a:p>
         </p:txBody>
       </p:sp>
@@ -18446,7 +18323,11 @@
             <a:pPr algn="ctr"/>
             <a:r>
               <a:rPr lang="fr-FR" dirty="0" smtClean="0"/>
-              <a:t>Actes de dialogue</a:t>
+              <a:t>Dialogue </a:t>
+            </a:r>
+            <a:r>
+              <a:rPr lang="fr-FR" dirty="0" err="1" smtClean="0"/>
+              <a:t>acts</a:t>
             </a:r>
             <a:endParaRPr lang="fr-FR" dirty="0"/>
           </a:p>
@@ -18489,9 +18370,14 @@
           <a:p>
             <a:pPr algn="ctr"/>
             <a:r>
-              <a:rPr lang="fr-FR" dirty="0"/>
-              <a:t>Etat de la négociation</a:t>
-            </a:r>
+              <a:rPr lang="fr-FR" dirty="0" err="1" smtClean="0"/>
+              <a:t>Negotiation</a:t>
+            </a:r>
+            <a:r>
+              <a:rPr lang="fr-FR" dirty="0" smtClean="0"/>
+              <a:t> state</a:t>
+            </a:r>
+            <a:endParaRPr lang="fr-FR" dirty="0"/>
           </a:p>
         </p:txBody>
       </p:sp>
@@ -18588,15 +18474,22 @@
           <a:p>
             <a:pPr algn="ctr"/>
             <a:r>
-              <a:rPr lang="fr-FR" dirty="0">
+              <a:rPr lang="fr-FR" dirty="0" smtClean="0">
                 <a:solidFill>
                   <a:schemeClr val="accent4">
                     <a:lumMod val="50000"/>
                   </a:schemeClr>
                 </a:solidFill>
               </a:rPr>
-              <a:t>Modèle mental de l’agent</a:t>
-            </a:r>
+              <a:t>Mental state of the agent</a:t>
+            </a:r>
+            <a:endParaRPr lang="fr-FR" dirty="0">
+              <a:solidFill>
+                <a:schemeClr val="accent4">
+                  <a:lumMod val="50000"/>
+                </a:schemeClr>
+              </a:solidFill>
+            </a:endParaRPr>
           </a:p>
         </p:txBody>
       </p:sp>
@@ -18834,39 +18727,6 @@
       </p:cxnSp>
       <p:sp>
         <p:nvSpPr>
-          <p:cNvPr id="30" name="ZoneTexte 29"/>
-          <p:cNvSpPr txBox="1"/>
-          <p:nvPr/>
-        </p:nvSpPr>
-        <p:spPr>
-          <a:xfrm>
-            <a:off x="116378" y="-27464"/>
-            <a:ext cx="4926349" cy="400110"/>
-          </a:xfrm>
-          <a:prstGeom prst="rect">
-            <a:avLst/>
-          </a:prstGeom>
-          <a:noFill/>
-        </p:spPr>
-        <p:txBody>
-          <a:bodyPr wrap="none" rtlCol="0">
-            <a:spAutoFit/>
-          </a:bodyPr>
-          <a:lstStyle/>
-          <a:p>
-            <a:r>
-              <a:rPr lang="fr-FR" sz="2000" b="1" dirty="0">
-                <a:solidFill>
-                  <a:schemeClr val="bg1"/>
-                </a:solidFill>
-              </a:rPr>
-              <a:t>Implémentation du modèle de dialogue</a:t>
-            </a:r>
-          </a:p>
-        </p:txBody>
-      </p:sp>
-      <p:sp>
-        <p:nvSpPr>
           <p:cNvPr id="5" name="Espace réservé du numéro de diapositive 4"/>
           <p:cNvSpPr>
             <a:spLocks noGrp="1"/>
@@ -18944,42 +18804,10 @@
           <a:lstStyle/>
           <a:p>
             <a:r>
-              <a:rPr lang="fr-FR" dirty="0"/>
-              <a:t>Implémentation Java + Disco</a:t>
-            </a:r>
-          </a:p>
-        </p:txBody>
-      </p:sp>
-      <p:sp>
-        <p:nvSpPr>
-          <p:cNvPr id="30" name="ZoneTexte 29"/>
-          <p:cNvSpPr txBox="1"/>
-          <p:nvPr/>
-        </p:nvSpPr>
-        <p:spPr>
-          <a:xfrm>
-            <a:off x="116378" y="-27464"/>
-            <a:ext cx="4926349" cy="400110"/>
-          </a:xfrm>
-          <a:prstGeom prst="rect">
-            <a:avLst/>
-          </a:prstGeom>
-          <a:noFill/>
-        </p:spPr>
-        <p:txBody>
-          <a:bodyPr wrap="none" rtlCol="0">
-            <a:spAutoFit/>
-          </a:bodyPr>
-          <a:lstStyle/>
-          <a:p>
-            <a:r>
-              <a:rPr lang="fr-FR" sz="2000" b="1" dirty="0">
-                <a:solidFill>
-                  <a:schemeClr val="bg1"/>
-                </a:solidFill>
-              </a:rPr>
-              <a:t>Implémentation du modèle de dialogue</a:t>
-            </a:r>
+              <a:rPr lang="en-US" dirty="0" smtClean="0"/>
+              <a:t>Implementation Java + Disco</a:t>
+            </a:r>
+            <a:endParaRPr lang="en-US" dirty="0"/>
           </a:p>
         </p:txBody>
       </p:sp>
@@ -19847,9 +19675,10 @@
               <a:buChar char="•"/>
             </a:pPr>
             <a:r>
-              <a:rPr lang="fr-FR" sz="2400" b="1" dirty="0"/>
-              <a:t>Exemple de dialogue produit </a:t>
-            </a:r>
+              <a:rPr lang="en-US" sz="2400" b="1" dirty="0" smtClean="0"/>
+              <a:t>Example of dialogue</a:t>
+            </a:r>
+            <a:endParaRPr lang="en-US" sz="2400" b="1" dirty="0"/>
           </a:p>
         </p:txBody>
       </p:sp>
@@ -19915,7 +19744,7 @@
             <a:pPr algn="ctr"/>
             <a:r>
               <a:rPr lang="fr-FR" sz="2000" dirty="0" smtClean="0"/>
-              <a:t>RI: Neutre / Neutre</a:t>
+              <a:t>RI: Peer / Peer</a:t>
             </a:r>
             <a:endParaRPr lang="fr-FR" sz="2000" dirty="0"/>
           </a:p>
@@ -19975,8 +19804,13 @@
           <a:p>
             <a:r>
               <a:rPr lang="fr-FR" dirty="0"/>
-              <a:t>Perspectives (1) à court terme </a:t>
-            </a:r>
+              <a:t>Perspectives (1</a:t>
+            </a:r>
+            <a:r>
+              <a:rPr lang="fr-FR" dirty="0" smtClean="0"/>
+              <a:t>)</a:t>
+            </a:r>
+            <a:endParaRPr lang="fr-FR" dirty="0"/>
           </a:p>
         </p:txBody>
       </p:sp>
@@ -19993,116 +19827,144 @@
         <p:spPr/>
         <p:txBody>
           <a:bodyPr>
-            <a:normAutofit lnSpcReduction="10000"/>
+            <a:normAutofit/>
           </a:bodyPr>
           <a:lstStyle/>
           <a:p>
             <a:r>
-              <a:rPr lang="fr-FR" sz="2800" b="1" dirty="0"/>
-              <a:t>Validation des comportements de dominances modélisés</a:t>
+              <a:rPr lang="en-US" sz="2800" b="1" dirty="0" smtClean="0"/>
+              <a:t>Validation of dominant behaviors</a:t>
             </a:r>
           </a:p>
           <a:p>
             <a:pPr marL="0" indent="0">
               <a:buNone/>
             </a:pPr>
-            <a:endParaRPr lang="fr-FR" sz="2800" b="1" dirty="0"/>
+            <a:endParaRPr lang="en-US" sz="2800" b="1" dirty="0" smtClean="0"/>
           </a:p>
           <a:p>
             <a:pPr lvl="1"/>
             <a:r>
-              <a:rPr lang="fr-FR" sz="2400" dirty="0"/>
-              <a:t>Dialogues synthétiques Agent-Agent</a:t>
+              <a:rPr lang="en-US" sz="2400" dirty="0" smtClean="0"/>
+              <a:t>Synthetic dialogues agent/agent</a:t>
             </a:r>
           </a:p>
           <a:p>
             <a:pPr lvl="1"/>
             <a:r>
-              <a:rPr lang="fr-FR" sz="2400" dirty="0"/>
+              <a:rPr lang="en-US" sz="2400" dirty="0" smtClean="0"/>
               <a:t>4 conditions</a:t>
             </a:r>
           </a:p>
           <a:p>
             <a:pPr lvl="2"/>
             <a:r>
-              <a:rPr lang="fr-FR" sz="2200" b="1" dirty="0"/>
-              <a:t>Relation sociale</a:t>
-            </a:r>
-            <a:r>
-              <a:rPr lang="fr-FR" sz="2200" dirty="0"/>
-              <a:t> : </a:t>
-            </a:r>
-            <a:r>
-              <a:rPr lang="fr-FR" sz="2200" i="1" u="sng" dirty="0"/>
-              <a:t>Dominant / Soumis </a:t>
-            </a:r>
-            <a:r>
-              <a:rPr lang="fr-FR" sz="2200" dirty="0"/>
-              <a:t>ou </a:t>
-            </a:r>
-            <a:r>
-              <a:rPr lang="fr-FR" sz="2200" i="1" u="sng" dirty="0"/>
-              <a:t>Neutre / Neutre</a:t>
+              <a:rPr lang="en-US" sz="2200" b="1" dirty="0" smtClean="0"/>
+              <a:t>Social </a:t>
+            </a:r>
+            <a:r>
+              <a:rPr lang="en-US" sz="2200" b="1" dirty="0"/>
+              <a:t>r</a:t>
+            </a:r>
+            <a:r>
+              <a:rPr lang="en-US" sz="2200" b="1" dirty="0" smtClean="0"/>
+              <a:t>elation </a:t>
+            </a:r>
+            <a:r>
+              <a:rPr lang="en-US" sz="2200" dirty="0" smtClean="0"/>
+              <a:t>: </a:t>
+            </a:r>
+            <a:r>
+              <a:rPr lang="en-US" sz="2200" i="1" u="sng" dirty="0" smtClean="0"/>
+              <a:t>Dominant / submissive </a:t>
+            </a:r>
+            <a:r>
+              <a:rPr lang="en-US" sz="2200" dirty="0" smtClean="0"/>
+              <a:t>or </a:t>
+            </a:r>
+            <a:r>
+              <a:rPr lang="en-US" sz="2200" i="1" u="sng" dirty="0" smtClean="0"/>
+              <a:t>Peer/ Peer</a:t>
             </a:r>
           </a:p>
           <a:p>
             <a:pPr lvl="2"/>
             <a:r>
-              <a:rPr lang="fr-FR" sz="2200" b="1" dirty="0"/>
-              <a:t>Préférences : </a:t>
-            </a:r>
-            <a:r>
-              <a:rPr lang="fr-FR" sz="2200" dirty="0"/>
-              <a:t>similaires ou opposées</a:t>
+              <a:rPr lang="en-US" sz="2200" b="1" dirty="0" smtClean="0"/>
+              <a:t>Preferences : </a:t>
+            </a:r>
+            <a:r>
+              <a:rPr lang="en-US" sz="2200" dirty="0" smtClean="0"/>
+              <a:t>similar or opposite.</a:t>
             </a:r>
           </a:p>
           <a:p>
             <a:pPr lvl="2"/>
-            <a:endParaRPr lang="fr-FR" sz="2400" dirty="0"/>
+            <a:endParaRPr lang="en-US" sz="2400" dirty="0" smtClean="0"/>
           </a:p>
           <a:p>
             <a:pPr lvl="1"/>
             <a:r>
-              <a:rPr lang="fr-FR" sz="2400" dirty="0"/>
-              <a:t>Questionnaire sur la perception du comportement de dominance</a:t>
+              <a:rPr lang="en-US" sz="2400" dirty="0" smtClean="0"/>
+              <a:t>Questionnaire on the perception of dominant behavior of the agent</a:t>
             </a:r>
           </a:p>
           <a:p>
             <a:pPr lvl="2"/>
             <a:r>
-              <a:rPr lang="fr-FR" sz="2200" dirty="0"/>
-              <a:t>Dominance perçue</a:t>
+              <a:rPr lang="en-US" sz="2200" dirty="0" smtClean="0"/>
+              <a:t>Perceived </a:t>
+            </a:r>
+            <a:r>
+              <a:rPr lang="en-US" sz="2200" dirty="0"/>
+              <a:t>d</a:t>
+            </a:r>
+            <a:r>
+              <a:rPr lang="en-US" sz="2200" dirty="0" smtClean="0"/>
+              <a:t>ominance</a:t>
             </a:r>
           </a:p>
           <a:p>
             <a:pPr lvl="2"/>
             <a:r>
-              <a:rPr lang="fr-FR" sz="2200" dirty="0"/>
-              <a:t>Etude sur les comportements de dominance</a:t>
+              <a:rPr lang="en-US" sz="2200" dirty="0" smtClean="0"/>
+              <a:t>Study on the dominant behavior:</a:t>
             </a:r>
           </a:p>
           <a:p>
             <a:pPr lvl="3"/>
             <a:r>
-              <a:rPr lang="fr-FR" sz="1900" dirty="0"/>
-              <a:t>Changements de sujet de conversation, considération du point de vue de l’autre, plus d’exigences et moins de concessions.</a:t>
-            </a:r>
-            <a:r>
-              <a:rPr lang="fr-FR" sz="1800" dirty="0"/>
-              <a:t>…</a:t>
-            </a:r>
+              <a:rPr lang="en-US" sz="1800" dirty="0" smtClean="0"/>
+              <a:t>(Ignore/ take in account) other </a:t>
+            </a:r>
+            <a:r>
+              <a:rPr lang="en-US" sz="1800" dirty="0"/>
+              <a:t>preferences in decision making. </a:t>
+            </a:r>
+            <a:r>
+              <a:rPr lang="en-US" sz="1200" dirty="0" smtClean="0"/>
+              <a:t>More </a:t>
+            </a:r>
+            <a:r>
+              <a:rPr lang="en-US" sz="1200" dirty="0"/>
+              <a:t>demands, less concessions</a:t>
+            </a:r>
+          </a:p>
+          <a:p>
+            <a:pPr lvl="3"/>
+            <a:endParaRPr lang="en-US" sz="2000" dirty="0" smtClean="0"/>
           </a:p>
           <a:p>
             <a:pPr lvl="2"/>
-            <a:endParaRPr lang="fr-FR" sz="2200" dirty="0"/>
+            <a:endParaRPr lang="en-US" sz="2200" dirty="0" smtClean="0"/>
           </a:p>
           <a:p>
             <a:pPr lvl="3"/>
-            <a:endParaRPr lang="fr-FR" sz="2000" dirty="0"/>
+            <a:endParaRPr lang="en-US" sz="2000" dirty="0" smtClean="0"/>
           </a:p>
           <a:p>
             <a:pPr lvl="1"/>
-            <a:endParaRPr lang="fr-FR" sz="2400" dirty="0"/>
+            <a:endParaRPr lang="en-US" sz="2400" dirty="0"/>
           </a:p>
         </p:txBody>
       </p:sp>
@@ -20167,852 +20029,6 @@
     <p:extLst>
       <p:ext uri="{BB962C8B-B14F-4D97-AF65-F5344CB8AC3E}">
         <p14:creationId xmlns:p14="http://schemas.microsoft.com/office/powerpoint/2010/main" val="3689396593"/>
-      </p:ext>
-    </p:extLst>
-  </p:cSld>
-  <p:clrMapOvr>
-    <a:masterClrMapping/>
-  </p:clrMapOvr>
-  <p:timing>
-    <p:tnLst>
-      <p:par>
-        <p:cTn id="1" dur="indefinite" restart="never" nodeType="tmRoot"/>
-      </p:par>
-    </p:tnLst>
-  </p:timing>
-</p:sld>
-</file>
-
-<file path=ppt/slides/slide18.xml><?xml version="1.0" encoding="utf-8"?>
-<p:sld xmlns:a="http://schemas.openxmlformats.org/drawingml/2006/main" xmlns:r="http://schemas.openxmlformats.org/officeDocument/2006/relationships" xmlns:p="http://schemas.openxmlformats.org/presentationml/2006/main">
-  <p:cSld>
-    <p:spTree>
-      <p:nvGrpSpPr>
-        <p:cNvPr id="1" name=""/>
-        <p:cNvGrpSpPr/>
-        <p:nvPr/>
-      </p:nvGrpSpPr>
-      <p:grpSpPr>
-        <a:xfrm>
-          <a:off x="0" y="0"/>
-          <a:ext cx="0" cy="0"/>
-          <a:chOff x="0" y="0"/>
-          <a:chExt cx="0" cy="0"/>
-        </a:xfrm>
-      </p:grpSpPr>
-      <p:sp>
-        <p:nvSpPr>
-          <p:cNvPr id="2" name="Titre 1"/>
-          <p:cNvSpPr>
-            <a:spLocks noGrp="1"/>
-          </p:cNvSpPr>
-          <p:nvPr>
-            <p:ph type="title"/>
-          </p:nvPr>
-        </p:nvSpPr>
-        <p:spPr/>
-        <p:txBody>
-          <a:bodyPr/>
-          <a:lstStyle/>
-          <a:p>
-            <a:r>
-              <a:rPr lang="fr-FR" dirty="0"/>
-              <a:t>Perspectives (2) : </a:t>
-            </a:r>
-            <a:r>
-              <a:rPr lang="fr-FR" sz="3600" dirty="0"/>
-              <a:t>Validation</a:t>
-            </a:r>
-          </a:p>
-        </p:txBody>
-      </p:sp>
-      <p:sp>
-        <p:nvSpPr>
-          <p:cNvPr id="8" name="Rectangle 7"/>
-          <p:cNvSpPr/>
-          <p:nvPr/>
-        </p:nvSpPr>
-        <p:spPr>
-          <a:xfrm>
-            <a:off x="666750" y="1506670"/>
-            <a:ext cx="5141218" cy="5162690"/>
-          </a:xfrm>
-          <a:prstGeom prst="rect">
-            <a:avLst/>
-          </a:prstGeom>
-          <a:solidFill>
-            <a:schemeClr val="bg1">
-              <a:lumMod val="95000"/>
-            </a:schemeClr>
-          </a:solidFill>
-        </p:spPr>
-        <p:style>
-          <a:lnRef idx="3">
-            <a:schemeClr val="lt1"/>
-          </a:lnRef>
-          <a:fillRef idx="1">
-            <a:schemeClr val="accent6"/>
-          </a:fillRef>
-          <a:effectRef idx="1">
-            <a:schemeClr val="accent6"/>
-          </a:effectRef>
-          <a:fontRef idx="minor">
-            <a:schemeClr val="lt1"/>
-          </a:fontRef>
-        </p:style>
-        <p:txBody>
-          <a:bodyPr rtlCol="0" anchor="ctr"/>
-          <a:lstStyle/>
-          <a:p>
-            <a:pPr marL="182880" indent="-182880">
-              <a:spcBef>
-                <a:spcPct val="20000"/>
-              </a:spcBef>
-              <a:buClr>
-                <a:srgbClr val="629DD1"/>
-              </a:buClr>
-              <a:buSzPct val="85000"/>
-              <a:buFont typeface="Arial" pitchFamily="34" charset="0"/>
-              <a:buChar char="•"/>
-            </a:pPr>
-            <a:r>
-              <a:rPr lang="fr-FR" sz="2400" b="1" dirty="0">
-                <a:solidFill>
-                  <a:prstClr val="black"/>
-                </a:solidFill>
-              </a:rPr>
-              <a:t>Impact des dimensions sociales sur la stratégies de dialogue:</a:t>
-            </a:r>
-          </a:p>
-          <a:p>
-            <a:pPr marL="182880" indent="-182880">
-              <a:spcBef>
-                <a:spcPct val="20000"/>
-              </a:spcBef>
-              <a:buClr>
-                <a:srgbClr val="629DD1"/>
-              </a:buClr>
-              <a:buSzPct val="85000"/>
-              <a:buFont typeface="Arial" pitchFamily="34" charset="0"/>
-              <a:buChar char="•"/>
-            </a:pPr>
-            <a:endParaRPr lang="fr-FR" sz="2400" b="1" dirty="0">
-              <a:solidFill>
-                <a:prstClr val="black"/>
-              </a:solidFill>
-            </a:endParaRPr>
-          </a:p>
-          <a:p>
-            <a:pPr lvl="1" indent="-182880">
-              <a:spcBef>
-                <a:spcPct val="20000"/>
-              </a:spcBef>
-              <a:buClr>
-                <a:srgbClr val="629DD1"/>
-              </a:buClr>
-              <a:buSzPct val="85000"/>
-              <a:buFont typeface="Arial" pitchFamily="34" charset="0"/>
-              <a:buChar char="•"/>
-            </a:pPr>
-            <a:r>
-              <a:rPr lang="fr-FR" sz="2000" b="1" i="1" dirty="0">
-                <a:solidFill>
-                  <a:prstClr val="black"/>
-                </a:solidFill>
-              </a:rPr>
-              <a:t>2 conditions </a:t>
-            </a:r>
-            <a:r>
-              <a:rPr lang="fr-FR" sz="2000" b="1" dirty="0">
-                <a:solidFill>
-                  <a:prstClr val="black"/>
-                </a:solidFill>
-              </a:rPr>
-              <a:t>: </a:t>
-            </a:r>
-          </a:p>
-          <a:p>
-            <a:pPr lvl="2" indent="-182880">
-              <a:spcBef>
-                <a:spcPct val="20000"/>
-              </a:spcBef>
-              <a:buClr>
-                <a:srgbClr val="629DD1"/>
-              </a:buClr>
-              <a:buSzPct val="85000"/>
-              <a:buFont typeface="Arial" pitchFamily="34" charset="0"/>
-              <a:buChar char="•"/>
-            </a:pPr>
-            <a:r>
-              <a:rPr lang="fr-FR" sz="2000" dirty="0">
-                <a:solidFill>
-                  <a:prstClr val="black"/>
-                </a:solidFill>
-              </a:rPr>
-              <a:t>avec ou sans relation interpersonnelle dans le choix </a:t>
-            </a:r>
-            <a:r>
-              <a:rPr lang="fr-FR" sz="2000" dirty="0" smtClean="0">
-                <a:solidFill>
-                  <a:prstClr val="black"/>
-                </a:solidFill>
-              </a:rPr>
-              <a:t>du prochain acte de dialogue.</a:t>
-            </a:r>
-            <a:endParaRPr lang="fr-FR" sz="2000" dirty="0">
-              <a:solidFill>
-                <a:prstClr val="black"/>
-              </a:solidFill>
-            </a:endParaRPr>
-          </a:p>
-          <a:p>
-            <a:pPr lvl="1" indent="-182880">
-              <a:spcBef>
-                <a:spcPct val="20000"/>
-              </a:spcBef>
-              <a:buClr>
-                <a:srgbClr val="629DD1"/>
-              </a:buClr>
-              <a:buSzPct val="85000"/>
-              <a:buFont typeface="Arial" pitchFamily="34" charset="0"/>
-              <a:buChar char="•"/>
-            </a:pPr>
-            <a:r>
-              <a:rPr lang="fr-FR" sz="2000" b="1" i="1" dirty="0">
-                <a:solidFill>
-                  <a:prstClr val="black"/>
-                </a:solidFill>
-              </a:rPr>
-              <a:t>Hypothèses:</a:t>
-            </a:r>
-          </a:p>
-          <a:p>
-            <a:pPr lvl="2" indent="-182880">
-              <a:spcBef>
-                <a:spcPct val="20000"/>
-              </a:spcBef>
-              <a:buClr>
-                <a:srgbClr val="629DD1"/>
-              </a:buClr>
-              <a:buSzPct val="85000"/>
-              <a:buFont typeface="Arial" pitchFamily="34" charset="0"/>
-              <a:buChar char="•"/>
-            </a:pPr>
-            <a:r>
-              <a:rPr lang="fr-FR" sz="2000" dirty="0">
-                <a:solidFill>
-                  <a:prstClr val="black"/>
-                </a:solidFill>
-              </a:rPr>
-              <a:t>H1 </a:t>
-            </a:r>
-            <a:r>
-              <a:rPr lang="fr-FR" sz="2000" dirty="0">
-                <a:solidFill>
-                  <a:prstClr val="black"/>
-                </a:solidFill>
-                <a:sym typeface="Wingdings" panose="05000000000000000000" pitchFamily="2" charset="2"/>
-              </a:rPr>
-              <a:t></a:t>
-            </a:r>
-            <a:r>
-              <a:rPr lang="fr-FR" sz="2000" dirty="0">
-                <a:solidFill>
-                  <a:prstClr val="black"/>
-                </a:solidFill>
-              </a:rPr>
-              <a:t> plus agréable</a:t>
-            </a:r>
-          </a:p>
-          <a:p>
-            <a:pPr lvl="2" indent="-182880">
-              <a:spcBef>
-                <a:spcPct val="20000"/>
-              </a:spcBef>
-              <a:buClr>
-                <a:srgbClr val="629DD1"/>
-              </a:buClr>
-              <a:buSzPct val="85000"/>
-              <a:buFont typeface="Arial" pitchFamily="34" charset="0"/>
-              <a:buChar char="•"/>
-            </a:pPr>
-            <a:r>
-              <a:rPr lang="fr-FR" sz="2000" dirty="0">
-                <a:solidFill>
-                  <a:prstClr val="black"/>
-                </a:solidFill>
-              </a:rPr>
-              <a:t>H2 </a:t>
-            </a:r>
-            <a:r>
-              <a:rPr lang="fr-FR" sz="2000" dirty="0">
-                <a:solidFill>
-                  <a:prstClr val="black"/>
-                </a:solidFill>
-                <a:sym typeface="Wingdings" panose="05000000000000000000" pitchFamily="2" charset="2"/>
-              </a:rPr>
-              <a:t></a:t>
-            </a:r>
-            <a:r>
-              <a:rPr lang="fr-FR" sz="2000" dirty="0">
-                <a:solidFill>
-                  <a:prstClr val="black"/>
-                </a:solidFill>
-              </a:rPr>
-              <a:t> plus rapide à converger</a:t>
-            </a:r>
-            <a:endParaRPr lang="fr-FR" sz="2400" b="1" dirty="0">
-              <a:solidFill>
-                <a:prstClr val="black"/>
-              </a:solidFill>
-            </a:endParaRPr>
-          </a:p>
-          <a:p>
-            <a:pPr algn="ctr"/>
-            <a:endParaRPr lang="fr-FR" dirty="0"/>
-          </a:p>
-        </p:txBody>
-      </p:sp>
-      <p:sp>
-        <p:nvSpPr>
-          <p:cNvPr id="9" name="Rectangle 8"/>
-          <p:cNvSpPr/>
-          <p:nvPr/>
-        </p:nvSpPr>
-        <p:spPr>
-          <a:xfrm>
-            <a:off x="5946728" y="1506670"/>
-            <a:ext cx="5688059" cy="5162690"/>
-          </a:xfrm>
-          <a:prstGeom prst="rect">
-            <a:avLst/>
-          </a:prstGeom>
-          <a:solidFill>
-            <a:schemeClr val="bg1">
-              <a:lumMod val="95000"/>
-            </a:schemeClr>
-          </a:solidFill>
-        </p:spPr>
-        <p:style>
-          <a:lnRef idx="3">
-            <a:schemeClr val="lt1"/>
-          </a:lnRef>
-          <a:fillRef idx="1">
-            <a:schemeClr val="accent6"/>
-          </a:fillRef>
-          <a:effectRef idx="1">
-            <a:schemeClr val="accent6"/>
-          </a:effectRef>
-          <a:fontRef idx="minor">
-            <a:schemeClr val="lt1"/>
-          </a:fontRef>
-        </p:style>
-        <p:txBody>
-          <a:bodyPr rtlCol="0" anchor="ctr"/>
-          <a:lstStyle/>
-          <a:p>
-            <a:pPr marL="182880" indent="-182880">
-              <a:spcBef>
-                <a:spcPct val="20000"/>
-              </a:spcBef>
-              <a:buClr>
-                <a:srgbClr val="629DD1"/>
-              </a:buClr>
-              <a:buSzPct val="85000"/>
-              <a:buFont typeface="Arial" pitchFamily="34" charset="0"/>
-              <a:buChar char="•"/>
-            </a:pPr>
-            <a:r>
-              <a:rPr lang="fr-FR" sz="2400" b="1" dirty="0" smtClean="0">
-                <a:solidFill>
-                  <a:prstClr val="black"/>
-                </a:solidFill>
-              </a:rPr>
-              <a:t>Personnalité de la RI</a:t>
-            </a:r>
-            <a:r>
-              <a:rPr lang="fr-FR" sz="2400" b="1" dirty="0">
-                <a:solidFill>
-                  <a:prstClr val="black"/>
-                </a:solidFill>
-              </a:rPr>
-              <a:t>:</a:t>
-            </a:r>
-          </a:p>
-          <a:p>
-            <a:pPr marL="182880" indent="-182880">
-              <a:spcBef>
-                <a:spcPct val="20000"/>
-              </a:spcBef>
-              <a:buClr>
-                <a:srgbClr val="629DD1"/>
-              </a:buClr>
-              <a:buSzPct val="85000"/>
-              <a:buFont typeface="Arial" pitchFamily="34" charset="0"/>
-              <a:buChar char="•"/>
-            </a:pPr>
-            <a:r>
-              <a:rPr lang="fr-FR" dirty="0">
-                <a:solidFill>
-                  <a:prstClr val="black"/>
-                </a:solidFill>
-              </a:rPr>
-              <a:t> personnalité + rôle social affecte la RI</a:t>
-            </a:r>
-          </a:p>
-          <a:p>
-            <a:pPr lvl="1" indent="-182880">
-              <a:spcBef>
-                <a:spcPct val="20000"/>
-              </a:spcBef>
-              <a:buClr>
-                <a:srgbClr val="629DD1"/>
-              </a:buClr>
-              <a:buSzPct val="85000"/>
-              <a:buFont typeface="Arial" pitchFamily="34" charset="0"/>
-              <a:buChar char="•"/>
-            </a:pPr>
-            <a:r>
-              <a:rPr lang="fr-FR" sz="2000" b="1" i="1" dirty="0">
-                <a:solidFill>
-                  <a:prstClr val="black"/>
-                </a:solidFill>
-              </a:rPr>
-              <a:t>2 conditions: </a:t>
-            </a:r>
-          </a:p>
-          <a:p>
-            <a:pPr lvl="2" indent="-182880">
-              <a:spcBef>
-                <a:spcPct val="20000"/>
-              </a:spcBef>
-              <a:buClr>
-                <a:srgbClr val="629DD1"/>
-              </a:buClr>
-              <a:buSzPct val="85000"/>
-              <a:buFont typeface="Arial" pitchFamily="34" charset="0"/>
-              <a:buChar char="•"/>
-            </a:pPr>
-            <a:r>
-              <a:rPr lang="fr-FR" sz="2000" dirty="0">
-                <a:solidFill>
-                  <a:prstClr val="black"/>
-                </a:solidFill>
-              </a:rPr>
-              <a:t>comportement neutre</a:t>
-            </a:r>
-          </a:p>
-          <a:p>
-            <a:pPr lvl="2" indent="-182880">
-              <a:spcBef>
-                <a:spcPct val="20000"/>
-              </a:spcBef>
-              <a:buClr>
-                <a:srgbClr val="629DD1"/>
-              </a:buClr>
-              <a:buSzPct val="85000"/>
-              <a:buFont typeface="Arial" pitchFamily="34" charset="0"/>
-              <a:buChar char="•"/>
-            </a:pPr>
-            <a:r>
-              <a:rPr lang="fr-FR" sz="2000" dirty="0">
-                <a:solidFill>
-                  <a:prstClr val="black"/>
-                </a:solidFill>
-              </a:rPr>
-              <a:t> adaptation à la RI perçue en fonction des réponses de l’utilisateur (</a:t>
-            </a:r>
-            <a:r>
-              <a:rPr lang="fr-FR" sz="2000" dirty="0" err="1">
-                <a:solidFill>
-                  <a:prstClr val="black"/>
-                </a:solidFill>
-              </a:rPr>
-              <a:t>ToM</a:t>
-            </a:r>
-            <a:r>
-              <a:rPr lang="fr-FR" sz="2000" dirty="0">
-                <a:solidFill>
-                  <a:prstClr val="black"/>
-                </a:solidFill>
-              </a:rPr>
-              <a:t>)</a:t>
-            </a:r>
-          </a:p>
-          <a:p>
-            <a:pPr lvl="1" indent="-182880">
-              <a:spcBef>
-                <a:spcPct val="20000"/>
-              </a:spcBef>
-              <a:buClr>
-                <a:srgbClr val="629DD1"/>
-              </a:buClr>
-              <a:buSzPct val="85000"/>
-              <a:buFont typeface="Arial" pitchFamily="34" charset="0"/>
-              <a:buChar char="•"/>
-            </a:pPr>
-            <a:r>
-              <a:rPr lang="fr-FR" sz="2000" b="1" i="1" dirty="0" smtClean="0">
-                <a:solidFill>
-                  <a:prstClr val="black"/>
-                </a:solidFill>
-              </a:rPr>
-              <a:t>Questionnaire de comportement de dominance:</a:t>
-            </a:r>
-          </a:p>
-          <a:p>
-            <a:pPr marL="731520" lvl="2" indent="-182880">
-              <a:spcBef>
-                <a:spcPct val="20000"/>
-              </a:spcBef>
-              <a:buClr>
-                <a:srgbClr val="629DD1"/>
-              </a:buClr>
-              <a:buSzPct val="90000"/>
-              <a:buFont typeface="Arial" pitchFamily="34" charset="0"/>
-              <a:buChar char="•"/>
-            </a:pPr>
-            <a:r>
-              <a:rPr lang="fr-FR" b="1" dirty="0" smtClean="0">
-                <a:solidFill>
-                  <a:schemeClr val="accent2">
-                    <a:lumMod val="50000"/>
-                  </a:schemeClr>
-                </a:solidFill>
-              </a:rPr>
-              <a:t>1. Utilisateur</a:t>
-            </a:r>
-            <a:r>
-              <a:rPr lang="fr-FR" dirty="0">
-                <a:solidFill>
-                  <a:prstClr val="black"/>
-                </a:solidFill>
-              </a:rPr>
-              <a:t>: </a:t>
-            </a:r>
-          </a:p>
-          <a:p>
-            <a:pPr marL="548640" lvl="2">
-              <a:spcBef>
-                <a:spcPct val="20000"/>
-              </a:spcBef>
-              <a:buClr>
-                <a:srgbClr val="629DD1"/>
-              </a:buClr>
-              <a:buSzPct val="90000"/>
-            </a:pPr>
-            <a:r>
-              <a:rPr lang="fr-FR" dirty="0">
-                <a:solidFill>
-                  <a:prstClr val="black"/>
-                </a:solidFill>
-              </a:rPr>
-              <a:t>H3 </a:t>
-            </a:r>
-            <a:r>
-              <a:rPr lang="fr-FR" dirty="0">
-                <a:solidFill>
-                  <a:prstClr val="black"/>
-                </a:solidFill>
-                <a:sym typeface="Wingdings" panose="05000000000000000000" pitchFamily="2" charset="2"/>
-              </a:rPr>
-              <a:t> </a:t>
-            </a:r>
-            <a:r>
-              <a:rPr lang="fr-FR" dirty="0">
-                <a:solidFill>
-                  <a:prstClr val="black"/>
-                </a:solidFill>
-              </a:rPr>
-              <a:t>est-ce que la RI détectée par l’agent correspond  </a:t>
-            </a:r>
-            <a:r>
-              <a:rPr lang="fr-FR" dirty="0" smtClean="0">
-                <a:solidFill>
-                  <a:prstClr val="black"/>
-                </a:solidFill>
-              </a:rPr>
-              <a:t>au comportement.</a:t>
-            </a:r>
-            <a:endParaRPr lang="fr-FR" dirty="0">
-              <a:solidFill>
-                <a:prstClr val="black"/>
-              </a:solidFill>
-            </a:endParaRPr>
-          </a:p>
-          <a:p>
-            <a:pPr marL="731520" lvl="2" indent="-182880">
-              <a:spcBef>
-                <a:spcPct val="20000"/>
-              </a:spcBef>
-              <a:buClr>
-                <a:srgbClr val="629DD1"/>
-              </a:buClr>
-              <a:buSzPct val="90000"/>
-              <a:buFont typeface="Arial" pitchFamily="34" charset="0"/>
-              <a:buChar char="•"/>
-            </a:pPr>
-            <a:r>
-              <a:rPr lang="fr-FR" b="1" dirty="0" smtClean="0">
-                <a:solidFill>
-                  <a:schemeClr val="accent2">
-                    <a:lumMod val="50000"/>
-                  </a:schemeClr>
-                </a:solidFill>
-              </a:rPr>
-              <a:t>2. De </a:t>
-            </a:r>
-            <a:r>
-              <a:rPr lang="fr-FR" b="1" dirty="0">
-                <a:solidFill>
-                  <a:schemeClr val="accent2">
-                    <a:lumMod val="50000"/>
-                  </a:schemeClr>
-                </a:solidFill>
-              </a:rPr>
-              <a:t>l’agent </a:t>
-            </a:r>
-            <a:r>
-              <a:rPr lang="fr-FR" dirty="0">
-                <a:solidFill>
-                  <a:schemeClr val="accent2">
-                    <a:lumMod val="50000"/>
-                  </a:schemeClr>
-                </a:solidFill>
-              </a:rPr>
-              <a:t>(rempli par l’utilisateur)</a:t>
-            </a:r>
-            <a:r>
-              <a:rPr lang="fr-FR" b="1" dirty="0">
-                <a:solidFill>
-                  <a:schemeClr val="accent2">
-                    <a:lumMod val="50000"/>
-                  </a:schemeClr>
-                </a:solidFill>
-              </a:rPr>
-              <a:t>:</a:t>
-            </a:r>
-          </a:p>
-          <a:p>
-            <a:pPr marL="548640" lvl="2">
-              <a:spcBef>
-                <a:spcPct val="20000"/>
-              </a:spcBef>
-              <a:buClr>
-                <a:srgbClr val="629DD1"/>
-              </a:buClr>
-              <a:buSzPct val="90000"/>
-            </a:pPr>
-            <a:r>
-              <a:rPr lang="fr-FR" dirty="0">
-                <a:solidFill>
-                  <a:prstClr val="black"/>
-                </a:solidFill>
-              </a:rPr>
-              <a:t>H4 </a:t>
-            </a:r>
-            <a:r>
-              <a:rPr lang="fr-FR" dirty="0">
-                <a:solidFill>
-                  <a:prstClr val="black"/>
-                </a:solidFill>
-                <a:sym typeface="Wingdings" panose="05000000000000000000" pitchFamily="2" charset="2"/>
-              </a:rPr>
-              <a:t> l’utilisateur a perçu correctement </a:t>
-            </a:r>
-            <a:r>
-              <a:rPr lang="fr-FR" dirty="0" smtClean="0">
-                <a:solidFill>
-                  <a:prstClr val="black"/>
-                </a:solidFill>
-                <a:sym typeface="Wingdings" panose="05000000000000000000" pitchFamily="2" charset="2"/>
-              </a:rPr>
-              <a:t>le comportement de dominance exprimé </a:t>
-            </a:r>
-            <a:r>
-              <a:rPr lang="fr-FR" dirty="0">
-                <a:solidFill>
-                  <a:prstClr val="black"/>
-                </a:solidFill>
-                <a:sym typeface="Wingdings" panose="05000000000000000000" pitchFamily="2" charset="2"/>
-              </a:rPr>
-              <a:t>par l’agent</a:t>
-            </a:r>
-            <a:endParaRPr lang="fr-FR" dirty="0">
-              <a:solidFill>
-                <a:prstClr val="black"/>
-              </a:solidFill>
-            </a:endParaRPr>
-          </a:p>
-          <a:p>
-            <a:pPr algn="ctr"/>
-            <a:endParaRPr lang="fr-FR" dirty="0"/>
-          </a:p>
-        </p:txBody>
-      </p:sp>
-      <p:sp>
-        <p:nvSpPr>
-          <p:cNvPr id="6" name="ZoneTexte 5"/>
-          <p:cNvSpPr txBox="1"/>
-          <p:nvPr/>
-        </p:nvSpPr>
-        <p:spPr>
-          <a:xfrm>
-            <a:off x="50905" y="0"/>
-            <a:ext cx="4132623" cy="400110"/>
-          </a:xfrm>
-          <a:prstGeom prst="rect">
-            <a:avLst/>
-          </a:prstGeom>
-          <a:noFill/>
-        </p:spPr>
-        <p:txBody>
-          <a:bodyPr wrap="square" rtlCol="0">
-            <a:spAutoFit/>
-          </a:bodyPr>
-          <a:lstStyle/>
-          <a:p>
-            <a:r>
-              <a:rPr lang="fr-FR" sz="2000" b="1" dirty="0">
-                <a:solidFill>
-                  <a:schemeClr val="bg1"/>
-                </a:solidFill>
-              </a:rPr>
-              <a:t>Conclusion et perspectives</a:t>
-            </a:r>
-          </a:p>
-        </p:txBody>
-      </p:sp>
-      <p:sp>
-        <p:nvSpPr>
-          <p:cNvPr id="5" name="Espace réservé du numéro de diapositive 4"/>
-          <p:cNvSpPr>
-            <a:spLocks noGrp="1"/>
-          </p:cNvSpPr>
-          <p:nvPr>
-            <p:ph type="sldNum" sz="quarter" idx="12"/>
-          </p:nvPr>
-        </p:nvSpPr>
-        <p:spPr/>
-        <p:txBody>
-          <a:bodyPr/>
-          <a:lstStyle/>
-          <a:p>
-            <a:fld id="{3E09C654-F2CE-49A0-9D19-A73528137789}" type="slidenum">
-              <a:rPr lang="fr-FR" smtClean="0"/>
-              <a:pPr/>
-              <a:t>18</a:t>
-            </a:fld>
-            <a:endParaRPr lang="fr-FR"/>
-          </a:p>
-        </p:txBody>
-      </p:sp>
-    </p:spTree>
-    <p:extLst>
-      <p:ext uri="{BB962C8B-B14F-4D97-AF65-F5344CB8AC3E}">
-        <p14:creationId xmlns:p14="http://schemas.microsoft.com/office/powerpoint/2010/main" val="1554416800"/>
-      </p:ext>
-    </p:extLst>
-  </p:cSld>
-  <p:clrMapOvr>
-    <a:masterClrMapping/>
-  </p:clrMapOvr>
-  <p:timing>
-    <p:tnLst>
-      <p:par>
-        <p:cTn id="1" dur="indefinite" restart="never" nodeType="tmRoot"/>
-      </p:par>
-    </p:tnLst>
-  </p:timing>
-</p:sld>
-</file>
-
-<file path=ppt/slides/slide19.xml><?xml version="1.0" encoding="utf-8"?>
-<p:sld xmlns:a="http://schemas.openxmlformats.org/drawingml/2006/main" xmlns:r="http://schemas.openxmlformats.org/officeDocument/2006/relationships" xmlns:p="http://schemas.openxmlformats.org/presentationml/2006/main">
-  <p:cSld>
-    <p:spTree>
-      <p:nvGrpSpPr>
-        <p:cNvPr id="1" name=""/>
-        <p:cNvGrpSpPr/>
-        <p:nvPr/>
-      </p:nvGrpSpPr>
-      <p:grpSpPr>
-        <a:xfrm>
-          <a:off x="0" y="0"/>
-          <a:ext cx="0" cy="0"/>
-          <a:chOff x="0" y="0"/>
-          <a:chExt cx="0" cy="0"/>
-        </a:xfrm>
-      </p:grpSpPr>
-      <p:sp>
-        <p:nvSpPr>
-          <p:cNvPr id="160" name="TextShape 1"/>
-          <p:cNvSpPr txBox="1"/>
-          <p:nvPr/>
-        </p:nvSpPr>
-        <p:spPr>
-          <a:xfrm>
-            <a:off x="1524000" y="2992680"/>
-            <a:ext cx="9017640" cy="990360"/>
-          </a:xfrm>
-          <a:prstGeom prst="rect">
-            <a:avLst/>
-          </a:prstGeom>
-          <a:noFill/>
-          <a:ln>
-            <a:noFill/>
-          </a:ln>
-        </p:spPr>
-        <p:txBody>
-          <a:bodyPr anchor="ctr"/>
-          <a:lstStyle/>
-          <a:p>
-            <a:pPr algn="ctr">
-              <a:lnSpc>
-                <a:spcPct val="100000"/>
-              </a:lnSpc>
-            </a:pPr>
-            <a:r>
-              <a:rPr lang="fr-FR" sz="4000">
-                <a:solidFill>
-                  <a:srgbClr val="242852"/>
-                </a:solidFill>
-                <a:latin typeface="Arial"/>
-              </a:rPr>
-              <a:t>Merci pour votre attention !</a:t>
-            </a:r>
-            <a:endParaRPr/>
-          </a:p>
-        </p:txBody>
-      </p:sp>
-      <p:sp>
-        <p:nvSpPr>
-          <p:cNvPr id="4" name="Espace réservé du numéro de diapositive 3"/>
-          <p:cNvSpPr>
-            <a:spLocks noGrp="1"/>
-          </p:cNvSpPr>
-          <p:nvPr>
-            <p:ph type="sldNum" sz="quarter" idx="12"/>
-          </p:nvPr>
-        </p:nvSpPr>
-        <p:spPr/>
-        <p:txBody>
-          <a:bodyPr/>
-          <a:lstStyle/>
-          <a:p>
-            <a:fld id="{3E09C654-F2CE-49A0-9D19-A73528137789}" type="slidenum">
-              <a:rPr lang="fr-FR" smtClean="0"/>
-              <a:pPr/>
-              <a:t>19</a:t>
-            </a:fld>
-            <a:endParaRPr lang="fr-FR"/>
-          </a:p>
-        </p:txBody>
-      </p:sp>
-    </p:spTree>
-    <p:extLst>
-      <p:ext uri="{BB962C8B-B14F-4D97-AF65-F5344CB8AC3E}">
-        <p14:creationId xmlns:p14="http://schemas.microsoft.com/office/powerpoint/2010/main" val="437345793"/>
       </p:ext>
     </p:extLst>
   </p:cSld>
@@ -21090,8 +20106,8 @@
               <a:buAutoNum type="arabicPeriod"/>
             </a:pPr>
             <a:r>
-              <a:rPr lang="fr-FR" sz="2800" dirty="0"/>
-              <a:t>Contexte et motivation</a:t>
+              <a:rPr lang="en-US" sz="2800" dirty="0" smtClean="0"/>
+              <a:t>Context and motivation</a:t>
             </a:r>
           </a:p>
           <a:p>
@@ -21099,7 +20115,7 @@
               <a:buFont typeface="+mj-lt"/>
               <a:buAutoNum type="arabicPeriod"/>
             </a:pPr>
-            <a:endParaRPr lang="fr-FR" sz="2800" dirty="0"/>
+            <a:endParaRPr lang="en-US" sz="2800" dirty="0" smtClean="0"/>
           </a:p>
           <a:p>
             <a:pPr marL="514350" indent="-514350">
@@ -21107,8 +20123,8 @@
               <a:buAutoNum type="arabicPeriod"/>
             </a:pPr>
             <a:r>
-              <a:rPr lang="fr-FR" sz="2800" dirty="0"/>
-              <a:t>Etat de l’art  </a:t>
+              <a:rPr lang="en-US" sz="2800" dirty="0" smtClean="0"/>
+              <a:t>Related works</a:t>
             </a:r>
           </a:p>
           <a:p>
@@ -21116,7 +20132,7 @@
               <a:buFont typeface="+mj-lt"/>
               <a:buAutoNum type="arabicPeriod"/>
             </a:pPr>
-            <a:endParaRPr lang="fr-FR" sz="2800" dirty="0"/>
+            <a:endParaRPr lang="en-US" sz="2800" dirty="0" smtClean="0"/>
           </a:p>
           <a:p>
             <a:pPr marL="514350" indent="-514350">
@@ -21124,8 +20140,8 @@
               <a:buAutoNum type="arabicPeriod"/>
             </a:pPr>
             <a:r>
-              <a:rPr lang="fr-FR" sz="2800" dirty="0"/>
-              <a:t>Notre modèle de dialogue</a:t>
+              <a:rPr lang="en-US" sz="2800" dirty="0" smtClean="0"/>
+              <a:t>Proposed  model of dialogue</a:t>
             </a:r>
           </a:p>
           <a:p>
@@ -21133,7 +20149,7 @@
               <a:buFont typeface="+mj-lt"/>
               <a:buAutoNum type="arabicPeriod"/>
             </a:pPr>
-            <a:endParaRPr lang="fr-FR" sz="2800" dirty="0"/>
+            <a:endParaRPr lang="en-US" sz="2800" dirty="0" smtClean="0"/>
           </a:p>
           <a:p>
             <a:pPr marL="514350" indent="-514350">
@@ -21141,8 +20157,8 @@
               <a:buAutoNum type="arabicPeriod"/>
             </a:pPr>
             <a:r>
-              <a:rPr lang="fr-FR" sz="2800" dirty="0"/>
-              <a:t>Implémentation du modèle en Disco</a:t>
+              <a:rPr lang="en-US" sz="2800" dirty="0" smtClean="0"/>
+              <a:t>Implementation of the model in Disco</a:t>
             </a:r>
           </a:p>
           <a:p>
@@ -21150,7 +20166,7 @@
               <a:buFont typeface="+mj-lt"/>
               <a:buAutoNum type="arabicPeriod"/>
             </a:pPr>
-            <a:endParaRPr lang="fr-FR" sz="2800" dirty="0"/>
+            <a:endParaRPr lang="en-US" sz="2800" dirty="0" smtClean="0"/>
           </a:p>
           <a:p>
             <a:pPr marL="514350" indent="-514350">
@@ -21158,9 +20174,10 @@
               <a:buAutoNum type="arabicPeriod"/>
             </a:pPr>
             <a:r>
-              <a:rPr lang="fr-FR" sz="2800" dirty="0"/>
-              <a:t>Conclusion et perspectives</a:t>
-            </a:r>
+              <a:rPr lang="en-US" sz="2800" smtClean="0"/>
+              <a:t>Conclusion and perspectives</a:t>
+            </a:r>
+            <a:endParaRPr lang="en-US" sz="2800" dirty="0"/>
           </a:p>
         </p:txBody>
       </p:sp>
@@ -21198,11 +20215,11 @@
   <p:clrMapOvr>
     <a:masterClrMapping/>
   </p:clrMapOvr>
-  <mc:AlternateContent xmlns:mc="http://schemas.openxmlformats.org/markup-compatibility/2006">
-    <mc:Choice xmlns:p14="http://schemas.microsoft.com/office/powerpoint/2010/main" Requires="p14">
+  <mc:AlternateContent xmlns:mc="http://schemas.openxmlformats.org/markup-compatibility/2006" xmlns:p14="http://schemas.microsoft.com/office/powerpoint/2010/main">
+    <mc:Choice Requires="p14">
       <p:transition spd="slow" p14:dur="2000"/>
     </mc:Choice>
-    <mc:Fallback>
+    <mc:Fallback xmlns="">
       <p:transition spd="slow"/>
     </mc:Fallback>
   </mc:AlternateContent>
@@ -21262,15 +20279,15 @@
               </a:lnSpc>
             </a:pPr>
             <a:r>
-              <a:rPr lang="fr-FR" sz="4000" dirty="0">
+              <a:rPr lang="en-US" sz="4000" dirty="0" smtClean="0">
                 <a:solidFill>
                   <a:srgbClr val="242852"/>
                 </a:solidFill>
                 <a:latin typeface="Arial"/>
               </a:rPr>
-              <a:t>Dialogue de négociation coopérative</a:t>
-            </a:r>
-            <a:endParaRPr dirty="0"/>
+              <a:t>Cooperative negotiation in dialogue</a:t>
+            </a:r>
+            <a:endParaRPr lang="en-US" dirty="0"/>
           </a:p>
         </p:txBody>
       </p:sp>
@@ -21910,7 +20927,7 @@
                 <a:spcPct val="100000"/>
               </a:lnSpc>
             </a:pPr>
-            <a:endParaRPr lang="fr-FR" sz="2400" b="1" dirty="0" smtClean="0">
+            <a:endParaRPr lang="en-US" sz="2400" b="1" dirty="0" smtClean="0">
               <a:solidFill>
                 <a:srgbClr val="000000"/>
               </a:solidFill>
@@ -21923,26 +20940,29 @@
               </a:lnSpc>
             </a:pPr>
             <a:r>
-              <a:rPr lang="fr-FR" sz="2400" b="1" dirty="0" smtClean="0">
+              <a:rPr lang="en-US" sz="2400" b="1" dirty="0" smtClean="0">
                 <a:solidFill>
                   <a:srgbClr val="000000"/>
                 </a:solidFill>
               </a:rPr>
-              <a:t> Interpersonnel </a:t>
-            </a:r>
-            <a:r>
-              <a:rPr lang="fr-FR" sz="2400" b="1" dirty="0" err="1" smtClean="0">
+              <a:t> </a:t>
+            </a:r>
+            <a:r>
+              <a:rPr lang="en-US" sz="2400" b="1" dirty="0" err="1" smtClean="0">
                 <a:solidFill>
                   <a:srgbClr val="000000"/>
                 </a:solidFill>
               </a:rPr>
-              <a:t>relationship</a:t>
-            </a:r>
-            <a:endParaRPr lang="fr-FR" sz="2400" b="1" dirty="0">
-              <a:solidFill>
-                <a:srgbClr val="000000"/>
-              </a:solidFill>
-            </a:endParaRPr>
+              <a:t>Interpersonel</a:t>
+            </a:r>
+            <a:r>
+              <a:rPr lang="en-US" sz="2400" b="1" dirty="0" smtClean="0">
+                <a:solidFill>
+                  <a:srgbClr val="000000"/>
+                </a:solidFill>
+              </a:rPr>
+              <a:t> relationship</a:t>
+            </a:r>
           </a:p>
           <a:p>
             <a:pPr algn="ctr">
@@ -21950,7 +20970,7 @@
                 <a:spcPct val="100000"/>
               </a:lnSpc>
             </a:pPr>
-            <a:endParaRPr lang="fr-FR" sz="2400" dirty="0"/>
+            <a:endParaRPr lang="en-US" sz="2400" dirty="0"/>
           </a:p>
         </p:txBody>
       </p:sp>
@@ -21962,10 +20982,10 @@
         </p:nvGrpSpPr>
         <p:grpSpPr>
           <a:xfrm>
-            <a:off x="8917420" y="3141469"/>
-            <a:ext cx="2488808" cy="1732964"/>
-            <a:chOff x="6732240" y="2762250"/>
-            <a:chExt cx="2488808" cy="1732964"/>
+            <a:off x="8917420" y="3139688"/>
+            <a:ext cx="2533405" cy="1734745"/>
+            <a:chOff x="6732240" y="2760469"/>
+            <a:chExt cx="2533405" cy="1734745"/>
           </a:xfrm>
         </p:grpSpPr>
         <p:pic>
@@ -22058,7 +21078,7 @@
           </p:nvSpPr>
           <p:spPr>
             <a:xfrm>
-              <a:off x="7839771" y="2912779"/>
+              <a:off x="7884368" y="2760469"/>
               <a:ext cx="1381277" cy="646331"/>
             </a:xfrm>
             <a:prstGeom prst="rect">
@@ -22074,17 +21094,13 @@
             <a:p>
               <a:pPr algn="ctr"/>
               <a:r>
+                <a:rPr lang="en-US" b="1" dirty="0" smtClean="0"/>
+                <a:t>RI </a:t>
+              </a:r>
+              <a:r>
                 <a:rPr lang="en-US" dirty="0" smtClean="0"/>
                 <a:t>Perception</a:t>
               </a:r>
-            </a:p>
-            <a:p>
-              <a:pPr algn="ctr"/>
-              <a:r>
-                <a:rPr lang="en-US" b="1" dirty="0" smtClean="0"/>
-                <a:t>RI</a:t>
-              </a:r>
-              <a:endParaRPr lang="en-US" b="1" dirty="0"/>
             </a:p>
           </p:txBody>
         </p:sp>
@@ -22159,10 +21175,10 @@
         </p:nvGrpSpPr>
         <p:grpSpPr>
           <a:xfrm>
-            <a:off x="5677060" y="3225878"/>
-            <a:ext cx="2592288" cy="1647630"/>
-            <a:chOff x="3472410" y="2695162"/>
-            <a:chExt cx="2592288" cy="1647630"/>
+            <a:off x="5677060" y="3197786"/>
+            <a:ext cx="2592288" cy="1675722"/>
+            <a:chOff x="3472410" y="2667070"/>
+            <a:chExt cx="2592288" cy="1675722"/>
           </a:xfrm>
         </p:grpSpPr>
         <p:pic>
@@ -22255,7 +21271,7 @@
           </p:nvSpPr>
           <p:spPr>
             <a:xfrm>
-              <a:off x="3544418" y="2803413"/>
+              <a:off x="3506318" y="2667070"/>
               <a:ext cx="1296144" cy="646331"/>
             </a:xfrm>
             <a:prstGeom prst="rect">
@@ -22271,17 +21287,13 @@
             <a:p>
               <a:pPr algn="ctr"/>
               <a:r>
+                <a:rPr lang="en-US" b="1" dirty="0"/>
+                <a:t>RI </a:t>
+              </a:r>
+              <a:r>
                 <a:rPr lang="en-US" dirty="0" smtClean="0"/>
                 <a:t>Perception</a:t>
               </a:r>
-            </a:p>
-            <a:p>
-              <a:pPr algn="ctr"/>
-              <a:r>
-                <a:rPr lang="en-US" b="1" dirty="0" smtClean="0"/>
-                <a:t>RI</a:t>
-              </a:r>
-              <a:endParaRPr lang="en-US" b="1" dirty="0"/>
             </a:p>
           </p:txBody>
         </p:sp>
@@ -22486,39 +21498,6 @@
       </p:sp>
       <p:sp>
         <p:nvSpPr>
-          <p:cNvPr id="30" name="ZoneTexte 29"/>
-          <p:cNvSpPr txBox="1"/>
-          <p:nvPr/>
-        </p:nvSpPr>
-        <p:spPr>
-          <a:xfrm>
-            <a:off x="609600" y="-28135"/>
-            <a:ext cx="3087705" cy="400110"/>
-          </a:xfrm>
-          <a:prstGeom prst="rect">
-            <a:avLst/>
-          </a:prstGeom>
-          <a:noFill/>
-        </p:spPr>
-        <p:txBody>
-          <a:bodyPr wrap="none" rtlCol="0">
-            <a:spAutoFit/>
-          </a:bodyPr>
-          <a:lstStyle/>
-          <a:p>
-            <a:r>
-              <a:rPr lang="fr-FR" sz="2000" b="1" dirty="0">
-                <a:solidFill>
-                  <a:prstClr val="white"/>
-                </a:solidFill>
-              </a:rPr>
-              <a:t>Contexte et motivation  </a:t>
-            </a:r>
-          </a:p>
-        </p:txBody>
-      </p:sp>
-      <p:sp>
-        <p:nvSpPr>
           <p:cNvPr id="11" name="Espace réservé du numéro de diapositive 10"/>
           <p:cNvSpPr>
             <a:spLocks noGrp="1"/>
@@ -22608,39 +21587,6 @@
           </a:p>
         </p:txBody>
       </p:sp>
-      <p:sp>
-        <p:nvSpPr>
-          <p:cNvPr id="8" name="ZoneTexte 7"/>
-          <p:cNvSpPr txBox="1"/>
-          <p:nvPr/>
-        </p:nvSpPr>
-        <p:spPr>
-          <a:xfrm>
-            <a:off x="675249" y="-41567"/>
-            <a:ext cx="1577676" cy="400110"/>
-          </a:xfrm>
-          <a:prstGeom prst="rect">
-            <a:avLst/>
-          </a:prstGeom>
-          <a:noFill/>
-        </p:spPr>
-        <p:txBody>
-          <a:bodyPr wrap="none" rtlCol="0">
-            <a:spAutoFit/>
-          </a:bodyPr>
-          <a:lstStyle/>
-          <a:p>
-            <a:r>
-              <a:rPr lang="fr-FR" sz="2000" b="1" dirty="0">
-                <a:solidFill>
-                  <a:schemeClr val="bg1"/>
-                </a:solidFill>
-              </a:rPr>
-              <a:t>Etat de l’art</a:t>
-            </a:r>
-          </a:p>
-        </p:txBody>
-      </p:sp>
       <p:pic>
         <p:nvPicPr>
           <p:cNvPr id="5" name="Image 4"/>
@@ -22725,59 +21671,7 @@
             </a:r>
             <a:r>
               <a:rPr lang="en-US" dirty="0" smtClean="0"/>
-              <a:t>(Kidd CD,2008) :  </a:t>
-            </a:r>
-            <a:r>
-              <a:rPr lang="en-US" sz="2000" dirty="0" err="1" smtClean="0"/>
-              <a:t>Conseiller</a:t>
-            </a:r>
-            <a:r>
-              <a:rPr lang="en-US" sz="2000" dirty="0" smtClean="0"/>
-              <a:t> </a:t>
-            </a:r>
-            <a:r>
-              <a:rPr lang="en-US" sz="2000" dirty="0" err="1" smtClean="0"/>
-              <a:t>en</a:t>
-            </a:r>
-            <a:r>
-              <a:rPr lang="en-US" sz="2000" dirty="0" smtClean="0"/>
-              <a:t> </a:t>
-            </a:r>
-            <a:r>
-              <a:rPr lang="en-US" sz="2000" dirty="0" err="1" smtClean="0"/>
-              <a:t>perte</a:t>
-            </a:r>
-            <a:r>
-              <a:rPr lang="en-US" sz="2000" dirty="0" smtClean="0"/>
-              <a:t> de </a:t>
-            </a:r>
-            <a:r>
-              <a:rPr lang="en-US" sz="2000" dirty="0" err="1" smtClean="0"/>
-              <a:t>poids</a:t>
-            </a:r>
-            <a:r>
-              <a:rPr lang="en-US" sz="2000" dirty="0" smtClean="0"/>
-              <a:t> </a:t>
-            </a:r>
-            <a:r>
-              <a:rPr lang="en-US" sz="2000" dirty="0" err="1" smtClean="0"/>
-              <a:t>placé</a:t>
-            </a:r>
-            <a:r>
-              <a:rPr lang="en-US" sz="2000" dirty="0" smtClean="0"/>
-              <a:t> </a:t>
-            </a:r>
-            <a:r>
-              <a:rPr lang="en-US" sz="2000" dirty="0" err="1" smtClean="0"/>
-              <a:t>dans</a:t>
-            </a:r>
-            <a:r>
-              <a:rPr lang="en-US" sz="2000" dirty="0" smtClean="0"/>
-              <a:t> le domicile des </a:t>
-            </a:r>
-            <a:r>
-              <a:rPr lang="en-US" sz="2000" dirty="0" err="1" smtClean="0"/>
-              <a:t>utilisateurs</a:t>
+              <a:t>(Kidd CD,2008)</a:t>
             </a:r>
             <a:endParaRPr lang="en-US" dirty="0"/>
           </a:p>
@@ -22880,43 +21774,7 @@
             </a:r>
             <a:r>
               <a:rPr lang="en-US" dirty="0" smtClean="0"/>
-              <a:t> ,2002):  </a:t>
-            </a:r>
-            <a:r>
-              <a:rPr lang="en-US" sz="2000" dirty="0" smtClean="0"/>
-              <a:t>ACA qui </a:t>
-            </a:r>
-            <a:r>
-              <a:rPr lang="en-US" sz="2000" dirty="0" err="1" smtClean="0"/>
-              <a:t>joue</a:t>
-            </a:r>
-            <a:r>
-              <a:rPr lang="en-US" sz="2000" dirty="0" smtClean="0"/>
-              <a:t> le </a:t>
-            </a:r>
-            <a:r>
-              <a:rPr lang="en-US" sz="2000" dirty="0" err="1" smtClean="0"/>
-              <a:t>rôle</a:t>
-            </a:r>
-            <a:r>
-              <a:rPr lang="en-US" sz="2000" dirty="0" smtClean="0"/>
-              <a:t> </a:t>
-            </a:r>
-            <a:r>
-              <a:rPr lang="en-US" sz="2000" dirty="0" err="1" smtClean="0"/>
-              <a:t>d’agent</a:t>
-            </a:r>
-            <a:r>
-              <a:rPr lang="en-US" sz="2000" dirty="0" smtClean="0"/>
-              <a:t> </a:t>
-            </a:r>
-            <a:r>
-              <a:rPr lang="en-US" sz="2000" dirty="0" err="1" smtClean="0"/>
-              <a:t>immobilier</a:t>
-            </a:r>
-            <a:r>
-              <a:rPr lang="en-US" sz="2000" dirty="0" smtClean="0"/>
-              <a:t>. </a:t>
+              <a:t> ,2002)</a:t>
             </a:r>
             <a:endParaRPr lang="en-US" sz="2000" dirty="0"/>
           </a:p>
@@ -22968,52 +21826,12 @@
               <a:t>AlwaysOn</a:t>
             </a:r>
             <a:r>
+              <a:rPr lang="en-US" sz="2400" b="1" dirty="0" smtClean="0"/>
+              <a:t> </a:t>
+            </a:r>
+            <a:r>
               <a:rPr lang="en-US" dirty="0" smtClean="0"/>
-              <a:t>(Rich,2013):</a:t>
-            </a:r>
-            <a:r>
-              <a:rPr lang="en-US" sz="2000" b="1" dirty="0" smtClean="0"/>
-              <a:t> </a:t>
-            </a:r>
-            <a:r>
-              <a:rPr lang="en-US" sz="2000" dirty="0" err="1" smtClean="0"/>
-              <a:t>Compagnon</a:t>
-            </a:r>
-            <a:r>
-              <a:rPr lang="en-US" sz="2000" dirty="0" smtClean="0"/>
-              <a:t> </a:t>
-            </a:r>
-            <a:r>
-              <a:rPr lang="en-US" sz="2000" dirty="0" err="1" smtClean="0"/>
-              <a:t>artificiel</a:t>
-            </a:r>
-            <a:r>
-              <a:rPr lang="en-US" sz="2000" dirty="0" smtClean="0"/>
-              <a:t> pour les </a:t>
-            </a:r>
-            <a:r>
-              <a:rPr lang="en-US" sz="2000" dirty="0" err="1" smtClean="0"/>
-              <a:t>personnes</a:t>
-            </a:r>
-            <a:r>
-              <a:rPr lang="en-US" sz="2000" dirty="0" smtClean="0"/>
-              <a:t> </a:t>
-            </a:r>
-            <a:r>
-              <a:rPr lang="en-US" sz="2000" dirty="0" err="1" smtClean="0"/>
-              <a:t>âgées</a:t>
-            </a:r>
-            <a:r>
-              <a:rPr lang="en-US" sz="2000" dirty="0" smtClean="0"/>
-              <a:t> </a:t>
-            </a:r>
-            <a:r>
-              <a:rPr lang="en-US" sz="2000" dirty="0" err="1" smtClean="0"/>
-              <a:t>isolées</a:t>
-            </a:r>
-            <a:r>
-              <a:rPr lang="en-US" sz="2000" dirty="0" smtClean="0"/>
-              <a:t>. </a:t>
+              <a:t>(Rich,2013)</a:t>
             </a:r>
             <a:endParaRPr lang="en-US" sz="2000" dirty="0"/>
           </a:p>
@@ -23100,35 +21918,7 @@
             </a:r>
             <a:r>
               <a:rPr lang="en-US" dirty="0" smtClean="0"/>
-              <a:t>(Bickmore,2006):</a:t>
-            </a:r>
-            <a:r>
-              <a:rPr lang="en-US" sz="2000" b="1" dirty="0" smtClean="0"/>
-              <a:t> </a:t>
-            </a:r>
-            <a:r>
-              <a:rPr lang="en-US" sz="2000" dirty="0" err="1" smtClean="0"/>
-              <a:t>Conseiller</a:t>
-            </a:r>
-            <a:r>
-              <a:rPr lang="en-US" sz="2000" dirty="0" smtClean="0"/>
-              <a:t> </a:t>
-            </a:r>
-            <a:r>
-              <a:rPr lang="en-US" sz="2000" dirty="0" err="1" smtClean="0"/>
-              <a:t>visant</a:t>
-            </a:r>
-            <a:r>
-              <a:rPr lang="en-US" sz="2000" dirty="0" smtClean="0"/>
-              <a:t> à modifier les </a:t>
-            </a:r>
-            <a:r>
-              <a:rPr lang="en-US" sz="2000" dirty="0" err="1" smtClean="0"/>
-              <a:t>comportements</a:t>
-            </a:r>
-            <a:r>
-              <a:rPr lang="en-US" sz="2000" dirty="0" smtClean="0"/>
-              <a:t> de santé. </a:t>
+              <a:t>(Bickmore,2006)</a:t>
             </a:r>
             <a:endParaRPr lang="en-US" sz="2000" dirty="0"/>
           </a:p>
@@ -23249,15 +22039,11 @@
           <a:p>
             <a:r>
               <a:rPr lang="en-US" dirty="0" smtClean="0"/>
-              <a:t>Dimensions </a:t>
-            </a:r>
-            <a:r>
-              <a:rPr lang="en-US" dirty="0" smtClean="0"/>
-              <a:t>of </a:t>
+              <a:t>Dimensions of </a:t>
             </a:r>
             <a:r>
               <a:rPr lang="en-US" dirty="0" err="1" smtClean="0"/>
-              <a:t>interpersonnel</a:t>
+              <a:t>interpersonel</a:t>
             </a:r>
             <a:r>
               <a:rPr lang="en-US" dirty="0" smtClean="0"/>
@@ -23269,11 +22055,7 @@
             </a:r>
             <a:r>
               <a:rPr lang="en-US" sz="2700" dirty="0" err="1" smtClean="0"/>
-              <a:t>S</a:t>
-            </a:r>
-            <a:r>
-              <a:rPr lang="en-US" sz="2700" dirty="0" err="1" smtClean="0"/>
-              <a:t>venniving</a:t>
+              <a:t>Svenniving</a:t>
             </a:r>
             <a:r>
               <a:rPr lang="en-US" sz="2700" dirty="0" smtClean="0"/>
@@ -23484,6 +22266,10 @@
             <a:lstStyle/>
             <a:p>
               <a:pPr algn="ctr"/>
+              <a:r>
+                <a:rPr lang="en-US" sz="2000" dirty="0" smtClean="0"/>
+                <a:t>Preferences shared</a:t>
+              </a:r>
               <a:endParaRPr lang="en-US" sz="2000" dirty="0"/>
             </a:p>
           </p:txBody>
@@ -23596,7 +22382,6 @@
                 <a:rPr lang="en-US" sz="2000" dirty="0" smtClean="0"/>
                 <a:t>Degree of appreciation</a:t>
               </a:r>
-              <a:endParaRPr lang="en-US" sz="2000" dirty="0" smtClean="0"/>
             </a:p>
           </p:txBody>
         </p:sp>
@@ -23706,7 +22491,7 @@
               <a:pPr algn="ctr"/>
               <a:r>
                 <a:rPr lang="en-US" sz="2000" dirty="0" smtClean="0"/>
-                <a:t>Personnel information exchange)</a:t>
+                <a:t>Personnel information exchange</a:t>
               </a:r>
               <a:endParaRPr lang="en-US" sz="2000" dirty="0"/>
             </a:p>
@@ -23757,47 +22542,14 @@
             <a:p>
               <a:pPr algn="ctr"/>
               <a:r>
-                <a:rPr lang="en-US" sz="2000" b="1" dirty="0" err="1" smtClean="0"/>
-                <a:t>Familiarité</a:t>
+                <a:rPr lang="en-US" sz="2000" b="1" dirty="0" smtClean="0"/>
+                <a:t>Familiarity</a:t>
               </a:r>
               <a:endParaRPr lang="en-US" sz="2000" b="1" dirty="0"/>
             </a:p>
           </p:txBody>
         </p:sp>
       </p:grpSp>
-      <p:sp>
-        <p:nvSpPr>
-          <p:cNvPr id="21" name="ZoneTexte 20"/>
-          <p:cNvSpPr txBox="1"/>
-          <p:nvPr/>
-        </p:nvSpPr>
-        <p:spPr>
-          <a:xfrm>
-            <a:off x="472613" y="-17175"/>
-            <a:ext cx="3017173" cy="400110"/>
-          </a:xfrm>
-          <a:prstGeom prst="rect">
-            <a:avLst/>
-          </a:prstGeom>
-          <a:noFill/>
-        </p:spPr>
-        <p:txBody>
-          <a:bodyPr wrap="none" rtlCol="0">
-            <a:spAutoFit/>
-          </a:bodyPr>
-          <a:lstStyle/>
-          <a:p>
-            <a:r>
-              <a:rPr lang="fr-FR" sz="2000" b="1" dirty="0">
-                <a:solidFill>
-                  <a:schemeClr val="bg1"/>
-                </a:solidFill>
-              </a:rPr>
-              <a:t>Contexte et motivation </a:t>
-            </a:r>
-          </a:p>
-        </p:txBody>
-      </p:sp>
       <p:sp>
         <p:nvSpPr>
           <p:cNvPr id="18" name="Rectangle 17"/>
@@ -23992,9 +22744,10 @@
           <a:lstStyle/>
           <a:p>
             <a:r>
-              <a:rPr lang="fr-FR" dirty="0"/>
-              <a:t>Comportements liés à la dominance</a:t>
-            </a:r>
+              <a:rPr lang="en-US" dirty="0" smtClean="0"/>
+              <a:t>Indicators of dominant behavior in dialogue</a:t>
+            </a:r>
+            <a:endParaRPr lang="en-US" dirty="0"/>
           </a:p>
         </p:txBody>
       </p:sp>
@@ -24030,48 +22783,48 @@
             <a:pPr marL="274320" lvl="1" indent="0">
               <a:buNone/>
             </a:pPr>
-            <a:endParaRPr lang="fr-FR" sz="1800" dirty="0"/>
+            <a:endParaRPr lang="en-US" sz="1800" dirty="0" smtClean="0"/>
           </a:p>
           <a:p>
             <a:pPr marL="274320" lvl="1" indent="0">
               <a:buNone/>
             </a:pPr>
             <a:r>
-              <a:rPr lang="fr-FR" sz="1800" b="1" dirty="0"/>
-              <a:t>Comportements verbaux</a:t>
+              <a:rPr lang="en-US" sz="1800" b="1" dirty="0" smtClean="0"/>
+              <a:t>Verbal </a:t>
+            </a:r>
+            <a:r>
+              <a:rPr lang="en-US" sz="1800" b="1" dirty="0"/>
+              <a:t>behaviors</a:t>
             </a:r>
           </a:p>
           <a:p>
             <a:pPr lvl="1"/>
             <a:r>
-              <a:rPr lang="fr-FR" sz="1800" dirty="0"/>
-              <a:t>Fréquence de prise de parole</a:t>
+              <a:rPr lang="en-US" sz="1800" dirty="0" smtClean="0"/>
+              <a:t>Speaking frequency</a:t>
             </a:r>
           </a:p>
           <a:p>
             <a:pPr lvl="1"/>
             <a:r>
-              <a:rPr lang="fr-FR" sz="1800" dirty="0"/>
-              <a:t>Les interruptions </a:t>
+              <a:rPr lang="en-US" sz="1800" dirty="0" smtClean="0"/>
+              <a:t>Interruptions </a:t>
             </a:r>
           </a:p>
           <a:p>
             <a:pPr lvl="1"/>
             <a:r>
-              <a:rPr lang="fr-FR" sz="1800" dirty="0"/>
-              <a:t>Changements de sujet de conversation</a:t>
+              <a:rPr lang="en-US" sz="1800" dirty="0" smtClean="0"/>
+              <a:t>Suggestions, demands, criticism.</a:t>
             </a:r>
           </a:p>
           <a:p>
             <a:pPr lvl="1"/>
             <a:r>
-              <a:rPr lang="fr-FR" sz="1800" dirty="0"/>
-              <a:t>Les demandes, les réactions</a:t>
-            </a:r>
-          </a:p>
-          <a:p>
-            <a:pPr lvl="1"/>
-            <a:endParaRPr lang="fr-FR" sz="1800" dirty="0"/>
+              <a:rPr lang="en-US" sz="1800" dirty="0" smtClean="0"/>
+              <a:t>Changing the topic of conversation</a:t>
+            </a:r>
           </a:p>
         </p:txBody>
       </p:sp>
@@ -24276,7 +23029,7 @@
               <a:buFont typeface="Arial" pitchFamily="34" charset="0"/>
               <a:buNone/>
             </a:pPr>
-            <a:endParaRPr lang="fr-FR" sz="1800" dirty="0"/>
+            <a:endParaRPr lang="en-US" sz="1800" dirty="0" smtClean="0"/>
           </a:p>
           <a:p>
             <a:pPr marL="274320" lvl="1" indent="0">
@@ -24284,37 +23037,38 @@
               <a:buNone/>
             </a:pPr>
             <a:r>
-              <a:rPr lang="fr-FR" sz="1800" b="1" dirty="0"/>
-              <a:t>Comportements non-verbaux</a:t>
+              <a:rPr lang="en-US" sz="1800" b="1" dirty="0" smtClean="0"/>
+              <a:t>Non verbal behaviors</a:t>
             </a:r>
           </a:p>
           <a:p>
             <a:pPr lvl="1"/>
             <a:r>
-              <a:rPr lang="fr-FR" sz="1800" dirty="0"/>
-              <a:t>Indice  de ratio visuel</a:t>
+              <a:rPr lang="en-US" sz="1800" dirty="0" smtClean="0"/>
+              <a:t>Posture</a:t>
             </a:r>
           </a:p>
           <a:p>
             <a:pPr lvl="1"/>
             <a:r>
-              <a:rPr lang="fr-FR" sz="1800" dirty="0"/>
-              <a:t>Posture</a:t>
+              <a:rPr lang="en-US" sz="1800" dirty="0" smtClean="0"/>
+              <a:t>Relative percentage of looking</a:t>
             </a:r>
           </a:p>
           <a:p>
             <a:pPr lvl="1"/>
             <a:r>
-              <a:rPr lang="fr-FR" sz="1800" dirty="0"/>
-              <a:t>Utilisation des gestes</a:t>
+              <a:rPr lang="en-US" sz="1800" dirty="0" smtClean="0"/>
+              <a:t>Speaking intensity</a:t>
             </a:r>
           </a:p>
           <a:p>
             <a:pPr lvl="1"/>
             <a:r>
-              <a:rPr lang="fr-FR" sz="1800" dirty="0"/>
+              <a:rPr lang="en-US" sz="1800" dirty="0" smtClean="0"/>
               <a:t>…. </a:t>
             </a:r>
+            <a:endParaRPr lang="en-US" sz="1800" dirty="0"/>
           </a:p>
         </p:txBody>
       </p:sp>
@@ -24338,6 +23092,11 @@
               <a:lumOff val="80000"/>
             </a:schemeClr>
           </a:solidFill>
+          <a:ln>
+            <a:solidFill>
+              <a:schemeClr val="accent1"/>
+            </a:solidFill>
+          </a:ln>
         </p:spPr>
         <p:txBody>
           <a:bodyPr wrap="square" rtlCol="0">
@@ -24347,45 +23106,38 @@
           <a:p>
             <a:pPr algn="ctr"/>
             <a:r>
-              <a:rPr lang="fr-FR" sz="2800" b="1" dirty="0"/>
-              <a:t>But : modéliser des comportements </a:t>
-            </a:r>
-            <a:r>
-              <a:rPr lang="fr-FR" sz="2800" b="1" dirty="0">
+              <a:rPr lang="en-US" sz="2800" b="1" dirty="0" smtClean="0"/>
+              <a:t>Goal: model </a:t>
+            </a:r>
+            <a:r>
+              <a:rPr lang="en-US" sz="2800" b="1" dirty="0" smtClean="0">
                 <a:solidFill>
-                  <a:schemeClr val="accent2">
-                    <a:lumMod val="75000"/>
+                  <a:schemeClr val="bg2">
+                    <a:lumMod val="50000"/>
                   </a:schemeClr>
                 </a:solidFill>
               </a:rPr>
-              <a:t>verbaux</a:t>
-            </a:r>
-            <a:r>
-              <a:rPr lang="fr-FR" sz="2800" b="1" dirty="0"/>
-              <a:t> de dominances et le </a:t>
-            </a:r>
-            <a:r>
-              <a:rPr lang="fr-FR" sz="2800" b="1" dirty="0">
+              <a:t>verbal</a:t>
+            </a:r>
+            <a:r>
+              <a:rPr lang="en-US" sz="2800" b="1" dirty="0" smtClean="0"/>
+              <a:t> and </a:t>
+            </a:r>
+            <a:r>
+              <a:rPr lang="en-US" sz="2800" b="1" dirty="0" smtClean="0">
                 <a:solidFill>
-                  <a:schemeClr val="accent2">
-                    <a:lumMod val="75000"/>
+                  <a:schemeClr val="bg2">
+                    <a:lumMod val="50000"/>
                   </a:schemeClr>
                 </a:solidFill>
               </a:rPr>
-              <a:t>raisonnement</a:t>
-            </a:r>
-            <a:r>
-              <a:rPr lang="fr-FR" sz="2800" b="1" dirty="0"/>
-              <a:t> </a:t>
-            </a:r>
-            <a:r>
-              <a:rPr lang="fr-FR" sz="2800" b="1" dirty="0" smtClean="0"/>
-              <a:t>dans </a:t>
-            </a:r>
-            <a:r>
-              <a:rPr lang="fr-FR" sz="2800" b="1" dirty="0"/>
-              <a:t>un agent conversationnel</a:t>
-            </a:r>
+              <a:t>reasoning</a:t>
+            </a:r>
+            <a:r>
+              <a:rPr lang="en-US" sz="2800" b="1" dirty="0" smtClean="0"/>
+              <a:t>  behavior  of dominance for a conversational agent</a:t>
+            </a:r>
+            <a:endParaRPr lang="en-US" sz="2800" b="1" dirty="0"/>
           </a:p>
         </p:txBody>
       </p:sp>
@@ -24614,7 +23366,7 @@
               <a:buFont typeface="Arial" pitchFamily="34" charset="0"/>
               <a:buNone/>
             </a:pPr>
-            <a:endParaRPr lang="fr-FR" sz="1800" dirty="0"/>
+            <a:endParaRPr lang="en-US" sz="1800" dirty="0" smtClean="0"/>
           </a:p>
           <a:p>
             <a:pPr marL="274320" lvl="1" indent="0">
@@ -24622,42 +23374,44 @@
               <a:buNone/>
             </a:pPr>
             <a:r>
-              <a:rPr lang="fr-FR" b="1" dirty="0"/>
-              <a:t>Comportements liés au raisonnement </a:t>
+              <a:rPr lang="en-US" b="1" dirty="0" smtClean="0"/>
+              <a:t>Reasoning behavior</a:t>
             </a:r>
           </a:p>
           <a:p>
             <a:pPr lvl="1"/>
-            <a:r>
-              <a:rPr lang="fr-FR" sz="1800" dirty="0"/>
-              <a:t> exercer une influence </a:t>
+            <a:endParaRPr lang="en-US" sz="1800" dirty="0" smtClean="0"/>
+          </a:p>
+          <a:p>
+            <a:r>
+              <a:rPr lang="en-US" sz="2000" dirty="0" smtClean="0"/>
+              <a:t>exert an influence</a:t>
+            </a:r>
+          </a:p>
+          <a:p>
+            <a:r>
+              <a:rPr lang="en-US" sz="2000" dirty="0" smtClean="0"/>
+              <a:t>Ignore other preferences in decision making. </a:t>
             </a:r>
           </a:p>
           <a:p>
             <a:pPr lvl="1"/>
             <a:r>
-              <a:rPr lang="fr-FR" sz="1800" dirty="0"/>
-              <a:t>Ne pas prêter attention aux préférences des soumis dans la prise de décisions.</a:t>
+              <a:rPr lang="en-US" sz="1800" dirty="0" smtClean="0"/>
+              <a:t>More demands, less concessions</a:t>
             </a:r>
           </a:p>
           <a:p>
             <a:pPr lvl="1"/>
-            <a:r>
-              <a:rPr lang="fr-FR" sz="1800" dirty="0"/>
-              <a:t>Plus d’exigences et moins de concessions.</a:t>
-            </a:r>
+            <a:endParaRPr lang="en-US" sz="1800" dirty="0" smtClean="0"/>
           </a:p>
           <a:p>
             <a:pPr lvl="1"/>
-            <a:endParaRPr lang="fr-FR" sz="1800" dirty="0"/>
+            <a:endParaRPr lang="en-US" dirty="0" smtClean="0"/>
           </a:p>
           <a:p>
             <a:pPr lvl="1"/>
-            <a:endParaRPr lang="fr-FR" dirty="0"/>
-          </a:p>
-          <a:p>
-            <a:pPr lvl="1"/>
-            <a:endParaRPr lang="fr-FR" sz="1800" dirty="0"/>
+            <a:endParaRPr lang="en-US" sz="1800" dirty="0"/>
           </a:p>
         </p:txBody>
       </p:sp>
@@ -24795,14 +23549,14 @@
               </a:lnSpc>
             </a:pPr>
             <a:r>
-              <a:rPr lang="fr-FR" dirty="0">
+              <a:rPr lang="en-US" dirty="0" smtClean="0">
                 <a:solidFill>
                   <a:srgbClr val="242852"/>
                 </a:solidFill>
               </a:rPr>
-              <a:t>Notre modèle de dialogue</a:t>
-            </a:r>
-            <a:endParaRPr lang="fr-FR" dirty="0"/>
+              <a:t>Proposed model of dialogue</a:t>
+            </a:r>
+            <a:endParaRPr lang="en-US" dirty="0"/>
           </a:p>
         </p:txBody>
       </p:sp>
@@ -24909,13 +23663,18 @@
             <a:p>
               <a:pPr algn="ctr"/>
               <a:r>
-                <a:rPr lang="fr-FR" sz="2000" b="1" dirty="0">
+                <a:rPr lang="fr-FR" sz="2000" b="1" dirty="0" smtClean="0">
                   <a:solidFill>
                     <a:schemeClr val="tx1"/>
                   </a:solidFill>
                 </a:rPr>
-                <a:t>Etat mental</a:t>
+                <a:t>Mental State</a:t>
               </a:r>
+              <a:endParaRPr lang="fr-FR" sz="2000" b="1" dirty="0">
+                <a:solidFill>
+                  <a:schemeClr val="tx1"/>
+                </a:solidFill>
+              </a:endParaRPr>
             </a:p>
           </p:txBody>
         </p:sp>
@@ -24977,15 +23736,23 @@
               <a:p>
                 <a:pPr algn="ctr"/>
                 <a:r>
-                  <a:rPr lang="fr-FR" dirty="0"/>
-                  <a:t>Modèle de préférences de l’agent </a:t>
+                  <a:rPr lang="fr-FR" dirty="0" smtClean="0"/>
+                  <a:t>Agent model of </a:t>
                 </a:r>
                 <a:r>
-                  <a:rPr lang="fr-FR" sz="2000" b="1" dirty="0" err="1"/>
+                  <a:rPr lang="fr-FR" dirty="0" err="1" smtClean="0"/>
+                  <a:t>preferences</a:t>
+                </a:r>
+                <a:r>
+                  <a:rPr lang="fr-FR" dirty="0" smtClean="0"/>
+                  <a:t> </a:t>
+                </a:r>
+                <a:r>
+                  <a:rPr lang="fr-FR" sz="2000" b="1" dirty="0" err="1" smtClean="0"/>
                   <a:t>P</a:t>
                 </a:r>
                 <a:r>
-                  <a:rPr lang="fr-FR" sz="2000" b="1" baseline="-25000" dirty="0" err="1"/>
+                  <a:rPr lang="fr-FR" sz="2000" b="1" baseline="-25000" dirty="0" err="1" smtClean="0"/>
                   <a:t>agent</a:t>
                 </a:r>
                 <a:endParaRPr lang="fr-FR" sz="2000" b="1" dirty="0"/>
@@ -25082,15 +23849,27 @@
               <a:p>
                 <a:pPr algn="ctr"/>
                 <a:r>
-                  <a:rPr lang="fr-FR" dirty="0"/>
-                  <a:t>Modèle de préférences de l’utilisateur </a:t>
+                  <a:rPr lang="fr-FR" sz="2000" b="1" dirty="0" smtClean="0"/>
+                  <a:t>User </a:t>
                 </a:r>
                 <a:r>
-                  <a:rPr lang="fr-FR" sz="2000" b="1" dirty="0" err="1"/>
+                  <a:rPr lang="fr-FR" sz="2000" dirty="0"/>
+                  <a:t>model of </a:t>
+                </a:r>
+                <a:r>
+                  <a:rPr lang="fr-FR" sz="2000" dirty="0" err="1"/>
+                  <a:t>preferences</a:t>
+                </a:r>
+                <a:r>
+                  <a:rPr lang="fr-FR" sz="2000" dirty="0"/>
+                  <a:t> </a:t>
+                </a:r>
+                <a:r>
+                  <a:rPr lang="fr-FR" sz="2000" b="1" dirty="0" err="1" smtClean="0"/>
                   <a:t>P</a:t>
                 </a:r>
                 <a:r>
-                  <a:rPr lang="fr-FR" sz="2000" b="1" baseline="-25000" dirty="0" err="1"/>
+                  <a:rPr lang="fr-FR" sz="2000" b="1" baseline="-25000" dirty="0" err="1" smtClean="0"/>
                   <a:t>user</a:t>
                 </a:r>
                 <a:endParaRPr lang="fr-FR" sz="2000" b="1" dirty="0"/>
@@ -25141,25 +23920,18 @@
               <a:p>
                 <a:pPr algn="ctr"/>
                 <a:r>
-                  <a:rPr lang="fr-FR" dirty="0"/>
-                  <a:t>Modèle de préférences communiqué (</a:t>
+                  <a:rPr lang="en-US" dirty="0" smtClean="0"/>
+                  <a:t>Communicated model of preferences (other-about-self) </a:t>
                 </a:r>
                 <a:r>
-                  <a:rPr lang="fr-FR" dirty="0" err="1"/>
-                  <a:t>other</a:t>
-                </a:r>
-                <a:r>
-                  <a:rPr lang="fr-FR" dirty="0"/>
-                  <a:t>-about-self) </a:t>
-                </a:r>
-                <a:r>
-                  <a:rPr lang="fr-FR" sz="2000" b="1" dirty="0"/>
+                  <a:rPr lang="en-US" sz="2000" b="1" dirty="0" err="1" smtClean="0"/>
                   <a:t>P</a:t>
                 </a:r>
                 <a:r>
-                  <a:rPr lang="fr-FR" sz="2000" b="1" baseline="-25000" dirty="0"/>
+                  <a:rPr lang="en-US" sz="2000" b="1" baseline="-25000" dirty="0" err="1" smtClean="0"/>
                   <a:t>oas</a:t>
                 </a:r>
+                <a:endParaRPr lang="en-US" sz="2000" b="1" baseline="-25000" dirty="0"/>
               </a:p>
             </p:txBody>
           </p:sp>
@@ -25222,13 +23994,26 @@
             <a:p>
               <a:pPr algn="ctr"/>
               <a:r>
-                <a:rPr lang="fr-FR" b="1" dirty="0">
+                <a:rPr lang="fr-FR" b="1" dirty="0" err="1" smtClean="0">
                   <a:solidFill>
                     <a:schemeClr val="tx1"/>
                   </a:solidFill>
                 </a:rPr>
-                <a:t>Contexte du dialogue</a:t>
+                <a:t>Context</a:t>
               </a:r>
+              <a:r>
+                <a:rPr lang="fr-FR" b="1" dirty="0" smtClean="0">
+                  <a:solidFill>
+                    <a:schemeClr val="tx1"/>
+                  </a:solidFill>
+                </a:rPr>
+                <a:t> of dialogue</a:t>
+              </a:r>
+              <a:endParaRPr lang="fr-FR" b="1" dirty="0">
+                <a:solidFill>
+                  <a:schemeClr val="tx1"/>
+                </a:solidFill>
+              </a:endParaRPr>
             </a:p>
           </p:txBody>
         </p:sp>
@@ -25493,13 +24278,18 @@
             <a:p>
               <a:pPr algn="ctr"/>
               <a:r>
-                <a:rPr lang="fr-FR" sz="2000" b="1" dirty="0">
+                <a:rPr lang="en-US" sz="2000" b="1" dirty="0" smtClean="0">
                   <a:solidFill>
                     <a:schemeClr val="tx1"/>
                   </a:solidFill>
                 </a:rPr>
-                <a:t>Module de communication</a:t>
+                <a:t>Module of communication</a:t>
               </a:r>
+              <a:endParaRPr lang="en-US" sz="2000" b="1" dirty="0">
+                <a:solidFill>
+                  <a:schemeClr val="tx1"/>
+                </a:solidFill>
+              </a:endParaRPr>
             </a:p>
           </p:txBody>
         </p:sp>
@@ -25545,7 +24335,7 @@
             <a:lstStyle/>
             <a:p>
               <a:pPr algn="ctr"/>
-              <a:endParaRPr lang="fr-FR" sz="2000" dirty="0">
+              <a:endParaRPr lang="en-US" sz="2000" dirty="0">
                 <a:solidFill>
                   <a:schemeClr val="tx1"/>
                 </a:solidFill>
@@ -25589,13 +24379,18 @@
             <a:p>
               <a:pPr algn="ctr"/>
               <a:r>
-                <a:rPr lang="fr-FR" sz="1600" b="1" dirty="0">
+                <a:rPr lang="en-US" sz="1600" b="1" dirty="0" smtClean="0">
                   <a:solidFill>
                     <a:schemeClr val="dk1"/>
                   </a:solidFill>
                 </a:rPr>
-                <a:t>Actes de dialogue</a:t>
+                <a:t>Acts of dialogue</a:t>
               </a:r>
+              <a:endParaRPr lang="en-US" sz="1600" b="1" dirty="0">
+                <a:solidFill>
+                  <a:schemeClr val="dk1"/>
+                </a:solidFill>
+              </a:endParaRPr>
             </a:p>
           </p:txBody>
         </p:sp>
@@ -25643,9 +24438,10 @@
             <a:p>
               <a:pPr algn="ctr"/>
               <a:r>
-                <a:rPr lang="fr-FR" dirty="0"/>
-                <a:t>Relation interpersonnelle</a:t>
+                <a:rPr lang="en-US" dirty="0" smtClean="0"/>
+                <a:t>Interpersonal relationship</a:t>
               </a:r>
+              <a:endParaRPr lang="en-US" dirty="0"/>
             </a:p>
           </p:txBody>
         </p:sp>
@@ -25694,8 +24490,8 @@
         </p:nvSpPr>
         <p:spPr>
           <a:xfrm>
-            <a:off x="4655840" y="3303153"/>
-            <a:ext cx="648072" cy="435811"/>
+            <a:off x="4655839" y="3352738"/>
+            <a:ext cx="936105" cy="386226"/>
           </a:xfrm>
           <a:prstGeom prst="rect">
             <a:avLst/>
@@ -25731,13 +24527,18 @@
           <a:p>
             <a:pPr algn="ctr"/>
             <a:r>
-              <a:rPr lang="fr-FR" dirty="0">
+              <a:rPr lang="fr-FR" dirty="0" smtClean="0">
                 <a:solidFill>
                   <a:schemeClr val="tx1"/>
                 </a:solidFill>
               </a:rPr>
-              <a:t>MAJ</a:t>
-            </a:r>
+              <a:t>update</a:t>
+            </a:r>
+            <a:endParaRPr lang="fr-FR" dirty="0">
+              <a:solidFill>
+                <a:schemeClr val="tx1"/>
+              </a:solidFill>
+            </a:endParaRPr>
           </a:p>
         </p:txBody>
       </p:sp>
@@ -25822,23 +24623,44 @@
           <a:p>
             <a:pPr algn="ctr"/>
             <a:r>
+              <a:rPr lang="fr-FR" dirty="0" err="1" smtClean="0">
+                <a:solidFill>
+                  <a:schemeClr val="tx1"/>
+                </a:solidFill>
+              </a:rPr>
+              <a:t>Choice</a:t>
+            </a:r>
+            <a:endParaRPr lang="fr-FR" dirty="0">
+              <a:solidFill>
+                <a:schemeClr val="tx1"/>
+              </a:solidFill>
+            </a:endParaRPr>
+          </a:p>
+          <a:p>
+            <a:pPr algn="ctr"/>
+            <a:r>
               <a:rPr lang="fr-FR" dirty="0">
                 <a:solidFill>
                   <a:schemeClr val="tx1"/>
                 </a:solidFill>
               </a:rPr>
-              <a:t>Choix</a:t>
-            </a:r>
-          </a:p>
-          <a:p>
-            <a:pPr algn="ctr"/>
+              <a:t>(</a:t>
+            </a:r>
+            <a:r>
+              <a:rPr lang="fr-FR" dirty="0" smtClean="0">
+                <a:solidFill>
+                  <a:schemeClr val="tx1"/>
+                </a:solidFill>
+              </a:rPr>
+              <a:t>values</a:t>
+            </a:r>
             <a:r>
               <a:rPr lang="fr-FR" dirty="0">
                 <a:solidFill>
                   <a:schemeClr val="tx1"/>
                 </a:solidFill>
               </a:rPr>
-              <a:t>(valeurs)</a:t>
+              <a:t>)</a:t>
             </a:r>
           </a:p>
         </p:txBody>
@@ -25929,13 +24751,18 @@
           <a:p>
             <a:pPr algn="ctr"/>
             <a:r>
-              <a:rPr lang="fr-FR" dirty="0">
+              <a:rPr lang="fr-FR" dirty="0" err="1" smtClean="0">
                 <a:solidFill>
                   <a:schemeClr val="tx1"/>
                 </a:solidFill>
               </a:rPr>
-              <a:t>Envoie</a:t>
-            </a:r>
+              <a:t>Send</a:t>
+            </a:r>
+            <a:endParaRPr lang="fr-FR" dirty="0">
+              <a:solidFill>
+                <a:schemeClr val="tx1"/>
+              </a:solidFill>
+            </a:endParaRPr>
           </a:p>
         </p:txBody>
       </p:sp>
@@ -26022,13 +24849,18 @@
           <a:p>
             <a:pPr algn="ctr"/>
             <a:r>
-              <a:rPr lang="fr-FR" dirty="0">
+              <a:rPr lang="fr-FR" dirty="0" err="1" smtClean="0">
                 <a:solidFill>
                   <a:schemeClr val="tx1"/>
                 </a:solidFill>
               </a:rPr>
-              <a:t>Réception</a:t>
-            </a:r>
+              <a:t>Reception</a:t>
+            </a:r>
+            <a:endParaRPr lang="fr-FR" dirty="0">
+              <a:solidFill>
+                <a:schemeClr val="tx1"/>
+              </a:solidFill>
+            </a:endParaRPr>
           </a:p>
         </p:txBody>
       </p:sp>
@@ -26115,57 +24947,37 @@
           <a:p>
             <a:pPr algn="ctr"/>
             <a:r>
-              <a:rPr lang="fr-FR" dirty="0">
+              <a:rPr lang="en-US" dirty="0">
                 <a:solidFill>
                   <a:schemeClr val="tx1"/>
                 </a:solidFill>
               </a:rPr>
-              <a:t>MAJ </a:t>
-            </a:r>
-          </a:p>
-          <a:p>
-            <a:pPr algn="ctr"/>
-            <a:r>
-              <a:rPr lang="fr-FR" dirty="0">
+              <a:t>P</a:t>
+            </a:r>
+            <a:r>
+              <a:rPr lang="en-US" dirty="0" smtClean="0">
                 <a:solidFill>
                   <a:schemeClr val="tx1"/>
                 </a:solidFill>
               </a:rPr>
-              <a:t>des propositions</a:t>
-            </a:r>
-          </a:p>
-        </p:txBody>
-      </p:sp>
-      <p:sp>
-        <p:nvSpPr>
-          <p:cNvPr id="35" name="ZoneTexte 34"/>
-          <p:cNvSpPr txBox="1"/>
-          <p:nvPr/>
-        </p:nvSpPr>
-        <p:spPr>
-          <a:xfrm>
-            <a:off x="472613" y="-17175"/>
-            <a:ext cx="2563522" cy="400110"/>
-          </a:xfrm>
-          <a:prstGeom prst="rect">
-            <a:avLst/>
-          </a:prstGeom>
-          <a:noFill/>
-        </p:spPr>
-        <p:txBody>
-          <a:bodyPr wrap="none" rtlCol="0">
-            <a:spAutoFit/>
-          </a:bodyPr>
-          <a:lstStyle/>
-          <a:p>
-            <a:r>
-              <a:rPr lang="fr-FR" sz="2000" b="1" dirty="0">
+              <a:t>ropositions</a:t>
+            </a:r>
+          </a:p>
+          <a:p>
+            <a:pPr algn="ctr"/>
+            <a:r>
+              <a:rPr lang="en-US" dirty="0" smtClean="0">
                 <a:solidFill>
-                  <a:schemeClr val="bg1"/>
+                  <a:schemeClr val="tx1"/>
                 </a:solidFill>
               </a:rPr>
-              <a:t>Modèle de dialogue</a:t>
-            </a:r>
+              <a:t>updates</a:t>
+            </a:r>
+            <a:endParaRPr lang="en-US" dirty="0">
+              <a:solidFill>
+                <a:schemeClr val="tx1"/>
+              </a:solidFill>
+            </a:endParaRPr>
           </a:p>
         </p:txBody>
       </p:sp>
@@ -26235,7 +25047,7 @@
           <a:lstStyle/>
           <a:p>
             <a:pPr algn="ctr"/>
-            <a:endParaRPr lang="fr-FR"/>
+            <a:endParaRPr lang="fr-FR" dirty="0"/>
           </a:p>
         </p:txBody>
       </p:sp>
@@ -26368,42 +25180,14 @@
           <a:lstStyle/>
           <a:p>
             <a:r>
-              <a:rPr lang="fr-FR" dirty="0"/>
-              <a:t>Modèle de préférences</a:t>
-            </a:r>
-          </a:p>
-        </p:txBody>
-      </p:sp>
-      <p:sp>
-        <p:nvSpPr>
-          <p:cNvPr id="6" name="ZoneTexte 5"/>
-          <p:cNvSpPr txBox="1"/>
-          <p:nvPr/>
-        </p:nvSpPr>
-        <p:spPr>
-          <a:xfrm>
-            <a:off x="50906" y="0"/>
-            <a:ext cx="2644482" cy="400110"/>
-          </a:xfrm>
-          <a:prstGeom prst="rect">
-            <a:avLst/>
-          </a:prstGeom>
-          <a:noFill/>
-        </p:spPr>
-        <p:txBody>
-          <a:bodyPr wrap="square" rtlCol="0">
-            <a:spAutoFit/>
-          </a:bodyPr>
-          <a:lstStyle/>
-          <a:p>
-            <a:r>
-              <a:rPr lang="fr-FR" sz="2000" b="1" dirty="0">
-                <a:solidFill>
-                  <a:schemeClr val="bg1"/>
-                </a:solidFill>
-              </a:rPr>
-              <a:t>Modèle de dialogue</a:t>
-            </a:r>
+              <a:rPr lang="fr-FR" dirty="0" smtClean="0"/>
+              <a:t>Model of </a:t>
+            </a:r>
+            <a:r>
+              <a:rPr lang="fr-FR" dirty="0" err="1" smtClean="0"/>
+              <a:t>preferences</a:t>
+            </a:r>
+            <a:endParaRPr lang="fr-FR" dirty="0"/>
           </a:p>
         </p:txBody>
       </p:sp>
@@ -26449,9 +25233,10 @@
           <a:p>
             <a:pPr algn="ctr"/>
             <a:r>
-              <a:rPr lang="fr-FR" sz="2400" b="1" dirty="0"/>
-              <a:t>Sujet de conversation</a:t>
-            </a:r>
+              <a:rPr lang="fr-FR" sz="2400" b="1" dirty="0" smtClean="0"/>
+              <a:t>Topic of conversation</a:t>
+            </a:r>
+            <a:endParaRPr lang="fr-FR" sz="2400" b="1" dirty="0"/>
           </a:p>
           <a:p>
             <a:pPr algn="ctr"/>
@@ -26797,16 +25582,17 @@
             <a:p>
               <a:pPr algn="ctr"/>
               <a:r>
-                <a:rPr lang="fr-FR" sz="2000" b="1" dirty="0"/>
-                <a:t>Critère1</a:t>
+                <a:rPr lang="en-US" sz="2000" b="1" dirty="0" smtClean="0"/>
+                <a:t>Criterion 1</a:t>
               </a:r>
             </a:p>
             <a:p>
               <a:pPr algn="ctr"/>
               <a:r>
-                <a:rPr lang="fr-FR" dirty="0"/>
+                <a:rPr lang="en-US" dirty="0" smtClean="0"/>
                 <a:t>Ex: Cuisine</a:t>
               </a:r>
+              <a:endParaRPr lang="en-US" dirty="0"/>
             </a:p>
           </p:txBody>
         </p:sp>
@@ -26852,16 +25638,17 @@
             <a:p>
               <a:pPr algn="ctr"/>
               <a:r>
-                <a:rPr lang="fr-FR" sz="2000" b="1" dirty="0"/>
-                <a:t>Critère2</a:t>
+                <a:rPr lang="en-US" sz="2000" b="1" dirty="0" smtClean="0"/>
+                <a:t>Criterion 2</a:t>
               </a:r>
             </a:p>
             <a:p>
               <a:pPr algn="ctr"/>
               <a:r>
-                <a:rPr lang="fr-FR" dirty="0"/>
-                <a:t>Ex: Prix</a:t>
+                <a:rPr lang="en-US" dirty="0" smtClean="0"/>
+                <a:t>Ex: Cost</a:t>
               </a:r>
+              <a:endParaRPr lang="en-US" dirty="0"/>
             </a:p>
           </p:txBody>
         </p:sp>
@@ -26907,16 +25694,17 @@
             <a:p>
               <a:pPr algn="ctr"/>
               <a:r>
-                <a:rPr lang="fr-FR" sz="2000" b="1" dirty="0"/>
-                <a:t>Critère3</a:t>
+                <a:rPr lang="en-US" sz="2000" b="1" dirty="0" smtClean="0"/>
+                <a:t>Criterion 3 </a:t>
               </a:r>
             </a:p>
             <a:p>
               <a:pPr algn="ctr"/>
               <a:r>
-                <a:rPr lang="fr-FR" dirty="0"/>
+                <a:rPr lang="en-US" dirty="0" smtClean="0"/>
                 <a:t>Ex: Ambiance</a:t>
               </a:r>
+              <a:endParaRPr lang="en-US" dirty="0"/>
             </a:p>
           </p:txBody>
         </p:sp>
@@ -27121,9 +25909,10 @@
           <a:lstStyle/>
           <a:p>
             <a:r>
-              <a:rPr lang="fr-FR" dirty="0"/>
-              <a:t>Processus décisionnel basé sur les préférences</a:t>
-            </a:r>
+              <a:rPr lang="en-US" dirty="0" smtClean="0"/>
+              <a:t>Decision based on preferences</a:t>
+            </a:r>
+            <a:endParaRPr lang="en-US" dirty="0"/>
           </a:p>
         </p:txBody>
       </p:sp>
@@ -27151,8 +25940,21 @@
               <a:p>
                 <a:r>
                   <a:rPr lang="fr-FR" dirty="0"/>
-                  <a:t>Notion de préférence :</a:t>
+                  <a:t>Notion </a:t>
                 </a:r>
+                <a:r>
+                  <a:rPr lang="fr-FR" dirty="0" smtClean="0"/>
+                  <a:t>of </a:t>
+                </a:r>
+                <a:r>
+                  <a:rPr lang="en-US" dirty="0" smtClean="0"/>
+                  <a:t>preferences</a:t>
+                </a:r>
+                <a:r>
+                  <a:rPr lang="fr-FR" dirty="0" smtClean="0"/>
+                  <a:t>:</a:t>
+                </a:r>
+                <a:endParaRPr lang="fr-FR" dirty="0"/>
               </a:p>
               <a:p>
                 <a:pPr marL="0" indent="0">
@@ -27163,44 +25965,45 @@
               <a:p>
                 <a:pPr lvl="1"/>
                 <a:r>
-                  <a:rPr lang="fr-FR" b="1" i="1" dirty="0"/>
-                  <a:t>Préférences sur les critères</a:t>
+                  <a:rPr lang="en-US" b="1" i="1" dirty="0" smtClean="0"/>
+                  <a:t>Preferences on criteria</a:t>
                 </a:r>
                 <a:r>
-                  <a:rPr lang="fr-FR" dirty="0"/>
+                  <a:rPr lang="en-US" dirty="0" smtClean="0"/>
                   <a:t>: </a:t>
                 </a:r>
               </a:p>
               <a:p>
                 <a:pPr lvl="2"/>
                 <a:r>
-                  <a:rPr lang="fr-FR" dirty="0"/>
+                  <a:rPr lang="fr-FR" dirty="0" smtClean="0"/>
                   <a:t>P(</a:t>
                 </a:r>
                 <a:r>
-                  <a:rPr lang="fr-FR" dirty="0" err="1"/>
+                  <a:rPr lang="fr-FR" dirty="0" err="1" smtClean="0"/>
                   <a:t>Less</a:t>
                 </a:r>
                 <a:r>
                   <a:rPr lang="fr-FR" dirty="0"/>
-                  <a:t>, More): Relation </a:t>
+                  <a:t>, More): </a:t>
                 </a:r>
                 <a:r>
-                  <a:rPr lang="fr-FR" b="1" i="1" dirty="0"/>
-                  <a:t>binaire</a:t>
+                  <a:rPr lang="en-US" b="1" dirty="0" smtClean="0"/>
+                  <a:t>binary</a:t>
                 </a:r>
                 <a:r>
-                  <a:rPr lang="fr-FR" i="1" dirty="0"/>
-                  <a:t> </a:t>
+                  <a:rPr lang="fr-FR" dirty="0" smtClean="0"/>
+                  <a:t> and </a:t>
                 </a:r>
                 <a:r>
-                  <a:rPr lang="fr-FR" dirty="0"/>
-                  <a:t>et </a:t>
+                  <a:rPr lang="en-US" b="1" dirty="0" smtClean="0"/>
+                  <a:t>partial</a:t>
                 </a:r>
                 <a:r>
-                  <a:rPr lang="fr-FR" b="1" i="1" dirty="0"/>
-                  <a:t>partielle.</a:t>
+                  <a:rPr lang="fr-FR" dirty="0" smtClean="0"/>
+                  <a:t> relation</a:t>
                 </a:r>
+                <a:endParaRPr lang="fr-FR" b="1" i="1" dirty="0"/>
               </a:p>
               <a:p>
                 <a:pPr marL="548640" lvl="2" indent="0">
@@ -27217,28 +26020,28 @@
               <a:p>
                 <a:pPr marL="457200" lvl="2"/>
                 <a:r>
-                  <a:rPr lang="fr-FR" sz="2000" b="1" i="1" dirty="0"/>
-                  <a:t>Préférences sur les options: </a:t>
+                  <a:rPr lang="en-US" sz="2000" b="1" i="1" dirty="0" smtClean="0"/>
+                  <a:t>Preferences on options: </a:t>
                 </a:r>
               </a:p>
               <a:p>
                 <a:pPr marL="731520" lvl="3"/>
                 <a:r>
-                  <a:rPr lang="fr-FR" sz="1800" dirty="0"/>
-                  <a:t>Inférences sur les préférences des critères.</a:t>
+                  <a:rPr lang="en-US" sz="1800" dirty="0" smtClean="0"/>
+                  <a:t>Multi-criteria decision.</a:t>
                 </a:r>
               </a:p>
               <a:p>
                 <a:pPr lvl="2"/>
                 <a:r>
-                  <a:rPr lang="fr-FR" dirty="0"/>
-                  <a:t>Décision multicritères.</a:t>
+                  <a:rPr lang="en-US" dirty="0" smtClean="0"/>
+                  <a:t>Calculated from  preferences on criteria</a:t>
                 </a:r>
               </a:p>
               <a:p>
                 <a:pPr lvl="2"/>
                 <a:r>
-                  <a:rPr lang="pt-BR" dirty="0"/>
+                  <a:rPr lang="pt-BR" dirty="0" smtClean="0"/>
                   <a:t>U</a:t>
                 </a:r>
                 <a14:m>
@@ -27408,10 +26211,10 @@
                 <a:off x="158187" y="1600200"/>
                 <a:ext cx="5316638" cy="5118904"/>
               </a:xfrm>
-              <a:blipFill>
+              <a:blipFill rotWithShape="1">
                 <a:blip r:embed="rId2"/>
                 <a:stretch>
-                  <a:fillRect l="-1032" t="-834" r="-803"/>
+                  <a:fillRect l="-1032" t="-834"/>
                 </a:stretch>
               </a:blipFill>
             </p:spPr>
@@ -27432,39 +26235,6 @@
       </mc:AlternateContent>
       <p:sp>
         <p:nvSpPr>
-          <p:cNvPr id="5" name="ZoneTexte 4"/>
-          <p:cNvSpPr txBox="1"/>
-          <p:nvPr/>
-        </p:nvSpPr>
-        <p:spPr>
-          <a:xfrm>
-            <a:off x="50906" y="0"/>
-            <a:ext cx="2644482" cy="400110"/>
-          </a:xfrm>
-          <a:prstGeom prst="rect">
-            <a:avLst/>
-          </a:prstGeom>
-          <a:noFill/>
-        </p:spPr>
-        <p:txBody>
-          <a:bodyPr wrap="square" rtlCol="0">
-            <a:spAutoFit/>
-          </a:bodyPr>
-          <a:lstStyle/>
-          <a:p>
-            <a:r>
-              <a:rPr lang="fr-FR" sz="2000" b="1" dirty="0">
-                <a:solidFill>
-                  <a:schemeClr val="bg1"/>
-                </a:solidFill>
-              </a:rPr>
-              <a:t>Modèle de dialogue</a:t>
-            </a:r>
-          </a:p>
-        </p:txBody>
-      </p:sp>
-      <p:sp>
-        <p:nvSpPr>
           <p:cNvPr id="7" name="Espace réservé du numéro de diapositive 6"/>
           <p:cNvSpPr>
             <a:spLocks noGrp="1"/>
@@ -27517,21 +26287,35 @@
           <a:lstStyle/>
           <a:p>
             <a:r>
+              <a:rPr lang="fr-FR" sz="2000" b="1" dirty="0" err="1" smtClean="0"/>
+              <a:t>Example</a:t>
+            </a:r>
+            <a:r>
               <a:rPr lang="fr-FR" sz="2000" b="1" dirty="0"/>
-              <a:t>Exemple: </a:t>
-            </a:r>
-            <a:r>
-              <a:rPr lang="fr-FR" sz="2000" i="1" u="sng" dirty="0">
+              <a:t>: </a:t>
+            </a:r>
+            <a:r>
+              <a:rPr lang="en-US" sz="2000" i="1" u="sng" dirty="0" smtClean="0">
                 <a:solidFill>
                   <a:schemeClr val="accent2">
                     <a:lumMod val="75000"/>
                   </a:schemeClr>
                 </a:solidFill>
               </a:rPr>
-              <a:t>Calcul de préférences P(</a:t>
-            </a:r>
-            <a:r>
-              <a:rPr lang="fr-FR" sz="2000" i="1" u="sng" dirty="0" err="1">
+              <a:t>Preference calculation </a:t>
+            </a:r>
+            <a:r>
+              <a:rPr lang="fr-FR" sz="2000" i="1" u="sng" dirty="0" smtClean="0">
+                <a:solidFill>
+                  <a:schemeClr val="accent2">
+                    <a:lumMod val="75000"/>
+                  </a:schemeClr>
+                </a:solidFill>
+              </a:rPr>
+              <a:t>P(</a:t>
+            </a:r>
+            <a:r>
+              <a:rPr lang="fr-FR" sz="2000" i="1" u="sng" dirty="0" err="1" smtClean="0">
                 <a:solidFill>
                   <a:schemeClr val="accent2">
                     <a:lumMod val="75000"/>
@@ -27560,16 +26344,24 @@
               <a:buChar char="•"/>
             </a:pPr>
             <a:r>
+              <a:rPr lang="fr-FR" dirty="0" err="1" smtClean="0"/>
+              <a:t>Criteria</a:t>
+            </a:r>
+            <a:r>
               <a:rPr lang="fr-FR" dirty="0" smtClean="0"/>
-              <a:t>Critères </a:t>
+              <a:t>= </a:t>
             </a:r>
             <a:r>
               <a:rPr lang="fr-FR" dirty="0"/>
-              <a:t>= {Ambiance, Prix, </a:t>
+              <a:t>{Ambiance, </a:t>
+            </a:r>
+            <a:r>
+              <a:rPr lang="fr-FR" dirty="0" err="1" smtClean="0"/>
+              <a:t>Cost</a:t>
             </a:r>
             <a:r>
               <a:rPr lang="fr-FR" dirty="0" smtClean="0"/>
-              <a:t>Cuisine</a:t>
+              <a:t>, Cuisine</a:t>
             </a:r>
             <a:r>
               <a:rPr lang="fr-FR" dirty="0"/>
@@ -27856,9 +26648,10 @@
             <a:p>
               <a:pPr algn="ctr"/>
               <a:r>
-                <a:rPr lang="fr-FR" dirty="0"/>
-                <a:t>Japonais</a:t>
+                <a:rPr lang="fr-FR" dirty="0" err="1" smtClean="0"/>
+                <a:t>Japanese</a:t>
               </a:r>
+              <a:endParaRPr lang="fr-FR" dirty="0"/>
             </a:p>
           </p:txBody>
         </p:sp>
@@ -27941,9 +26734,10 @@
             <a:p>
               <a:pPr algn="ctr"/>
               <a:r>
-                <a:rPr lang="fr-FR" dirty="0"/>
-                <a:t>Abordable</a:t>
+                <a:rPr lang="fr-FR" dirty="0" smtClean="0"/>
+                <a:t>Cheap</a:t>
               </a:r>
+              <a:endParaRPr lang="fr-FR" dirty="0"/>
             </a:p>
           </p:txBody>
         </p:sp>
@@ -28023,9 +26817,10 @@
             <a:p>
               <a:pPr algn="ctr"/>
               <a:r>
-                <a:rPr lang="fr-FR" dirty="0"/>
-                <a:t>Calme</a:t>
+                <a:rPr lang="fr-FR" dirty="0" err="1" smtClean="0"/>
+                <a:t>Calm</a:t>
               </a:r>
+              <a:endParaRPr lang="fr-FR" dirty="0"/>
             </a:p>
           </p:txBody>
         </p:sp>
@@ -28156,9 +26951,10 @@
             <a:p>
               <a:pPr algn="ctr"/>
               <a:r>
-                <a:rPr lang="fr-FR" dirty="0"/>
-                <a:t>Chinois</a:t>
+                <a:rPr lang="fr-FR" dirty="0" err="1" smtClean="0"/>
+                <a:t>Chinese</a:t>
               </a:r>
+              <a:endParaRPr lang="fr-FR" dirty="0"/>
             </a:p>
           </p:txBody>
         </p:sp>
@@ -28233,9 +27029,10 @@
             <a:p>
               <a:pPr algn="ctr"/>
               <a:r>
-                <a:rPr lang="fr-FR" dirty="0"/>
-                <a:t>Abordable</a:t>
+                <a:rPr lang="fr-FR" dirty="0" smtClean="0"/>
+                <a:t>Cheap</a:t>
               </a:r>
+              <a:endParaRPr lang="fr-FR" dirty="0"/>
             </a:p>
           </p:txBody>
         </p:sp>
@@ -28309,9 +27106,10 @@
             <a:p>
               <a:pPr algn="ctr"/>
               <a:r>
-                <a:rPr lang="fr-FR" dirty="0"/>
-                <a:t>Animé</a:t>
+                <a:rPr lang="fr-FR" dirty="0" smtClean="0"/>
+                <a:t>Noisy</a:t>
               </a:r>
+              <a:endParaRPr lang="fr-FR" dirty="0"/>
             </a:p>
           </p:txBody>
         </p:sp>
@@ -28324,10 +27122,10 @@
         </p:nvGrpSpPr>
         <p:grpSpPr>
           <a:xfrm>
-            <a:off x="5659702" y="3749028"/>
-            <a:ext cx="2623683" cy="1577792"/>
-            <a:chOff x="1278952" y="1503086"/>
-            <a:chExt cx="2623683" cy="1577792"/>
+            <a:off x="5659702" y="3781313"/>
+            <a:ext cx="2623683" cy="1545507"/>
+            <a:chOff x="1278952" y="1535371"/>
+            <a:chExt cx="2623683" cy="1545507"/>
           </a:xfrm>
           <a:noFill/>
         </p:grpSpPr>
@@ -28339,10 +27137,10 @@
           </p:nvGrpSpPr>
           <p:grpSpPr>
             <a:xfrm>
-              <a:off x="1278952" y="1503086"/>
-              <a:ext cx="2623683" cy="1577792"/>
-              <a:chOff x="1278952" y="1503086"/>
-              <a:chExt cx="2623683" cy="1577792"/>
+              <a:off x="1278952" y="1535371"/>
+              <a:ext cx="2623683" cy="1545507"/>
+              <a:chOff x="1278952" y="1535371"/>
+              <a:chExt cx="2623683" cy="1545507"/>
             </a:xfrm>
             <a:grpFill/>
           </p:grpSpPr>
@@ -28355,7 +27153,7 @@
             <p:spPr>
               <a:xfrm>
                 <a:off x="2534016" y="2109699"/>
-                <a:ext cx="1171389" cy="412377"/>
+                <a:ext cx="1368619" cy="412377"/>
               </a:xfrm>
               <a:prstGeom prst="rect">
                 <a:avLst/>
@@ -28385,9 +27183,10 @@
               <a:p>
                 <a:pPr algn="ctr"/>
                 <a:r>
-                  <a:rPr lang="fr-FR" dirty="0"/>
-                  <a:t>Japonais</a:t>
+                  <a:rPr lang="fr-FR" dirty="0" err="1" smtClean="0"/>
+                  <a:t>Japanese</a:t>
                 </a:r>
+                <a:endParaRPr lang="fr-FR" dirty="0"/>
               </a:p>
             </p:txBody>
           </p:sp>
@@ -28430,9 +27229,10 @@
               <a:p>
                 <a:pPr algn="ctr"/>
                 <a:r>
-                  <a:rPr lang="fr-FR" dirty="0"/>
-                  <a:t>Turque</a:t>
+                  <a:rPr lang="fr-FR" dirty="0" err="1" smtClean="0"/>
+                  <a:t>Turkish</a:t>
                 </a:r>
+                <a:endParaRPr lang="fr-FR" dirty="0" smtClean="0"/>
               </a:p>
             </p:txBody>
           </p:sp>
@@ -28475,9 +27275,10 @@
               <a:p>
                 <a:pPr algn="ctr"/>
                 <a:r>
-                  <a:rPr lang="fr-FR" dirty="0"/>
-                  <a:t>Italien</a:t>
+                  <a:rPr lang="fr-FR" dirty="0" err="1" smtClean="0"/>
+                  <a:t>Italian</a:t>
                 </a:r>
+                <a:endParaRPr lang="fr-FR" dirty="0"/>
               </a:p>
             </p:txBody>
           </p:sp>
@@ -28492,8 +27293,8 @@
             </p:nvCxnSpPr>
             <p:spPr>
               <a:xfrm flipH="1" flipV="1">
-                <a:off x="3119711" y="2522076"/>
-                <a:ext cx="303987" cy="122516"/>
+                <a:off x="3218326" y="2522076"/>
+                <a:ext cx="205372" cy="122516"/>
               </a:xfrm>
               <a:prstGeom prst="straightConnector1">
                 <a:avLst/>
@@ -28530,7 +27331,7 @@
             <p:spPr>
               <a:xfrm flipV="1">
                 <a:off x="2085797" y="2522076"/>
-                <a:ext cx="1033914" cy="146425"/>
+                <a:ext cx="1132529" cy="146425"/>
               </a:xfrm>
               <a:prstGeom prst="straightConnector1">
                 <a:avLst/>
@@ -28594,9 +27395,10 @@
               <a:p>
                 <a:pPr algn="ctr"/>
                 <a:r>
-                  <a:rPr lang="fr-FR" dirty="0"/>
-                  <a:t>Français</a:t>
+                  <a:rPr lang="fr-FR" dirty="0" smtClean="0"/>
+                  <a:t>French</a:t>
                 </a:r>
+                <a:endParaRPr lang="fr-FR" dirty="0"/>
               </a:p>
             </p:txBody>
           </p:sp>
@@ -28612,7 +27414,7 @@
             <p:spPr>
               <a:xfrm flipV="1">
                 <a:off x="1852694" y="1915463"/>
-                <a:ext cx="466624" cy="152401"/>
+                <a:ext cx="538569" cy="152401"/>
               </a:xfrm>
               <a:prstGeom prst="straightConnector1">
                 <a:avLst/>
@@ -28645,8 +27447,8 @@
             </p:nvSpPr>
             <p:spPr>
               <a:xfrm>
-                <a:off x="1825809" y="1503086"/>
-                <a:ext cx="987017" cy="412377"/>
+                <a:off x="1825809" y="1535371"/>
+                <a:ext cx="1130907" cy="380092"/>
               </a:xfrm>
               <a:prstGeom prst="rect">
                 <a:avLst/>
@@ -28676,9 +27478,10 @@
               <a:p>
                 <a:pPr algn="ctr"/>
                 <a:r>
-                  <a:rPr lang="fr-FR" dirty="0"/>
-                  <a:t>Chinois</a:t>
+                  <a:rPr lang="fr-FR" dirty="0" err="1" smtClean="0"/>
+                  <a:t>Chinese</a:t>
                 </a:r>
+                <a:endParaRPr lang="fr-FR" dirty="0"/>
               </a:p>
             </p:txBody>
           </p:sp>
@@ -28731,8 +27534,8 @@
           </p:nvCxnSpPr>
           <p:spPr>
             <a:xfrm flipH="1" flipV="1">
-              <a:off x="2319318" y="1915463"/>
-              <a:ext cx="800393" cy="194236"/>
+              <a:off x="2391263" y="1915463"/>
+              <a:ext cx="827063" cy="194236"/>
             </a:xfrm>
             <a:prstGeom prst="straightConnector1">
               <a:avLst/>
@@ -28796,8 +27599,8 @@
           <a:p>
             <a:pPr algn="ctr"/>
             <a:r>
-              <a:rPr lang="fr-FR" dirty="0" smtClean="0"/>
-              <a:t>calme</a:t>
+              <a:rPr lang="fr-FR" dirty="0" err="1" smtClean="0"/>
+              <a:t>calm</a:t>
             </a:r>
             <a:endParaRPr lang="fr-FR" dirty="0"/>
           </a:p>
@@ -28841,9 +27644,10 @@
           <a:p>
             <a:pPr algn="ctr"/>
             <a:r>
-              <a:rPr lang="fr-FR" dirty="0"/>
-              <a:t>Animé</a:t>
-            </a:r>
+              <a:rPr lang="fr-FR" dirty="0" smtClean="0"/>
+              <a:t>Noisy</a:t>
+            </a:r>
+            <a:endParaRPr lang="fr-FR" dirty="0"/>
           </a:p>
         </p:txBody>
       </p:sp>
@@ -28891,7 +27695,7 @@
         </p:nvSpPr>
         <p:spPr>
           <a:xfrm>
-            <a:off x="9035146" y="3725329"/>
+            <a:off x="8883826" y="3726629"/>
             <a:ext cx="2682294" cy="378307"/>
           </a:xfrm>
           <a:prstGeom prst="rect">
@@ -28936,10 +27740,10 @@
         </p:nvGrpSpPr>
         <p:grpSpPr>
           <a:xfrm>
-            <a:off x="9007873" y="4677978"/>
-            <a:ext cx="2682294" cy="378307"/>
-            <a:chOff x="9007873" y="4379161"/>
-            <a:chExt cx="2682294" cy="378307"/>
+            <a:off x="8883826" y="4664159"/>
+            <a:ext cx="2866087" cy="378307"/>
+            <a:chOff x="8883826" y="4365342"/>
+            <a:chExt cx="2866087" cy="378307"/>
           </a:xfrm>
         </p:grpSpPr>
         <p:sp>
@@ -28950,7 +27754,7 @@
           </p:nvSpPr>
           <p:spPr>
             <a:xfrm>
-              <a:off x="10257435" y="4443122"/>
+              <a:off x="10530714" y="4443122"/>
               <a:ext cx="1219199" cy="268940"/>
             </a:xfrm>
             <a:prstGeom prst="rect">
@@ -28980,9 +27784,10 @@
             <a:p>
               <a:pPr algn="ctr"/>
               <a:r>
-                <a:rPr lang="fr-FR" dirty="0"/>
-                <a:t>abordable</a:t>
+                <a:rPr lang="fr-FR" dirty="0" smtClean="0"/>
+                <a:t>Cheap</a:t>
               </a:r>
+              <a:endParaRPr lang="fr-FR" dirty="0"/>
             </a:p>
           </p:txBody>
         </p:sp>
@@ -28994,8 +27799,8 @@
           </p:nvSpPr>
           <p:spPr>
             <a:xfrm>
-              <a:off x="9145810" y="4443121"/>
-              <a:ext cx="669365" cy="268940"/>
+              <a:off x="8883826" y="4427366"/>
+              <a:ext cx="1341235" cy="284694"/>
             </a:xfrm>
             <a:prstGeom prst="rect">
               <a:avLst/>
@@ -29024,25 +27829,23 @@
             <a:p>
               <a:pPr algn="ctr"/>
               <a:r>
-                <a:rPr lang="fr-FR" dirty="0"/>
-                <a:t>cher</a:t>
+                <a:rPr lang="fr-FR" dirty="0" err="1" smtClean="0"/>
+                <a:t>Expensive</a:t>
               </a:r>
+              <a:endParaRPr lang="fr-FR" dirty="0"/>
             </a:p>
           </p:txBody>
         </p:sp>
         <p:cxnSp>
           <p:nvCxnSpPr>
             <p:cNvPr id="75" name="Connecteur droit avec flèche 74"/>
-            <p:cNvCxnSpPr>
-              <a:stCxn id="74" idx="3"/>
-              <a:endCxn id="73" idx="1"/>
-            </p:cNvCxnSpPr>
+            <p:cNvCxnSpPr/>
             <p:nvPr/>
           </p:nvCxnSpPr>
           <p:spPr>
             <a:xfrm>
-              <a:off x="9815175" y="4577591"/>
-              <a:ext cx="442260" cy="1"/>
+              <a:off x="10196175" y="4577591"/>
+              <a:ext cx="486939" cy="1"/>
             </a:xfrm>
             <a:prstGeom prst="straightConnector1">
               <a:avLst/>
@@ -29074,8 +27877,8 @@
           </p:nvSpPr>
           <p:spPr>
             <a:xfrm>
-              <a:off x="9007873" y="4379161"/>
-              <a:ext cx="2682294" cy="378307"/>
+              <a:off x="8884230" y="4365342"/>
+              <a:ext cx="2711261" cy="378307"/>
             </a:xfrm>
             <a:prstGeom prst="rect">
               <a:avLst/>
@@ -29122,8 +27925,8 @@
         </p:nvSpPr>
         <p:spPr>
           <a:xfrm>
-            <a:off x="5609385" y="3627871"/>
-            <a:ext cx="3236753" cy="1840753"/>
+            <a:off x="5659702" y="3599617"/>
+            <a:ext cx="2864738" cy="1840753"/>
           </a:xfrm>
           <a:prstGeom prst="rect">
             <a:avLst/>
